--- a/Präsentationen/3. Vortrag.pptx
+++ b/Präsentationen/3. Vortrag.pptx
@@ -5,16 +5,17 @@
     <p:sldMasterId id="2147483660" r:id="rId1"/>
   </p:sldMasterIdLst>
   <p:notesMasterIdLst>
-    <p:notesMasterId r:id="rId9"/>
+    <p:notesMasterId r:id="rId10"/>
   </p:notesMasterIdLst>
   <p:sldIdLst>
     <p:sldId id="256" r:id="rId2"/>
     <p:sldId id="257" r:id="rId3"/>
     <p:sldId id="259" r:id="rId4"/>
-    <p:sldId id="268" r:id="rId5"/>
-    <p:sldId id="267" r:id="rId6"/>
-    <p:sldId id="269" r:id="rId7"/>
-    <p:sldId id="266" r:id="rId8"/>
+    <p:sldId id="267" r:id="rId5"/>
+    <p:sldId id="264" r:id="rId6"/>
+    <p:sldId id="268" r:id="rId7"/>
+    <p:sldId id="269" r:id="rId8"/>
+    <p:sldId id="266" r:id="rId9"/>
   </p:sldIdLst>
   <p:sldSz cx="12192000" cy="6858000"/>
   <p:notesSz cx="6858000" cy="9144000"/>
@@ -1723,6 +1724,1500 @@
 </file>
 
 <file path=ppt/diagrams/colors2.xml><?xml version="1.0" encoding="utf-8"?>
+<dgm:colorsDef xmlns:dgm="http://schemas.openxmlformats.org/drawingml/2006/diagram" xmlns:a="http://schemas.openxmlformats.org/drawingml/2006/main" uniqueId="urn:microsoft.com/office/officeart/2005/8/colors/accent1_2">
+  <dgm:title val=""/>
+  <dgm:desc val=""/>
+  <dgm:catLst>
+    <dgm:cat type="accent1" pri="11200"/>
+  </dgm:catLst>
+  <dgm:styleLbl name="node0">
+    <dgm:fillClrLst meth="repeat">
+      <a:schemeClr val="accent1"/>
+    </dgm:fillClrLst>
+    <dgm:linClrLst meth="repeat">
+      <a:schemeClr val="lt1"/>
+    </dgm:linClrLst>
+    <dgm:effectClrLst/>
+    <dgm:txLinClrLst/>
+    <dgm:txFillClrLst/>
+    <dgm:txEffectClrLst/>
+  </dgm:styleLbl>
+  <dgm:styleLbl name="alignNode1">
+    <dgm:fillClrLst meth="repeat">
+      <a:schemeClr val="accent1"/>
+    </dgm:fillClrLst>
+    <dgm:linClrLst meth="repeat">
+      <a:schemeClr val="accent1"/>
+    </dgm:linClrLst>
+    <dgm:effectClrLst/>
+    <dgm:txLinClrLst/>
+    <dgm:txFillClrLst/>
+    <dgm:txEffectClrLst/>
+  </dgm:styleLbl>
+  <dgm:styleLbl name="node1">
+    <dgm:fillClrLst meth="repeat">
+      <a:schemeClr val="accent1"/>
+    </dgm:fillClrLst>
+    <dgm:linClrLst meth="repeat">
+      <a:schemeClr val="lt1"/>
+    </dgm:linClrLst>
+    <dgm:effectClrLst/>
+    <dgm:txLinClrLst/>
+    <dgm:txFillClrLst/>
+    <dgm:txEffectClrLst/>
+  </dgm:styleLbl>
+  <dgm:styleLbl name="lnNode1">
+    <dgm:fillClrLst meth="repeat">
+      <a:schemeClr val="accent1"/>
+    </dgm:fillClrLst>
+    <dgm:linClrLst meth="repeat">
+      <a:schemeClr val="lt1"/>
+    </dgm:linClrLst>
+    <dgm:effectClrLst/>
+    <dgm:txLinClrLst/>
+    <dgm:txFillClrLst/>
+    <dgm:txEffectClrLst/>
+  </dgm:styleLbl>
+  <dgm:styleLbl name="vennNode1">
+    <dgm:fillClrLst meth="repeat">
+      <a:schemeClr val="accent1">
+        <a:alpha val="50000"/>
+      </a:schemeClr>
+    </dgm:fillClrLst>
+    <dgm:linClrLst meth="repeat">
+      <a:schemeClr val="lt1"/>
+    </dgm:linClrLst>
+    <dgm:effectClrLst/>
+    <dgm:txLinClrLst/>
+    <dgm:txFillClrLst/>
+    <dgm:txEffectClrLst/>
+  </dgm:styleLbl>
+  <dgm:styleLbl name="node2">
+    <dgm:fillClrLst meth="repeat">
+      <a:schemeClr val="accent1"/>
+    </dgm:fillClrLst>
+    <dgm:linClrLst meth="repeat">
+      <a:schemeClr val="lt1"/>
+    </dgm:linClrLst>
+    <dgm:effectClrLst/>
+    <dgm:txLinClrLst/>
+    <dgm:txFillClrLst/>
+    <dgm:txEffectClrLst/>
+  </dgm:styleLbl>
+  <dgm:styleLbl name="node3">
+    <dgm:fillClrLst meth="repeat">
+      <a:schemeClr val="accent1"/>
+    </dgm:fillClrLst>
+    <dgm:linClrLst meth="repeat">
+      <a:schemeClr val="lt1"/>
+    </dgm:linClrLst>
+    <dgm:effectClrLst/>
+    <dgm:txLinClrLst/>
+    <dgm:txFillClrLst/>
+    <dgm:txEffectClrLst/>
+  </dgm:styleLbl>
+  <dgm:styleLbl name="node4">
+    <dgm:fillClrLst meth="repeat">
+      <a:schemeClr val="accent1"/>
+    </dgm:fillClrLst>
+    <dgm:linClrLst meth="repeat">
+      <a:schemeClr val="lt1"/>
+    </dgm:linClrLst>
+    <dgm:effectClrLst/>
+    <dgm:txLinClrLst/>
+    <dgm:txFillClrLst/>
+    <dgm:txEffectClrLst/>
+  </dgm:styleLbl>
+  <dgm:styleLbl name="fgImgPlace1">
+    <dgm:fillClrLst meth="repeat">
+      <a:schemeClr val="accent1">
+        <a:tint val="50000"/>
+      </a:schemeClr>
+    </dgm:fillClrLst>
+    <dgm:linClrLst meth="repeat">
+      <a:schemeClr val="lt1"/>
+    </dgm:linClrLst>
+    <dgm:effectClrLst/>
+    <dgm:txLinClrLst/>
+    <dgm:txFillClrLst meth="repeat">
+      <a:schemeClr val="lt1"/>
+    </dgm:txFillClrLst>
+    <dgm:txEffectClrLst/>
+  </dgm:styleLbl>
+  <dgm:styleLbl name="alignImgPlace1">
+    <dgm:fillClrLst meth="repeat">
+      <a:schemeClr val="accent1">
+        <a:tint val="50000"/>
+      </a:schemeClr>
+    </dgm:fillClrLst>
+    <dgm:linClrLst meth="repeat">
+      <a:schemeClr val="lt1"/>
+    </dgm:linClrLst>
+    <dgm:effectClrLst/>
+    <dgm:txLinClrLst/>
+    <dgm:txFillClrLst meth="repeat">
+      <a:schemeClr val="lt1"/>
+    </dgm:txFillClrLst>
+    <dgm:txEffectClrLst/>
+  </dgm:styleLbl>
+  <dgm:styleLbl name="bgImgPlace1">
+    <dgm:fillClrLst meth="repeat">
+      <a:schemeClr val="accent1">
+        <a:tint val="50000"/>
+      </a:schemeClr>
+    </dgm:fillClrLst>
+    <dgm:linClrLst meth="repeat">
+      <a:schemeClr val="lt1"/>
+    </dgm:linClrLst>
+    <dgm:effectClrLst/>
+    <dgm:txLinClrLst/>
+    <dgm:txFillClrLst meth="repeat">
+      <a:schemeClr val="lt1"/>
+    </dgm:txFillClrLst>
+    <dgm:txEffectClrLst/>
+  </dgm:styleLbl>
+  <dgm:styleLbl name="sibTrans2D1">
+    <dgm:fillClrLst meth="repeat">
+      <a:schemeClr val="accent1">
+        <a:tint val="60000"/>
+      </a:schemeClr>
+    </dgm:fillClrLst>
+    <dgm:linClrLst meth="repeat">
+      <a:schemeClr val="accent1">
+        <a:tint val="60000"/>
+      </a:schemeClr>
+    </dgm:linClrLst>
+    <dgm:effectClrLst/>
+    <dgm:txLinClrLst/>
+    <dgm:txFillClrLst/>
+    <dgm:txEffectClrLst/>
+  </dgm:styleLbl>
+  <dgm:styleLbl name="fgSibTrans2D1">
+    <dgm:fillClrLst meth="repeat">
+      <a:schemeClr val="accent1">
+        <a:tint val="60000"/>
+      </a:schemeClr>
+    </dgm:fillClrLst>
+    <dgm:linClrLst meth="repeat">
+      <a:schemeClr val="accent1">
+        <a:tint val="60000"/>
+      </a:schemeClr>
+    </dgm:linClrLst>
+    <dgm:effectClrLst/>
+    <dgm:txLinClrLst/>
+    <dgm:txFillClrLst/>
+    <dgm:txEffectClrLst/>
+  </dgm:styleLbl>
+  <dgm:styleLbl name="bgSibTrans2D1">
+    <dgm:fillClrLst meth="repeat">
+      <a:schemeClr val="accent1">
+        <a:tint val="60000"/>
+      </a:schemeClr>
+    </dgm:fillClrLst>
+    <dgm:linClrLst meth="repeat">
+      <a:schemeClr val="accent1">
+        <a:tint val="60000"/>
+      </a:schemeClr>
+    </dgm:linClrLst>
+    <dgm:effectClrLst/>
+    <dgm:txLinClrLst/>
+    <dgm:txFillClrLst/>
+    <dgm:txEffectClrLst/>
+  </dgm:styleLbl>
+  <dgm:styleLbl name="sibTrans1D1">
+    <dgm:fillClrLst meth="repeat">
+      <a:schemeClr val="accent1"/>
+    </dgm:fillClrLst>
+    <dgm:linClrLst meth="repeat">
+      <a:schemeClr val="accent1"/>
+    </dgm:linClrLst>
+    <dgm:effectClrLst/>
+    <dgm:txLinClrLst/>
+    <dgm:txFillClrLst meth="repeat">
+      <a:schemeClr val="tx1"/>
+    </dgm:txFillClrLst>
+    <dgm:txEffectClrLst/>
+  </dgm:styleLbl>
+  <dgm:styleLbl name="callout">
+    <dgm:fillClrLst meth="repeat">
+      <a:schemeClr val="accent1"/>
+    </dgm:fillClrLst>
+    <dgm:linClrLst meth="repeat">
+      <a:schemeClr val="accent1">
+        <a:tint val="50000"/>
+      </a:schemeClr>
+    </dgm:linClrLst>
+    <dgm:effectClrLst/>
+    <dgm:txLinClrLst/>
+    <dgm:txFillClrLst meth="repeat">
+      <a:schemeClr val="tx1"/>
+    </dgm:txFillClrLst>
+    <dgm:txEffectClrLst/>
+  </dgm:styleLbl>
+  <dgm:styleLbl name="asst0">
+    <dgm:fillClrLst meth="repeat">
+      <a:schemeClr val="accent1"/>
+    </dgm:fillClrLst>
+    <dgm:linClrLst meth="repeat">
+      <a:schemeClr val="lt1"/>
+    </dgm:linClrLst>
+    <dgm:effectClrLst/>
+    <dgm:txLinClrLst/>
+    <dgm:txFillClrLst/>
+    <dgm:txEffectClrLst/>
+  </dgm:styleLbl>
+  <dgm:styleLbl name="asst1">
+    <dgm:fillClrLst meth="repeat">
+      <a:schemeClr val="accent1"/>
+    </dgm:fillClrLst>
+    <dgm:linClrLst meth="repeat">
+      <a:schemeClr val="lt1"/>
+    </dgm:linClrLst>
+    <dgm:effectClrLst/>
+    <dgm:txLinClrLst/>
+    <dgm:txFillClrLst/>
+    <dgm:txEffectClrLst/>
+  </dgm:styleLbl>
+  <dgm:styleLbl name="asst2">
+    <dgm:fillClrLst meth="repeat">
+      <a:schemeClr val="accent1"/>
+    </dgm:fillClrLst>
+    <dgm:linClrLst meth="repeat">
+      <a:schemeClr val="lt1"/>
+    </dgm:linClrLst>
+    <dgm:effectClrLst/>
+    <dgm:txLinClrLst/>
+    <dgm:txFillClrLst/>
+    <dgm:txEffectClrLst/>
+  </dgm:styleLbl>
+  <dgm:styleLbl name="asst3">
+    <dgm:fillClrLst meth="repeat">
+      <a:schemeClr val="accent1"/>
+    </dgm:fillClrLst>
+    <dgm:linClrLst meth="repeat">
+      <a:schemeClr val="lt1"/>
+    </dgm:linClrLst>
+    <dgm:effectClrLst/>
+    <dgm:txLinClrLst/>
+    <dgm:txFillClrLst/>
+    <dgm:txEffectClrLst/>
+  </dgm:styleLbl>
+  <dgm:styleLbl name="asst4">
+    <dgm:fillClrLst meth="repeat">
+      <a:schemeClr val="accent1"/>
+    </dgm:fillClrLst>
+    <dgm:linClrLst meth="repeat">
+      <a:schemeClr val="lt1"/>
+    </dgm:linClrLst>
+    <dgm:effectClrLst/>
+    <dgm:txLinClrLst/>
+    <dgm:txFillClrLst/>
+    <dgm:txEffectClrLst/>
+  </dgm:styleLbl>
+  <dgm:styleLbl name="parChTrans2D1">
+    <dgm:fillClrLst meth="repeat">
+      <a:schemeClr val="accent1">
+        <a:tint val="60000"/>
+      </a:schemeClr>
+    </dgm:fillClrLst>
+    <dgm:linClrLst meth="repeat">
+      <a:schemeClr val="accent1">
+        <a:tint val="60000"/>
+      </a:schemeClr>
+    </dgm:linClrLst>
+    <dgm:effectClrLst/>
+    <dgm:txLinClrLst/>
+    <dgm:txFillClrLst meth="repeat">
+      <a:schemeClr val="lt1"/>
+    </dgm:txFillClrLst>
+    <dgm:txEffectClrLst/>
+  </dgm:styleLbl>
+  <dgm:styleLbl name="parChTrans2D2">
+    <dgm:fillClrLst meth="repeat">
+      <a:schemeClr val="accent1"/>
+    </dgm:fillClrLst>
+    <dgm:linClrLst meth="repeat">
+      <a:schemeClr val="accent1"/>
+    </dgm:linClrLst>
+    <dgm:effectClrLst/>
+    <dgm:txLinClrLst/>
+    <dgm:txFillClrLst meth="repeat">
+      <a:schemeClr val="lt1"/>
+    </dgm:txFillClrLst>
+    <dgm:txEffectClrLst/>
+  </dgm:styleLbl>
+  <dgm:styleLbl name="parChTrans2D3">
+    <dgm:fillClrLst meth="repeat">
+      <a:schemeClr val="accent1"/>
+    </dgm:fillClrLst>
+    <dgm:linClrLst meth="repeat">
+      <a:schemeClr val="accent1"/>
+    </dgm:linClrLst>
+    <dgm:effectClrLst/>
+    <dgm:txLinClrLst/>
+    <dgm:txFillClrLst meth="repeat">
+      <a:schemeClr val="lt1"/>
+    </dgm:txFillClrLst>
+    <dgm:txEffectClrLst/>
+  </dgm:styleLbl>
+  <dgm:styleLbl name="parChTrans2D4">
+    <dgm:fillClrLst meth="repeat">
+      <a:schemeClr val="accent1"/>
+    </dgm:fillClrLst>
+    <dgm:linClrLst meth="repeat">
+      <a:schemeClr val="accent1"/>
+    </dgm:linClrLst>
+    <dgm:effectClrLst/>
+    <dgm:txLinClrLst/>
+    <dgm:txFillClrLst meth="repeat">
+      <a:schemeClr val="lt1"/>
+    </dgm:txFillClrLst>
+    <dgm:txEffectClrLst/>
+  </dgm:styleLbl>
+  <dgm:styleLbl name="parChTrans1D1">
+    <dgm:fillClrLst meth="repeat">
+      <a:schemeClr val="accent1"/>
+    </dgm:fillClrLst>
+    <dgm:linClrLst meth="repeat">
+      <a:schemeClr val="accent1">
+        <a:shade val="60000"/>
+      </a:schemeClr>
+    </dgm:linClrLst>
+    <dgm:effectClrLst/>
+    <dgm:txLinClrLst/>
+    <dgm:txFillClrLst meth="repeat">
+      <a:schemeClr val="tx1"/>
+    </dgm:txFillClrLst>
+    <dgm:txEffectClrLst/>
+  </dgm:styleLbl>
+  <dgm:styleLbl name="parChTrans1D2">
+    <dgm:fillClrLst meth="repeat">
+      <a:schemeClr val="accent1"/>
+    </dgm:fillClrLst>
+    <dgm:linClrLst meth="repeat">
+      <a:schemeClr val="accent1">
+        <a:shade val="60000"/>
+      </a:schemeClr>
+    </dgm:linClrLst>
+    <dgm:effectClrLst/>
+    <dgm:txLinClrLst/>
+    <dgm:txFillClrLst meth="repeat">
+      <a:schemeClr val="tx1"/>
+    </dgm:txFillClrLst>
+    <dgm:txEffectClrLst/>
+  </dgm:styleLbl>
+  <dgm:styleLbl name="parChTrans1D3">
+    <dgm:fillClrLst meth="repeat">
+      <a:schemeClr val="accent1"/>
+    </dgm:fillClrLst>
+    <dgm:linClrLst meth="repeat">
+      <a:schemeClr val="accent1">
+        <a:shade val="80000"/>
+      </a:schemeClr>
+    </dgm:linClrLst>
+    <dgm:effectClrLst/>
+    <dgm:txLinClrLst/>
+    <dgm:txFillClrLst meth="repeat">
+      <a:schemeClr val="tx1"/>
+    </dgm:txFillClrLst>
+    <dgm:txEffectClrLst/>
+  </dgm:styleLbl>
+  <dgm:styleLbl name="parChTrans1D4">
+    <dgm:fillClrLst meth="repeat">
+      <a:schemeClr val="accent1"/>
+    </dgm:fillClrLst>
+    <dgm:linClrLst meth="repeat">
+      <a:schemeClr val="accent1">
+        <a:shade val="80000"/>
+      </a:schemeClr>
+    </dgm:linClrLst>
+    <dgm:effectClrLst/>
+    <dgm:txLinClrLst/>
+    <dgm:txFillClrLst meth="repeat">
+      <a:schemeClr val="tx1"/>
+    </dgm:txFillClrLst>
+    <dgm:txEffectClrLst/>
+  </dgm:styleLbl>
+  <dgm:styleLbl name="fgAcc1">
+    <dgm:fillClrLst meth="repeat">
+      <a:schemeClr val="lt1">
+        <a:alpha val="90000"/>
+      </a:schemeClr>
+    </dgm:fillClrLst>
+    <dgm:linClrLst meth="repeat">
+      <a:schemeClr val="accent1"/>
+    </dgm:linClrLst>
+    <dgm:effectClrLst/>
+    <dgm:txLinClrLst/>
+    <dgm:txFillClrLst meth="repeat">
+      <a:schemeClr val="dk1"/>
+    </dgm:txFillClrLst>
+    <dgm:txEffectClrLst/>
+  </dgm:styleLbl>
+  <dgm:styleLbl name="conFgAcc1">
+    <dgm:fillClrLst meth="repeat">
+      <a:schemeClr val="lt1">
+        <a:alpha val="90000"/>
+      </a:schemeClr>
+    </dgm:fillClrLst>
+    <dgm:linClrLst meth="repeat">
+      <a:schemeClr val="accent1"/>
+    </dgm:linClrLst>
+    <dgm:effectClrLst/>
+    <dgm:txLinClrLst/>
+    <dgm:txFillClrLst meth="repeat">
+      <a:schemeClr val="dk1"/>
+    </dgm:txFillClrLst>
+    <dgm:txEffectClrLst/>
+  </dgm:styleLbl>
+  <dgm:styleLbl name="alignAcc1">
+    <dgm:fillClrLst meth="repeat">
+      <a:schemeClr val="lt1">
+        <a:alpha val="90000"/>
+      </a:schemeClr>
+    </dgm:fillClrLst>
+    <dgm:linClrLst meth="repeat">
+      <a:schemeClr val="accent1"/>
+    </dgm:linClrLst>
+    <dgm:effectClrLst/>
+    <dgm:txLinClrLst/>
+    <dgm:txFillClrLst meth="repeat">
+      <a:schemeClr val="dk1"/>
+    </dgm:txFillClrLst>
+    <dgm:txEffectClrLst/>
+  </dgm:styleLbl>
+  <dgm:styleLbl name="trAlignAcc1">
+    <dgm:fillClrLst meth="repeat">
+      <a:schemeClr val="lt1">
+        <a:alpha val="40000"/>
+      </a:schemeClr>
+    </dgm:fillClrLst>
+    <dgm:linClrLst meth="repeat">
+      <a:schemeClr val="accent1"/>
+    </dgm:linClrLst>
+    <dgm:effectClrLst/>
+    <dgm:txLinClrLst/>
+    <dgm:txFillClrLst meth="repeat">
+      <a:schemeClr val="dk1"/>
+    </dgm:txFillClrLst>
+    <dgm:txEffectClrLst/>
+  </dgm:styleLbl>
+  <dgm:styleLbl name="bgAcc1">
+    <dgm:fillClrLst meth="repeat">
+      <a:schemeClr val="lt1">
+        <a:alpha val="90000"/>
+      </a:schemeClr>
+    </dgm:fillClrLst>
+    <dgm:linClrLst meth="repeat">
+      <a:schemeClr val="accent1"/>
+    </dgm:linClrLst>
+    <dgm:effectClrLst/>
+    <dgm:txLinClrLst/>
+    <dgm:txFillClrLst meth="repeat">
+      <a:schemeClr val="dk1"/>
+    </dgm:txFillClrLst>
+    <dgm:txEffectClrLst/>
+  </dgm:styleLbl>
+  <dgm:styleLbl name="solidFgAcc1">
+    <dgm:fillClrLst meth="repeat">
+      <a:schemeClr val="lt1"/>
+    </dgm:fillClrLst>
+    <dgm:linClrLst meth="repeat">
+      <a:schemeClr val="accent1"/>
+    </dgm:linClrLst>
+    <dgm:effectClrLst/>
+    <dgm:txLinClrLst/>
+    <dgm:txFillClrLst meth="repeat">
+      <a:schemeClr val="dk1"/>
+    </dgm:txFillClrLst>
+    <dgm:txEffectClrLst/>
+  </dgm:styleLbl>
+  <dgm:styleLbl name="solidAlignAcc1">
+    <dgm:fillClrLst meth="repeat">
+      <a:schemeClr val="lt1"/>
+    </dgm:fillClrLst>
+    <dgm:linClrLst meth="repeat">
+      <a:schemeClr val="accent1"/>
+    </dgm:linClrLst>
+    <dgm:effectClrLst/>
+    <dgm:txLinClrLst/>
+    <dgm:txFillClrLst meth="repeat">
+      <a:schemeClr val="dk1"/>
+    </dgm:txFillClrLst>
+    <dgm:txEffectClrLst/>
+  </dgm:styleLbl>
+  <dgm:styleLbl name="solidBgAcc1">
+    <dgm:fillClrLst meth="repeat">
+      <a:schemeClr val="lt1"/>
+    </dgm:fillClrLst>
+    <dgm:linClrLst meth="repeat">
+      <a:schemeClr val="accent1"/>
+    </dgm:linClrLst>
+    <dgm:effectClrLst/>
+    <dgm:txLinClrLst/>
+    <dgm:txFillClrLst meth="repeat">
+      <a:schemeClr val="dk1"/>
+    </dgm:txFillClrLst>
+    <dgm:txEffectClrLst/>
+  </dgm:styleLbl>
+  <dgm:styleLbl name="fgAccFollowNode1">
+    <dgm:fillClrLst meth="repeat">
+      <a:schemeClr val="accent1">
+        <a:alpha val="90000"/>
+        <a:tint val="40000"/>
+      </a:schemeClr>
+    </dgm:fillClrLst>
+    <dgm:linClrLst meth="repeat">
+      <a:schemeClr val="accent1">
+        <a:alpha val="90000"/>
+        <a:tint val="40000"/>
+      </a:schemeClr>
+    </dgm:linClrLst>
+    <dgm:effectClrLst/>
+    <dgm:txLinClrLst/>
+    <dgm:txFillClrLst meth="repeat">
+      <a:schemeClr val="dk1"/>
+    </dgm:txFillClrLst>
+    <dgm:txEffectClrLst/>
+  </dgm:styleLbl>
+  <dgm:styleLbl name="alignAccFollowNode1">
+    <dgm:fillClrLst meth="repeat">
+      <a:schemeClr val="accent1">
+        <a:alpha val="90000"/>
+        <a:tint val="40000"/>
+      </a:schemeClr>
+    </dgm:fillClrLst>
+    <dgm:linClrLst meth="repeat">
+      <a:schemeClr val="accent1">
+        <a:alpha val="90000"/>
+        <a:tint val="40000"/>
+      </a:schemeClr>
+    </dgm:linClrLst>
+    <dgm:effectClrLst/>
+    <dgm:txLinClrLst/>
+    <dgm:txFillClrLst meth="repeat">
+      <a:schemeClr val="dk1"/>
+    </dgm:txFillClrLst>
+    <dgm:txEffectClrLst/>
+  </dgm:styleLbl>
+  <dgm:styleLbl name="bgAccFollowNode1">
+    <dgm:fillClrLst meth="repeat">
+      <a:schemeClr val="accent1">
+        <a:alpha val="90000"/>
+        <a:tint val="40000"/>
+      </a:schemeClr>
+    </dgm:fillClrLst>
+    <dgm:linClrLst meth="repeat">
+      <a:schemeClr val="accent1">
+        <a:alpha val="90000"/>
+        <a:tint val="40000"/>
+      </a:schemeClr>
+    </dgm:linClrLst>
+    <dgm:effectClrLst/>
+    <dgm:txLinClrLst/>
+    <dgm:txFillClrLst meth="repeat">
+      <a:schemeClr val="dk1"/>
+    </dgm:txFillClrLst>
+    <dgm:txEffectClrLst/>
+  </dgm:styleLbl>
+  <dgm:styleLbl name="fgAcc0">
+    <dgm:fillClrLst meth="repeat">
+      <a:schemeClr val="lt1">
+        <a:alpha val="90000"/>
+      </a:schemeClr>
+    </dgm:fillClrLst>
+    <dgm:linClrLst meth="repeat">
+      <a:schemeClr val="accent1"/>
+    </dgm:linClrLst>
+    <dgm:effectClrLst/>
+    <dgm:txLinClrLst/>
+    <dgm:txFillClrLst meth="repeat">
+      <a:schemeClr val="dk1"/>
+    </dgm:txFillClrLst>
+    <dgm:txEffectClrLst/>
+  </dgm:styleLbl>
+  <dgm:styleLbl name="fgAcc2">
+    <dgm:fillClrLst meth="repeat">
+      <a:schemeClr val="lt1">
+        <a:alpha val="90000"/>
+      </a:schemeClr>
+    </dgm:fillClrLst>
+    <dgm:linClrLst meth="repeat">
+      <a:schemeClr val="accent1"/>
+    </dgm:linClrLst>
+    <dgm:effectClrLst/>
+    <dgm:txLinClrLst/>
+    <dgm:txFillClrLst meth="repeat">
+      <a:schemeClr val="dk1"/>
+    </dgm:txFillClrLst>
+    <dgm:txEffectClrLst/>
+  </dgm:styleLbl>
+  <dgm:styleLbl name="fgAcc3">
+    <dgm:fillClrLst meth="repeat">
+      <a:schemeClr val="lt1">
+        <a:alpha val="90000"/>
+      </a:schemeClr>
+    </dgm:fillClrLst>
+    <dgm:linClrLst meth="repeat">
+      <a:schemeClr val="accent1"/>
+    </dgm:linClrLst>
+    <dgm:effectClrLst/>
+    <dgm:txLinClrLst/>
+    <dgm:txFillClrLst meth="repeat">
+      <a:schemeClr val="dk1"/>
+    </dgm:txFillClrLst>
+    <dgm:txEffectClrLst/>
+  </dgm:styleLbl>
+  <dgm:styleLbl name="fgAcc4">
+    <dgm:fillClrLst meth="repeat">
+      <a:schemeClr val="lt1">
+        <a:alpha val="90000"/>
+      </a:schemeClr>
+    </dgm:fillClrLst>
+    <dgm:linClrLst meth="repeat">
+      <a:schemeClr val="accent1"/>
+    </dgm:linClrLst>
+    <dgm:effectClrLst/>
+    <dgm:txLinClrLst/>
+    <dgm:txFillClrLst meth="repeat">
+      <a:schemeClr val="dk1"/>
+    </dgm:txFillClrLst>
+    <dgm:txEffectClrLst/>
+  </dgm:styleLbl>
+  <dgm:styleLbl name="bgShp">
+    <dgm:fillClrLst meth="repeat">
+      <a:schemeClr val="accent1">
+        <a:tint val="40000"/>
+      </a:schemeClr>
+    </dgm:fillClrLst>
+    <dgm:linClrLst meth="repeat">
+      <a:schemeClr val="accent1"/>
+    </dgm:linClrLst>
+    <dgm:effectClrLst/>
+    <dgm:txLinClrLst/>
+    <dgm:txFillClrLst meth="repeat">
+      <a:schemeClr val="dk1"/>
+    </dgm:txFillClrLst>
+    <dgm:txEffectClrLst/>
+  </dgm:styleLbl>
+  <dgm:styleLbl name="dkBgShp">
+    <dgm:fillClrLst meth="repeat">
+      <a:schemeClr val="accent1">
+        <a:shade val="80000"/>
+      </a:schemeClr>
+    </dgm:fillClrLst>
+    <dgm:linClrLst meth="repeat">
+      <a:schemeClr val="accent1"/>
+    </dgm:linClrLst>
+    <dgm:effectClrLst/>
+    <dgm:txLinClrLst/>
+    <dgm:txFillClrLst meth="repeat">
+      <a:schemeClr val="lt1"/>
+    </dgm:txFillClrLst>
+    <dgm:txEffectClrLst/>
+  </dgm:styleLbl>
+  <dgm:styleLbl name="trBgShp">
+    <dgm:fillClrLst meth="repeat">
+      <a:schemeClr val="accent1">
+        <a:tint val="50000"/>
+        <a:alpha val="40000"/>
+      </a:schemeClr>
+    </dgm:fillClrLst>
+    <dgm:linClrLst meth="repeat">
+      <a:schemeClr val="accent1"/>
+    </dgm:linClrLst>
+    <dgm:effectClrLst/>
+    <dgm:txLinClrLst/>
+    <dgm:txFillClrLst meth="repeat">
+      <a:schemeClr val="lt1"/>
+    </dgm:txFillClrLst>
+    <dgm:txEffectClrLst/>
+  </dgm:styleLbl>
+  <dgm:styleLbl name="fgShp">
+    <dgm:fillClrLst meth="repeat">
+      <a:schemeClr val="accent1">
+        <a:tint val="60000"/>
+      </a:schemeClr>
+    </dgm:fillClrLst>
+    <dgm:linClrLst meth="repeat">
+      <a:schemeClr val="lt1"/>
+    </dgm:linClrLst>
+    <dgm:effectClrLst/>
+    <dgm:txLinClrLst/>
+    <dgm:txFillClrLst meth="repeat">
+      <a:schemeClr val="dk1"/>
+    </dgm:txFillClrLst>
+    <dgm:txEffectClrLst/>
+  </dgm:styleLbl>
+  <dgm:styleLbl name="revTx">
+    <dgm:fillClrLst meth="repeat">
+      <a:schemeClr val="lt1">
+        <a:alpha val="0"/>
+      </a:schemeClr>
+    </dgm:fillClrLst>
+    <dgm:linClrLst meth="repeat">
+      <a:schemeClr val="dk1">
+        <a:alpha val="0"/>
+      </a:schemeClr>
+    </dgm:linClrLst>
+    <dgm:effectClrLst/>
+    <dgm:txLinClrLst/>
+    <dgm:txFillClrLst meth="repeat">
+      <a:schemeClr val="tx1"/>
+    </dgm:txFillClrLst>
+    <dgm:txEffectClrLst/>
+  </dgm:styleLbl>
+</dgm:colorsDef>
+</file>
+
+<file path=ppt/diagrams/colors3.xml><?xml version="1.0" encoding="utf-8"?>
+<dgm:colorsDef xmlns:dgm="http://schemas.openxmlformats.org/drawingml/2006/diagram" xmlns:a="http://schemas.openxmlformats.org/drawingml/2006/main" uniqueId="urn:microsoft.com/office/officeart/2005/8/colors/accent1_2">
+  <dgm:title val=""/>
+  <dgm:desc val=""/>
+  <dgm:catLst>
+    <dgm:cat type="accent1" pri="11200"/>
+  </dgm:catLst>
+  <dgm:styleLbl name="node0">
+    <dgm:fillClrLst meth="repeat">
+      <a:schemeClr val="accent1"/>
+    </dgm:fillClrLst>
+    <dgm:linClrLst meth="repeat">
+      <a:schemeClr val="lt1"/>
+    </dgm:linClrLst>
+    <dgm:effectClrLst/>
+    <dgm:txLinClrLst/>
+    <dgm:txFillClrLst/>
+    <dgm:txEffectClrLst/>
+  </dgm:styleLbl>
+  <dgm:styleLbl name="alignNode1">
+    <dgm:fillClrLst meth="repeat">
+      <a:schemeClr val="accent1"/>
+    </dgm:fillClrLst>
+    <dgm:linClrLst meth="repeat">
+      <a:schemeClr val="accent1"/>
+    </dgm:linClrLst>
+    <dgm:effectClrLst/>
+    <dgm:txLinClrLst/>
+    <dgm:txFillClrLst/>
+    <dgm:txEffectClrLst/>
+  </dgm:styleLbl>
+  <dgm:styleLbl name="node1">
+    <dgm:fillClrLst meth="repeat">
+      <a:schemeClr val="accent1"/>
+    </dgm:fillClrLst>
+    <dgm:linClrLst meth="repeat">
+      <a:schemeClr val="lt1"/>
+    </dgm:linClrLst>
+    <dgm:effectClrLst/>
+    <dgm:txLinClrLst/>
+    <dgm:txFillClrLst/>
+    <dgm:txEffectClrLst/>
+  </dgm:styleLbl>
+  <dgm:styleLbl name="lnNode1">
+    <dgm:fillClrLst meth="repeat">
+      <a:schemeClr val="accent1"/>
+    </dgm:fillClrLst>
+    <dgm:linClrLst meth="repeat">
+      <a:schemeClr val="lt1"/>
+    </dgm:linClrLst>
+    <dgm:effectClrLst/>
+    <dgm:txLinClrLst/>
+    <dgm:txFillClrLst/>
+    <dgm:txEffectClrLst/>
+  </dgm:styleLbl>
+  <dgm:styleLbl name="vennNode1">
+    <dgm:fillClrLst meth="repeat">
+      <a:schemeClr val="accent1">
+        <a:alpha val="50000"/>
+      </a:schemeClr>
+    </dgm:fillClrLst>
+    <dgm:linClrLst meth="repeat">
+      <a:schemeClr val="lt1"/>
+    </dgm:linClrLst>
+    <dgm:effectClrLst/>
+    <dgm:txLinClrLst/>
+    <dgm:txFillClrLst/>
+    <dgm:txEffectClrLst/>
+  </dgm:styleLbl>
+  <dgm:styleLbl name="node2">
+    <dgm:fillClrLst meth="repeat">
+      <a:schemeClr val="accent1"/>
+    </dgm:fillClrLst>
+    <dgm:linClrLst meth="repeat">
+      <a:schemeClr val="lt1"/>
+    </dgm:linClrLst>
+    <dgm:effectClrLst/>
+    <dgm:txLinClrLst/>
+    <dgm:txFillClrLst/>
+    <dgm:txEffectClrLst/>
+  </dgm:styleLbl>
+  <dgm:styleLbl name="node3">
+    <dgm:fillClrLst meth="repeat">
+      <a:schemeClr val="accent1"/>
+    </dgm:fillClrLst>
+    <dgm:linClrLst meth="repeat">
+      <a:schemeClr val="lt1"/>
+    </dgm:linClrLst>
+    <dgm:effectClrLst/>
+    <dgm:txLinClrLst/>
+    <dgm:txFillClrLst/>
+    <dgm:txEffectClrLst/>
+  </dgm:styleLbl>
+  <dgm:styleLbl name="node4">
+    <dgm:fillClrLst meth="repeat">
+      <a:schemeClr val="accent1"/>
+    </dgm:fillClrLst>
+    <dgm:linClrLst meth="repeat">
+      <a:schemeClr val="lt1"/>
+    </dgm:linClrLst>
+    <dgm:effectClrLst/>
+    <dgm:txLinClrLst/>
+    <dgm:txFillClrLst/>
+    <dgm:txEffectClrLst/>
+  </dgm:styleLbl>
+  <dgm:styleLbl name="fgImgPlace1">
+    <dgm:fillClrLst meth="repeat">
+      <a:schemeClr val="accent1">
+        <a:tint val="50000"/>
+      </a:schemeClr>
+    </dgm:fillClrLst>
+    <dgm:linClrLst meth="repeat">
+      <a:schemeClr val="lt1"/>
+    </dgm:linClrLst>
+    <dgm:effectClrLst/>
+    <dgm:txLinClrLst/>
+    <dgm:txFillClrLst meth="repeat">
+      <a:schemeClr val="lt1"/>
+    </dgm:txFillClrLst>
+    <dgm:txEffectClrLst/>
+  </dgm:styleLbl>
+  <dgm:styleLbl name="alignImgPlace1">
+    <dgm:fillClrLst meth="repeat">
+      <a:schemeClr val="accent1">
+        <a:tint val="50000"/>
+      </a:schemeClr>
+    </dgm:fillClrLst>
+    <dgm:linClrLst meth="repeat">
+      <a:schemeClr val="lt1"/>
+    </dgm:linClrLst>
+    <dgm:effectClrLst/>
+    <dgm:txLinClrLst/>
+    <dgm:txFillClrLst meth="repeat">
+      <a:schemeClr val="lt1"/>
+    </dgm:txFillClrLst>
+    <dgm:txEffectClrLst/>
+  </dgm:styleLbl>
+  <dgm:styleLbl name="bgImgPlace1">
+    <dgm:fillClrLst meth="repeat">
+      <a:schemeClr val="accent1">
+        <a:tint val="50000"/>
+      </a:schemeClr>
+    </dgm:fillClrLst>
+    <dgm:linClrLst meth="repeat">
+      <a:schemeClr val="lt1"/>
+    </dgm:linClrLst>
+    <dgm:effectClrLst/>
+    <dgm:txLinClrLst/>
+    <dgm:txFillClrLst meth="repeat">
+      <a:schemeClr val="lt1"/>
+    </dgm:txFillClrLst>
+    <dgm:txEffectClrLst/>
+  </dgm:styleLbl>
+  <dgm:styleLbl name="sibTrans2D1">
+    <dgm:fillClrLst meth="repeat">
+      <a:schemeClr val="accent1">
+        <a:tint val="60000"/>
+      </a:schemeClr>
+    </dgm:fillClrLst>
+    <dgm:linClrLst meth="repeat">
+      <a:schemeClr val="accent1">
+        <a:tint val="60000"/>
+      </a:schemeClr>
+    </dgm:linClrLst>
+    <dgm:effectClrLst/>
+    <dgm:txLinClrLst/>
+    <dgm:txFillClrLst/>
+    <dgm:txEffectClrLst/>
+  </dgm:styleLbl>
+  <dgm:styleLbl name="fgSibTrans2D1">
+    <dgm:fillClrLst meth="repeat">
+      <a:schemeClr val="accent1">
+        <a:tint val="60000"/>
+      </a:schemeClr>
+    </dgm:fillClrLst>
+    <dgm:linClrLst meth="repeat">
+      <a:schemeClr val="accent1">
+        <a:tint val="60000"/>
+      </a:schemeClr>
+    </dgm:linClrLst>
+    <dgm:effectClrLst/>
+    <dgm:txLinClrLst/>
+    <dgm:txFillClrLst/>
+    <dgm:txEffectClrLst/>
+  </dgm:styleLbl>
+  <dgm:styleLbl name="bgSibTrans2D1">
+    <dgm:fillClrLst meth="repeat">
+      <a:schemeClr val="accent1">
+        <a:tint val="60000"/>
+      </a:schemeClr>
+    </dgm:fillClrLst>
+    <dgm:linClrLst meth="repeat">
+      <a:schemeClr val="accent1">
+        <a:tint val="60000"/>
+      </a:schemeClr>
+    </dgm:linClrLst>
+    <dgm:effectClrLst/>
+    <dgm:txLinClrLst/>
+    <dgm:txFillClrLst/>
+    <dgm:txEffectClrLst/>
+  </dgm:styleLbl>
+  <dgm:styleLbl name="sibTrans1D1">
+    <dgm:fillClrLst meth="repeat">
+      <a:schemeClr val="accent1"/>
+    </dgm:fillClrLst>
+    <dgm:linClrLst meth="repeat">
+      <a:schemeClr val="accent1"/>
+    </dgm:linClrLst>
+    <dgm:effectClrLst/>
+    <dgm:txLinClrLst/>
+    <dgm:txFillClrLst meth="repeat">
+      <a:schemeClr val="tx1"/>
+    </dgm:txFillClrLst>
+    <dgm:txEffectClrLst/>
+  </dgm:styleLbl>
+  <dgm:styleLbl name="callout">
+    <dgm:fillClrLst meth="repeat">
+      <a:schemeClr val="accent1"/>
+    </dgm:fillClrLst>
+    <dgm:linClrLst meth="repeat">
+      <a:schemeClr val="accent1">
+        <a:tint val="50000"/>
+      </a:schemeClr>
+    </dgm:linClrLst>
+    <dgm:effectClrLst/>
+    <dgm:txLinClrLst/>
+    <dgm:txFillClrLst meth="repeat">
+      <a:schemeClr val="tx1"/>
+    </dgm:txFillClrLst>
+    <dgm:txEffectClrLst/>
+  </dgm:styleLbl>
+  <dgm:styleLbl name="asst0">
+    <dgm:fillClrLst meth="repeat">
+      <a:schemeClr val="accent1"/>
+    </dgm:fillClrLst>
+    <dgm:linClrLst meth="repeat">
+      <a:schemeClr val="lt1"/>
+    </dgm:linClrLst>
+    <dgm:effectClrLst/>
+    <dgm:txLinClrLst/>
+    <dgm:txFillClrLst/>
+    <dgm:txEffectClrLst/>
+  </dgm:styleLbl>
+  <dgm:styleLbl name="asst1">
+    <dgm:fillClrLst meth="repeat">
+      <a:schemeClr val="accent1"/>
+    </dgm:fillClrLst>
+    <dgm:linClrLst meth="repeat">
+      <a:schemeClr val="lt1"/>
+    </dgm:linClrLst>
+    <dgm:effectClrLst/>
+    <dgm:txLinClrLst/>
+    <dgm:txFillClrLst/>
+    <dgm:txEffectClrLst/>
+  </dgm:styleLbl>
+  <dgm:styleLbl name="asst2">
+    <dgm:fillClrLst meth="repeat">
+      <a:schemeClr val="accent1"/>
+    </dgm:fillClrLst>
+    <dgm:linClrLst meth="repeat">
+      <a:schemeClr val="lt1"/>
+    </dgm:linClrLst>
+    <dgm:effectClrLst/>
+    <dgm:txLinClrLst/>
+    <dgm:txFillClrLst/>
+    <dgm:txEffectClrLst/>
+  </dgm:styleLbl>
+  <dgm:styleLbl name="asst3">
+    <dgm:fillClrLst meth="repeat">
+      <a:schemeClr val="accent1"/>
+    </dgm:fillClrLst>
+    <dgm:linClrLst meth="repeat">
+      <a:schemeClr val="lt1"/>
+    </dgm:linClrLst>
+    <dgm:effectClrLst/>
+    <dgm:txLinClrLst/>
+    <dgm:txFillClrLst/>
+    <dgm:txEffectClrLst/>
+  </dgm:styleLbl>
+  <dgm:styleLbl name="asst4">
+    <dgm:fillClrLst meth="repeat">
+      <a:schemeClr val="accent1"/>
+    </dgm:fillClrLst>
+    <dgm:linClrLst meth="repeat">
+      <a:schemeClr val="lt1"/>
+    </dgm:linClrLst>
+    <dgm:effectClrLst/>
+    <dgm:txLinClrLst/>
+    <dgm:txFillClrLst/>
+    <dgm:txEffectClrLst/>
+  </dgm:styleLbl>
+  <dgm:styleLbl name="parChTrans2D1">
+    <dgm:fillClrLst meth="repeat">
+      <a:schemeClr val="accent1">
+        <a:tint val="60000"/>
+      </a:schemeClr>
+    </dgm:fillClrLst>
+    <dgm:linClrLst meth="repeat">
+      <a:schemeClr val="accent1">
+        <a:tint val="60000"/>
+      </a:schemeClr>
+    </dgm:linClrLst>
+    <dgm:effectClrLst/>
+    <dgm:txLinClrLst/>
+    <dgm:txFillClrLst meth="repeat">
+      <a:schemeClr val="lt1"/>
+    </dgm:txFillClrLst>
+    <dgm:txEffectClrLst/>
+  </dgm:styleLbl>
+  <dgm:styleLbl name="parChTrans2D2">
+    <dgm:fillClrLst meth="repeat">
+      <a:schemeClr val="accent1"/>
+    </dgm:fillClrLst>
+    <dgm:linClrLst meth="repeat">
+      <a:schemeClr val="accent1"/>
+    </dgm:linClrLst>
+    <dgm:effectClrLst/>
+    <dgm:txLinClrLst/>
+    <dgm:txFillClrLst meth="repeat">
+      <a:schemeClr val="lt1"/>
+    </dgm:txFillClrLst>
+    <dgm:txEffectClrLst/>
+  </dgm:styleLbl>
+  <dgm:styleLbl name="parChTrans2D3">
+    <dgm:fillClrLst meth="repeat">
+      <a:schemeClr val="accent1"/>
+    </dgm:fillClrLst>
+    <dgm:linClrLst meth="repeat">
+      <a:schemeClr val="accent1"/>
+    </dgm:linClrLst>
+    <dgm:effectClrLst/>
+    <dgm:txLinClrLst/>
+    <dgm:txFillClrLst meth="repeat">
+      <a:schemeClr val="lt1"/>
+    </dgm:txFillClrLst>
+    <dgm:txEffectClrLst/>
+  </dgm:styleLbl>
+  <dgm:styleLbl name="parChTrans2D4">
+    <dgm:fillClrLst meth="repeat">
+      <a:schemeClr val="accent1"/>
+    </dgm:fillClrLst>
+    <dgm:linClrLst meth="repeat">
+      <a:schemeClr val="accent1"/>
+    </dgm:linClrLst>
+    <dgm:effectClrLst/>
+    <dgm:txLinClrLst/>
+    <dgm:txFillClrLst meth="repeat">
+      <a:schemeClr val="lt1"/>
+    </dgm:txFillClrLst>
+    <dgm:txEffectClrLst/>
+  </dgm:styleLbl>
+  <dgm:styleLbl name="parChTrans1D1">
+    <dgm:fillClrLst meth="repeat">
+      <a:schemeClr val="accent1"/>
+    </dgm:fillClrLst>
+    <dgm:linClrLst meth="repeat">
+      <a:schemeClr val="accent1">
+        <a:shade val="60000"/>
+      </a:schemeClr>
+    </dgm:linClrLst>
+    <dgm:effectClrLst/>
+    <dgm:txLinClrLst/>
+    <dgm:txFillClrLst meth="repeat">
+      <a:schemeClr val="tx1"/>
+    </dgm:txFillClrLst>
+    <dgm:txEffectClrLst/>
+  </dgm:styleLbl>
+  <dgm:styleLbl name="parChTrans1D2">
+    <dgm:fillClrLst meth="repeat">
+      <a:schemeClr val="accent1"/>
+    </dgm:fillClrLst>
+    <dgm:linClrLst meth="repeat">
+      <a:schemeClr val="accent1">
+        <a:shade val="60000"/>
+      </a:schemeClr>
+    </dgm:linClrLst>
+    <dgm:effectClrLst/>
+    <dgm:txLinClrLst/>
+    <dgm:txFillClrLst meth="repeat">
+      <a:schemeClr val="tx1"/>
+    </dgm:txFillClrLst>
+    <dgm:txEffectClrLst/>
+  </dgm:styleLbl>
+  <dgm:styleLbl name="parChTrans1D3">
+    <dgm:fillClrLst meth="repeat">
+      <a:schemeClr val="accent1"/>
+    </dgm:fillClrLst>
+    <dgm:linClrLst meth="repeat">
+      <a:schemeClr val="accent1">
+        <a:shade val="80000"/>
+      </a:schemeClr>
+    </dgm:linClrLst>
+    <dgm:effectClrLst/>
+    <dgm:txLinClrLst/>
+    <dgm:txFillClrLst meth="repeat">
+      <a:schemeClr val="tx1"/>
+    </dgm:txFillClrLst>
+    <dgm:txEffectClrLst/>
+  </dgm:styleLbl>
+  <dgm:styleLbl name="parChTrans1D4">
+    <dgm:fillClrLst meth="repeat">
+      <a:schemeClr val="accent1"/>
+    </dgm:fillClrLst>
+    <dgm:linClrLst meth="repeat">
+      <a:schemeClr val="accent1">
+        <a:shade val="80000"/>
+      </a:schemeClr>
+    </dgm:linClrLst>
+    <dgm:effectClrLst/>
+    <dgm:txLinClrLst/>
+    <dgm:txFillClrLst meth="repeat">
+      <a:schemeClr val="tx1"/>
+    </dgm:txFillClrLst>
+    <dgm:txEffectClrLst/>
+  </dgm:styleLbl>
+  <dgm:styleLbl name="fgAcc1">
+    <dgm:fillClrLst meth="repeat">
+      <a:schemeClr val="lt1">
+        <a:alpha val="90000"/>
+      </a:schemeClr>
+    </dgm:fillClrLst>
+    <dgm:linClrLst meth="repeat">
+      <a:schemeClr val="accent1"/>
+    </dgm:linClrLst>
+    <dgm:effectClrLst/>
+    <dgm:txLinClrLst/>
+    <dgm:txFillClrLst meth="repeat">
+      <a:schemeClr val="dk1"/>
+    </dgm:txFillClrLst>
+    <dgm:txEffectClrLst/>
+  </dgm:styleLbl>
+  <dgm:styleLbl name="conFgAcc1">
+    <dgm:fillClrLst meth="repeat">
+      <a:schemeClr val="lt1">
+        <a:alpha val="90000"/>
+      </a:schemeClr>
+    </dgm:fillClrLst>
+    <dgm:linClrLst meth="repeat">
+      <a:schemeClr val="accent1"/>
+    </dgm:linClrLst>
+    <dgm:effectClrLst/>
+    <dgm:txLinClrLst/>
+    <dgm:txFillClrLst meth="repeat">
+      <a:schemeClr val="dk1"/>
+    </dgm:txFillClrLst>
+    <dgm:txEffectClrLst/>
+  </dgm:styleLbl>
+  <dgm:styleLbl name="alignAcc1">
+    <dgm:fillClrLst meth="repeat">
+      <a:schemeClr val="lt1">
+        <a:alpha val="90000"/>
+      </a:schemeClr>
+    </dgm:fillClrLst>
+    <dgm:linClrLst meth="repeat">
+      <a:schemeClr val="accent1"/>
+    </dgm:linClrLst>
+    <dgm:effectClrLst/>
+    <dgm:txLinClrLst/>
+    <dgm:txFillClrLst meth="repeat">
+      <a:schemeClr val="dk1"/>
+    </dgm:txFillClrLst>
+    <dgm:txEffectClrLst/>
+  </dgm:styleLbl>
+  <dgm:styleLbl name="trAlignAcc1">
+    <dgm:fillClrLst meth="repeat">
+      <a:schemeClr val="lt1">
+        <a:alpha val="40000"/>
+      </a:schemeClr>
+    </dgm:fillClrLst>
+    <dgm:linClrLst meth="repeat">
+      <a:schemeClr val="accent1"/>
+    </dgm:linClrLst>
+    <dgm:effectClrLst/>
+    <dgm:txLinClrLst/>
+    <dgm:txFillClrLst meth="repeat">
+      <a:schemeClr val="dk1"/>
+    </dgm:txFillClrLst>
+    <dgm:txEffectClrLst/>
+  </dgm:styleLbl>
+  <dgm:styleLbl name="bgAcc1">
+    <dgm:fillClrLst meth="repeat">
+      <a:schemeClr val="lt1">
+        <a:alpha val="90000"/>
+      </a:schemeClr>
+    </dgm:fillClrLst>
+    <dgm:linClrLst meth="repeat">
+      <a:schemeClr val="accent1"/>
+    </dgm:linClrLst>
+    <dgm:effectClrLst/>
+    <dgm:txLinClrLst/>
+    <dgm:txFillClrLst meth="repeat">
+      <a:schemeClr val="dk1"/>
+    </dgm:txFillClrLst>
+    <dgm:txEffectClrLst/>
+  </dgm:styleLbl>
+  <dgm:styleLbl name="solidFgAcc1">
+    <dgm:fillClrLst meth="repeat">
+      <a:schemeClr val="lt1"/>
+    </dgm:fillClrLst>
+    <dgm:linClrLst meth="repeat">
+      <a:schemeClr val="accent1"/>
+    </dgm:linClrLst>
+    <dgm:effectClrLst/>
+    <dgm:txLinClrLst/>
+    <dgm:txFillClrLst meth="repeat">
+      <a:schemeClr val="dk1"/>
+    </dgm:txFillClrLst>
+    <dgm:txEffectClrLst/>
+  </dgm:styleLbl>
+  <dgm:styleLbl name="solidAlignAcc1">
+    <dgm:fillClrLst meth="repeat">
+      <a:schemeClr val="lt1"/>
+    </dgm:fillClrLst>
+    <dgm:linClrLst meth="repeat">
+      <a:schemeClr val="accent1"/>
+    </dgm:linClrLst>
+    <dgm:effectClrLst/>
+    <dgm:txLinClrLst/>
+    <dgm:txFillClrLst meth="repeat">
+      <a:schemeClr val="dk1"/>
+    </dgm:txFillClrLst>
+    <dgm:txEffectClrLst/>
+  </dgm:styleLbl>
+  <dgm:styleLbl name="solidBgAcc1">
+    <dgm:fillClrLst meth="repeat">
+      <a:schemeClr val="lt1"/>
+    </dgm:fillClrLst>
+    <dgm:linClrLst meth="repeat">
+      <a:schemeClr val="accent1"/>
+    </dgm:linClrLst>
+    <dgm:effectClrLst/>
+    <dgm:txLinClrLst/>
+    <dgm:txFillClrLst meth="repeat">
+      <a:schemeClr val="dk1"/>
+    </dgm:txFillClrLst>
+    <dgm:txEffectClrLst/>
+  </dgm:styleLbl>
+  <dgm:styleLbl name="fgAccFollowNode1">
+    <dgm:fillClrLst meth="repeat">
+      <a:schemeClr val="accent1">
+        <a:alpha val="90000"/>
+        <a:tint val="40000"/>
+      </a:schemeClr>
+    </dgm:fillClrLst>
+    <dgm:linClrLst meth="repeat">
+      <a:schemeClr val="accent1">
+        <a:alpha val="90000"/>
+        <a:tint val="40000"/>
+      </a:schemeClr>
+    </dgm:linClrLst>
+    <dgm:effectClrLst/>
+    <dgm:txLinClrLst/>
+    <dgm:txFillClrLst meth="repeat">
+      <a:schemeClr val="dk1"/>
+    </dgm:txFillClrLst>
+    <dgm:txEffectClrLst/>
+  </dgm:styleLbl>
+  <dgm:styleLbl name="alignAccFollowNode1">
+    <dgm:fillClrLst meth="repeat">
+      <a:schemeClr val="accent1">
+        <a:alpha val="90000"/>
+        <a:tint val="40000"/>
+      </a:schemeClr>
+    </dgm:fillClrLst>
+    <dgm:linClrLst meth="repeat">
+      <a:schemeClr val="accent1">
+        <a:alpha val="90000"/>
+        <a:tint val="40000"/>
+      </a:schemeClr>
+    </dgm:linClrLst>
+    <dgm:effectClrLst/>
+    <dgm:txLinClrLst/>
+    <dgm:txFillClrLst meth="repeat">
+      <a:schemeClr val="dk1"/>
+    </dgm:txFillClrLst>
+    <dgm:txEffectClrLst/>
+  </dgm:styleLbl>
+  <dgm:styleLbl name="bgAccFollowNode1">
+    <dgm:fillClrLst meth="repeat">
+      <a:schemeClr val="accent1">
+        <a:alpha val="90000"/>
+        <a:tint val="40000"/>
+      </a:schemeClr>
+    </dgm:fillClrLst>
+    <dgm:linClrLst meth="repeat">
+      <a:schemeClr val="accent1">
+        <a:alpha val="90000"/>
+        <a:tint val="40000"/>
+      </a:schemeClr>
+    </dgm:linClrLst>
+    <dgm:effectClrLst/>
+    <dgm:txLinClrLst/>
+    <dgm:txFillClrLst meth="repeat">
+      <a:schemeClr val="dk1"/>
+    </dgm:txFillClrLst>
+    <dgm:txEffectClrLst/>
+  </dgm:styleLbl>
+  <dgm:styleLbl name="fgAcc0">
+    <dgm:fillClrLst meth="repeat">
+      <a:schemeClr val="lt1">
+        <a:alpha val="90000"/>
+      </a:schemeClr>
+    </dgm:fillClrLst>
+    <dgm:linClrLst meth="repeat">
+      <a:schemeClr val="accent1"/>
+    </dgm:linClrLst>
+    <dgm:effectClrLst/>
+    <dgm:txLinClrLst/>
+    <dgm:txFillClrLst meth="repeat">
+      <a:schemeClr val="dk1"/>
+    </dgm:txFillClrLst>
+    <dgm:txEffectClrLst/>
+  </dgm:styleLbl>
+  <dgm:styleLbl name="fgAcc2">
+    <dgm:fillClrLst meth="repeat">
+      <a:schemeClr val="lt1">
+        <a:alpha val="90000"/>
+      </a:schemeClr>
+    </dgm:fillClrLst>
+    <dgm:linClrLst meth="repeat">
+      <a:schemeClr val="accent1"/>
+    </dgm:linClrLst>
+    <dgm:effectClrLst/>
+    <dgm:txLinClrLst/>
+    <dgm:txFillClrLst meth="repeat">
+      <a:schemeClr val="dk1"/>
+    </dgm:txFillClrLst>
+    <dgm:txEffectClrLst/>
+  </dgm:styleLbl>
+  <dgm:styleLbl name="fgAcc3">
+    <dgm:fillClrLst meth="repeat">
+      <a:schemeClr val="lt1">
+        <a:alpha val="90000"/>
+      </a:schemeClr>
+    </dgm:fillClrLst>
+    <dgm:linClrLst meth="repeat">
+      <a:schemeClr val="accent1"/>
+    </dgm:linClrLst>
+    <dgm:effectClrLst/>
+    <dgm:txLinClrLst/>
+    <dgm:txFillClrLst meth="repeat">
+      <a:schemeClr val="dk1"/>
+    </dgm:txFillClrLst>
+    <dgm:txEffectClrLst/>
+  </dgm:styleLbl>
+  <dgm:styleLbl name="fgAcc4">
+    <dgm:fillClrLst meth="repeat">
+      <a:schemeClr val="lt1">
+        <a:alpha val="90000"/>
+      </a:schemeClr>
+    </dgm:fillClrLst>
+    <dgm:linClrLst meth="repeat">
+      <a:schemeClr val="accent1"/>
+    </dgm:linClrLst>
+    <dgm:effectClrLst/>
+    <dgm:txLinClrLst/>
+    <dgm:txFillClrLst meth="repeat">
+      <a:schemeClr val="dk1"/>
+    </dgm:txFillClrLst>
+    <dgm:txEffectClrLst/>
+  </dgm:styleLbl>
+  <dgm:styleLbl name="bgShp">
+    <dgm:fillClrLst meth="repeat">
+      <a:schemeClr val="accent1">
+        <a:tint val="40000"/>
+      </a:schemeClr>
+    </dgm:fillClrLst>
+    <dgm:linClrLst meth="repeat">
+      <a:schemeClr val="accent1"/>
+    </dgm:linClrLst>
+    <dgm:effectClrLst/>
+    <dgm:txLinClrLst/>
+    <dgm:txFillClrLst meth="repeat">
+      <a:schemeClr val="dk1"/>
+    </dgm:txFillClrLst>
+    <dgm:txEffectClrLst/>
+  </dgm:styleLbl>
+  <dgm:styleLbl name="dkBgShp">
+    <dgm:fillClrLst meth="repeat">
+      <a:schemeClr val="accent1">
+        <a:shade val="80000"/>
+      </a:schemeClr>
+    </dgm:fillClrLst>
+    <dgm:linClrLst meth="repeat">
+      <a:schemeClr val="accent1"/>
+    </dgm:linClrLst>
+    <dgm:effectClrLst/>
+    <dgm:txLinClrLst/>
+    <dgm:txFillClrLst meth="repeat">
+      <a:schemeClr val="lt1"/>
+    </dgm:txFillClrLst>
+    <dgm:txEffectClrLst/>
+  </dgm:styleLbl>
+  <dgm:styleLbl name="trBgShp">
+    <dgm:fillClrLst meth="repeat">
+      <a:schemeClr val="accent1">
+        <a:tint val="50000"/>
+        <a:alpha val="40000"/>
+      </a:schemeClr>
+    </dgm:fillClrLst>
+    <dgm:linClrLst meth="repeat">
+      <a:schemeClr val="accent1"/>
+    </dgm:linClrLst>
+    <dgm:effectClrLst/>
+    <dgm:txLinClrLst/>
+    <dgm:txFillClrLst meth="repeat">
+      <a:schemeClr val="lt1"/>
+    </dgm:txFillClrLst>
+    <dgm:txEffectClrLst/>
+  </dgm:styleLbl>
+  <dgm:styleLbl name="fgShp">
+    <dgm:fillClrLst meth="repeat">
+      <a:schemeClr val="accent1">
+        <a:tint val="60000"/>
+      </a:schemeClr>
+    </dgm:fillClrLst>
+    <dgm:linClrLst meth="repeat">
+      <a:schemeClr val="lt1"/>
+    </dgm:linClrLst>
+    <dgm:effectClrLst/>
+    <dgm:txLinClrLst/>
+    <dgm:txFillClrLst meth="repeat">
+      <a:schemeClr val="dk1"/>
+    </dgm:txFillClrLst>
+    <dgm:txEffectClrLst/>
+  </dgm:styleLbl>
+  <dgm:styleLbl name="revTx">
+    <dgm:fillClrLst meth="repeat">
+      <a:schemeClr val="lt1">
+        <a:alpha val="0"/>
+      </a:schemeClr>
+    </dgm:fillClrLst>
+    <dgm:linClrLst meth="repeat">
+      <a:schemeClr val="dk1">
+        <a:alpha val="0"/>
+      </a:schemeClr>
+    </dgm:linClrLst>
+    <dgm:effectClrLst/>
+    <dgm:txLinClrLst/>
+    <dgm:txFillClrLst meth="repeat">
+      <a:schemeClr val="tx1"/>
+    </dgm:txFillClrLst>
+    <dgm:txEffectClrLst/>
+  </dgm:styleLbl>
+</dgm:colorsDef>
+</file>
+
+<file path=ppt/diagrams/colors4.xml><?xml version="1.0" encoding="utf-8"?>
 <dgm:colorsDef xmlns:dgm="http://schemas.openxmlformats.org/drawingml/2006/diagram" xmlns:a="http://schemas.openxmlformats.org/drawingml/2006/main" uniqueId="urn:microsoft.com/office/officeart/2005/8/colors/colorful1">
   <dgm:title val=""/>
   <dgm:desc val=""/>
@@ -2835,6 +4330,444 @@
 <file path=ppt/diagrams/data2.xml><?xml version="1.0" encoding="utf-8"?>
 <dgm:dataModel xmlns:dgm="http://schemas.openxmlformats.org/drawingml/2006/diagram" xmlns:a="http://schemas.openxmlformats.org/drawingml/2006/main">
   <dgm:ptLst>
+    <dgm:pt modelId="{AE46961E-36D7-463B-8BEE-339B3A46D161}" type="doc">
+      <dgm:prSet loTypeId="urn:microsoft.com/office/officeart/2005/8/layout/hierarchy1" loCatId="hierarchy" qsTypeId="urn:microsoft.com/office/officeart/2005/8/quickstyle/simple1" qsCatId="simple" csTypeId="urn:microsoft.com/office/officeart/2005/8/colors/accent1_2" csCatId="accent1"/>
+      <dgm:spPr/>
+      <dgm:t>
+        <a:bodyPr/>
+        <a:lstStyle/>
+        <a:p>
+          <a:endParaRPr lang="en-US"/>
+        </a:p>
+      </dgm:t>
+    </dgm:pt>
+    <dgm:pt modelId="{67A6006C-4BDA-4E80-BBF8-3ABEAA721849}">
+      <dgm:prSet/>
+      <dgm:spPr/>
+      <dgm:t>
+        <a:bodyPr/>
+        <a:lstStyle/>
+        <a:p>
+          <a:r>
+            <a:rPr lang="de-DE"/>
+            <a:t>Seite von Angular auf React komplett umgeschrieben ohne die neuen Kataloge</a:t>
+          </a:r>
+          <a:endParaRPr lang="en-US"/>
+        </a:p>
+      </dgm:t>
+    </dgm:pt>
+    <dgm:pt modelId="{BCDCF45F-4E4A-4318-BC13-8AAF2F44109C}" type="parTrans" cxnId="{AD33624C-B85B-4C98-B551-C874B6893F79}">
+      <dgm:prSet/>
+      <dgm:spPr/>
+      <dgm:t>
+        <a:bodyPr/>
+        <a:lstStyle/>
+        <a:p>
+          <a:endParaRPr lang="en-US"/>
+        </a:p>
+      </dgm:t>
+    </dgm:pt>
+    <dgm:pt modelId="{CDA2612D-F9FA-4EED-A92B-23DCC77DC3B2}" type="sibTrans" cxnId="{AD33624C-B85B-4C98-B551-C874B6893F79}">
+      <dgm:prSet/>
+      <dgm:spPr/>
+      <dgm:t>
+        <a:bodyPr/>
+        <a:lstStyle/>
+        <a:p>
+          <a:endParaRPr lang="en-US"/>
+        </a:p>
+      </dgm:t>
+    </dgm:pt>
+    <dgm:pt modelId="{813237B8-239B-412F-81A1-DD4D31ED8580}">
+      <dgm:prSet/>
+      <dgm:spPr/>
+      <dgm:t>
+        <a:bodyPr/>
+        <a:lstStyle/>
+        <a:p>
+          <a:r>
+            <a:rPr lang="de-DE"/>
+            <a:t>So gut wie möglich auch mobiltauglich</a:t>
+          </a:r>
+          <a:endParaRPr lang="en-US"/>
+        </a:p>
+      </dgm:t>
+    </dgm:pt>
+    <dgm:pt modelId="{D21DEC97-BC73-454C-BB3D-9F07FABABC9C}" type="parTrans" cxnId="{22C20172-B7C7-40E5-A1DE-11CE6A432625}">
+      <dgm:prSet/>
+      <dgm:spPr/>
+      <dgm:t>
+        <a:bodyPr/>
+        <a:lstStyle/>
+        <a:p>
+          <a:endParaRPr lang="en-US"/>
+        </a:p>
+      </dgm:t>
+    </dgm:pt>
+    <dgm:pt modelId="{1657684B-0666-49E0-8BEF-C0826ECB29B5}" type="sibTrans" cxnId="{22C20172-B7C7-40E5-A1DE-11CE6A432625}">
+      <dgm:prSet/>
+      <dgm:spPr/>
+      <dgm:t>
+        <a:bodyPr/>
+        <a:lstStyle/>
+        <a:p>
+          <a:endParaRPr lang="en-US"/>
+        </a:p>
+      </dgm:t>
+    </dgm:pt>
+    <dgm:pt modelId="{5A7A7F15-9B7B-485F-AA3D-1B9DC96C4D07}">
+      <dgm:prSet/>
+      <dgm:spPr/>
+      <dgm:t>
+        <a:bodyPr/>
+        <a:lstStyle/>
+        <a:p>
+          <a:r>
+            <a:rPr lang="de-DE"/>
+            <a:t>Bis zum 06.04.22</a:t>
+          </a:r>
+          <a:endParaRPr lang="en-US"/>
+        </a:p>
+      </dgm:t>
+    </dgm:pt>
+    <dgm:pt modelId="{3E6B2C8E-5D64-4217-918F-8B412C70130F}" type="parTrans" cxnId="{C6D3B4D6-02E8-4F0C-AA85-B5D38AD8314B}">
+      <dgm:prSet/>
+      <dgm:spPr/>
+      <dgm:t>
+        <a:bodyPr/>
+        <a:lstStyle/>
+        <a:p>
+          <a:endParaRPr lang="en-US"/>
+        </a:p>
+      </dgm:t>
+    </dgm:pt>
+    <dgm:pt modelId="{93A3845B-6389-4310-9A22-1FBE3313333A}" type="sibTrans" cxnId="{C6D3B4D6-02E8-4F0C-AA85-B5D38AD8314B}">
+      <dgm:prSet/>
+      <dgm:spPr/>
+      <dgm:t>
+        <a:bodyPr/>
+        <a:lstStyle/>
+        <a:p>
+          <a:endParaRPr lang="en-US"/>
+        </a:p>
+      </dgm:t>
+    </dgm:pt>
+    <dgm:pt modelId="{EB3E9205-AAD5-4E7E-8792-54B86A41CA05}" type="pres">
+      <dgm:prSet presAssocID="{AE46961E-36D7-463B-8BEE-339B3A46D161}" presName="hierChild1" presStyleCnt="0">
+        <dgm:presLayoutVars>
+          <dgm:chPref val="1"/>
+          <dgm:dir/>
+          <dgm:animOne val="branch"/>
+          <dgm:animLvl val="lvl"/>
+          <dgm:resizeHandles/>
+        </dgm:presLayoutVars>
+      </dgm:prSet>
+      <dgm:spPr/>
+    </dgm:pt>
+    <dgm:pt modelId="{7F892DF6-BF4D-44CE-B2CC-EDE852BE94B5}" type="pres">
+      <dgm:prSet presAssocID="{67A6006C-4BDA-4E80-BBF8-3ABEAA721849}" presName="hierRoot1" presStyleCnt="0"/>
+      <dgm:spPr/>
+    </dgm:pt>
+    <dgm:pt modelId="{D6DFCC7F-CF4B-4548-A300-874D7676CE3E}" type="pres">
+      <dgm:prSet presAssocID="{67A6006C-4BDA-4E80-BBF8-3ABEAA721849}" presName="composite" presStyleCnt="0"/>
+      <dgm:spPr/>
+    </dgm:pt>
+    <dgm:pt modelId="{67343829-37D2-4539-B1C6-7AE0B002EAE8}" type="pres">
+      <dgm:prSet presAssocID="{67A6006C-4BDA-4E80-BBF8-3ABEAA721849}" presName="background" presStyleLbl="node0" presStyleIdx="0" presStyleCnt="3"/>
+      <dgm:spPr/>
+    </dgm:pt>
+    <dgm:pt modelId="{6B83BC24-ED68-42E8-A0A5-F8FCF5A30A6D}" type="pres">
+      <dgm:prSet presAssocID="{67A6006C-4BDA-4E80-BBF8-3ABEAA721849}" presName="text" presStyleLbl="fgAcc0" presStyleIdx="0" presStyleCnt="3">
+        <dgm:presLayoutVars>
+          <dgm:chPref val="3"/>
+        </dgm:presLayoutVars>
+      </dgm:prSet>
+      <dgm:spPr/>
+    </dgm:pt>
+    <dgm:pt modelId="{43AA6AC9-C980-47CB-91D5-47ED46C5EA2B}" type="pres">
+      <dgm:prSet presAssocID="{67A6006C-4BDA-4E80-BBF8-3ABEAA721849}" presName="hierChild2" presStyleCnt="0"/>
+      <dgm:spPr/>
+    </dgm:pt>
+    <dgm:pt modelId="{62C43757-70AB-40CA-8FA9-0ECB98DC1DF0}" type="pres">
+      <dgm:prSet presAssocID="{813237B8-239B-412F-81A1-DD4D31ED8580}" presName="hierRoot1" presStyleCnt="0"/>
+      <dgm:spPr/>
+    </dgm:pt>
+    <dgm:pt modelId="{F5E0F937-4E5D-4FA0-990C-ED9A9D7D778D}" type="pres">
+      <dgm:prSet presAssocID="{813237B8-239B-412F-81A1-DD4D31ED8580}" presName="composite" presStyleCnt="0"/>
+      <dgm:spPr/>
+    </dgm:pt>
+    <dgm:pt modelId="{566C6161-7B50-437E-8761-6278588EB718}" type="pres">
+      <dgm:prSet presAssocID="{813237B8-239B-412F-81A1-DD4D31ED8580}" presName="background" presStyleLbl="node0" presStyleIdx="1" presStyleCnt="3"/>
+      <dgm:spPr/>
+    </dgm:pt>
+    <dgm:pt modelId="{B751FE8B-4E0A-4998-84EA-021BA5FD5BA9}" type="pres">
+      <dgm:prSet presAssocID="{813237B8-239B-412F-81A1-DD4D31ED8580}" presName="text" presStyleLbl="fgAcc0" presStyleIdx="1" presStyleCnt="3">
+        <dgm:presLayoutVars>
+          <dgm:chPref val="3"/>
+        </dgm:presLayoutVars>
+      </dgm:prSet>
+      <dgm:spPr/>
+    </dgm:pt>
+    <dgm:pt modelId="{20B9F565-E647-4E62-A083-1E7D23EC923C}" type="pres">
+      <dgm:prSet presAssocID="{813237B8-239B-412F-81A1-DD4D31ED8580}" presName="hierChild2" presStyleCnt="0"/>
+      <dgm:spPr/>
+    </dgm:pt>
+    <dgm:pt modelId="{8A47316E-AC32-45C8-8529-5C33E880D449}" type="pres">
+      <dgm:prSet presAssocID="{5A7A7F15-9B7B-485F-AA3D-1B9DC96C4D07}" presName="hierRoot1" presStyleCnt="0"/>
+      <dgm:spPr/>
+    </dgm:pt>
+    <dgm:pt modelId="{DFB03B39-6E12-4C65-B3AC-67E4B64E24AF}" type="pres">
+      <dgm:prSet presAssocID="{5A7A7F15-9B7B-485F-AA3D-1B9DC96C4D07}" presName="composite" presStyleCnt="0"/>
+      <dgm:spPr/>
+    </dgm:pt>
+    <dgm:pt modelId="{F65261DD-E964-47CA-A581-23EF310348AF}" type="pres">
+      <dgm:prSet presAssocID="{5A7A7F15-9B7B-485F-AA3D-1B9DC96C4D07}" presName="background" presStyleLbl="node0" presStyleIdx="2" presStyleCnt="3"/>
+      <dgm:spPr/>
+    </dgm:pt>
+    <dgm:pt modelId="{4ABD1A76-E3F0-4A70-9FB3-3216872D3015}" type="pres">
+      <dgm:prSet presAssocID="{5A7A7F15-9B7B-485F-AA3D-1B9DC96C4D07}" presName="text" presStyleLbl="fgAcc0" presStyleIdx="2" presStyleCnt="3">
+        <dgm:presLayoutVars>
+          <dgm:chPref val="3"/>
+        </dgm:presLayoutVars>
+      </dgm:prSet>
+      <dgm:spPr/>
+    </dgm:pt>
+    <dgm:pt modelId="{5A8775B6-F482-4743-B18A-A077F9E390BF}" type="pres">
+      <dgm:prSet presAssocID="{5A7A7F15-9B7B-485F-AA3D-1B9DC96C4D07}" presName="hierChild2" presStyleCnt="0"/>
+      <dgm:spPr/>
+    </dgm:pt>
+  </dgm:ptLst>
+  <dgm:cxnLst>
+    <dgm:cxn modelId="{896CCC07-DA55-4F17-9203-FABC46B9AD54}" type="presOf" srcId="{67A6006C-4BDA-4E80-BBF8-3ABEAA721849}" destId="{6B83BC24-ED68-42E8-A0A5-F8FCF5A30A6D}" srcOrd="0" destOrd="0" presId="urn:microsoft.com/office/officeart/2005/8/layout/hierarchy1"/>
+    <dgm:cxn modelId="{AD33624C-B85B-4C98-B551-C874B6893F79}" srcId="{AE46961E-36D7-463B-8BEE-339B3A46D161}" destId="{67A6006C-4BDA-4E80-BBF8-3ABEAA721849}" srcOrd="0" destOrd="0" parTransId="{BCDCF45F-4E4A-4318-BC13-8AAF2F44109C}" sibTransId="{CDA2612D-F9FA-4EED-A92B-23DCC77DC3B2}"/>
+    <dgm:cxn modelId="{22C20172-B7C7-40E5-A1DE-11CE6A432625}" srcId="{AE46961E-36D7-463B-8BEE-339B3A46D161}" destId="{813237B8-239B-412F-81A1-DD4D31ED8580}" srcOrd="1" destOrd="0" parTransId="{D21DEC97-BC73-454C-BB3D-9F07FABABC9C}" sibTransId="{1657684B-0666-49E0-8BEF-C0826ECB29B5}"/>
+    <dgm:cxn modelId="{94F04F8B-FF3E-4F79-ACD0-21486DD6E97B}" type="presOf" srcId="{AE46961E-36D7-463B-8BEE-339B3A46D161}" destId="{EB3E9205-AAD5-4E7E-8792-54B86A41CA05}" srcOrd="0" destOrd="0" presId="urn:microsoft.com/office/officeart/2005/8/layout/hierarchy1"/>
+    <dgm:cxn modelId="{429680A6-ABEE-427E-80B6-A45790667092}" type="presOf" srcId="{5A7A7F15-9B7B-485F-AA3D-1B9DC96C4D07}" destId="{4ABD1A76-E3F0-4A70-9FB3-3216872D3015}" srcOrd="0" destOrd="0" presId="urn:microsoft.com/office/officeart/2005/8/layout/hierarchy1"/>
+    <dgm:cxn modelId="{C6D3B4D6-02E8-4F0C-AA85-B5D38AD8314B}" srcId="{AE46961E-36D7-463B-8BEE-339B3A46D161}" destId="{5A7A7F15-9B7B-485F-AA3D-1B9DC96C4D07}" srcOrd="2" destOrd="0" parTransId="{3E6B2C8E-5D64-4217-918F-8B412C70130F}" sibTransId="{93A3845B-6389-4310-9A22-1FBE3313333A}"/>
+    <dgm:cxn modelId="{F97BFEDE-E2F9-4FED-92A4-EB0619F79257}" type="presOf" srcId="{813237B8-239B-412F-81A1-DD4D31ED8580}" destId="{B751FE8B-4E0A-4998-84EA-021BA5FD5BA9}" srcOrd="0" destOrd="0" presId="urn:microsoft.com/office/officeart/2005/8/layout/hierarchy1"/>
+    <dgm:cxn modelId="{759B35B9-93A4-4535-96D4-39062EEA42ED}" type="presParOf" srcId="{EB3E9205-AAD5-4E7E-8792-54B86A41CA05}" destId="{7F892DF6-BF4D-44CE-B2CC-EDE852BE94B5}" srcOrd="0" destOrd="0" presId="urn:microsoft.com/office/officeart/2005/8/layout/hierarchy1"/>
+    <dgm:cxn modelId="{D332E246-9408-44A6-897F-734CA612D322}" type="presParOf" srcId="{7F892DF6-BF4D-44CE-B2CC-EDE852BE94B5}" destId="{D6DFCC7F-CF4B-4548-A300-874D7676CE3E}" srcOrd="0" destOrd="0" presId="urn:microsoft.com/office/officeart/2005/8/layout/hierarchy1"/>
+    <dgm:cxn modelId="{F5DEDE20-0203-49AE-A758-160F9759751F}" type="presParOf" srcId="{D6DFCC7F-CF4B-4548-A300-874D7676CE3E}" destId="{67343829-37D2-4539-B1C6-7AE0B002EAE8}" srcOrd="0" destOrd="0" presId="urn:microsoft.com/office/officeart/2005/8/layout/hierarchy1"/>
+    <dgm:cxn modelId="{EE6D6394-D2E0-478D-A373-2B79A5E9F018}" type="presParOf" srcId="{D6DFCC7F-CF4B-4548-A300-874D7676CE3E}" destId="{6B83BC24-ED68-42E8-A0A5-F8FCF5A30A6D}" srcOrd="1" destOrd="0" presId="urn:microsoft.com/office/officeart/2005/8/layout/hierarchy1"/>
+    <dgm:cxn modelId="{7580AC24-5C7B-4CB2-89C7-2140302633BF}" type="presParOf" srcId="{7F892DF6-BF4D-44CE-B2CC-EDE852BE94B5}" destId="{43AA6AC9-C980-47CB-91D5-47ED46C5EA2B}" srcOrd="1" destOrd="0" presId="urn:microsoft.com/office/officeart/2005/8/layout/hierarchy1"/>
+    <dgm:cxn modelId="{AE61E519-BDC4-42C0-A2C2-DFBD0F62B212}" type="presParOf" srcId="{EB3E9205-AAD5-4E7E-8792-54B86A41CA05}" destId="{62C43757-70AB-40CA-8FA9-0ECB98DC1DF0}" srcOrd="1" destOrd="0" presId="urn:microsoft.com/office/officeart/2005/8/layout/hierarchy1"/>
+    <dgm:cxn modelId="{2BE007AC-A998-4DCF-BFBE-A159EFEB20BB}" type="presParOf" srcId="{62C43757-70AB-40CA-8FA9-0ECB98DC1DF0}" destId="{F5E0F937-4E5D-4FA0-990C-ED9A9D7D778D}" srcOrd="0" destOrd="0" presId="urn:microsoft.com/office/officeart/2005/8/layout/hierarchy1"/>
+    <dgm:cxn modelId="{84CFD9A5-D67E-4D37-BA5A-2E33989ED803}" type="presParOf" srcId="{F5E0F937-4E5D-4FA0-990C-ED9A9D7D778D}" destId="{566C6161-7B50-437E-8761-6278588EB718}" srcOrd="0" destOrd="0" presId="urn:microsoft.com/office/officeart/2005/8/layout/hierarchy1"/>
+    <dgm:cxn modelId="{5B63831B-064D-40D2-A1CC-7ECC33F26A55}" type="presParOf" srcId="{F5E0F937-4E5D-4FA0-990C-ED9A9D7D778D}" destId="{B751FE8B-4E0A-4998-84EA-021BA5FD5BA9}" srcOrd="1" destOrd="0" presId="urn:microsoft.com/office/officeart/2005/8/layout/hierarchy1"/>
+    <dgm:cxn modelId="{DE9741A7-45E2-48FC-9E37-697CF272C6D5}" type="presParOf" srcId="{62C43757-70AB-40CA-8FA9-0ECB98DC1DF0}" destId="{20B9F565-E647-4E62-A083-1E7D23EC923C}" srcOrd="1" destOrd="0" presId="urn:microsoft.com/office/officeart/2005/8/layout/hierarchy1"/>
+    <dgm:cxn modelId="{26019DBA-DFC0-469D-8B11-9674DC7AD967}" type="presParOf" srcId="{EB3E9205-AAD5-4E7E-8792-54B86A41CA05}" destId="{8A47316E-AC32-45C8-8529-5C33E880D449}" srcOrd="2" destOrd="0" presId="urn:microsoft.com/office/officeart/2005/8/layout/hierarchy1"/>
+    <dgm:cxn modelId="{F18F779C-2120-4431-8D77-272D93E6C063}" type="presParOf" srcId="{8A47316E-AC32-45C8-8529-5C33E880D449}" destId="{DFB03B39-6E12-4C65-B3AC-67E4B64E24AF}" srcOrd="0" destOrd="0" presId="urn:microsoft.com/office/officeart/2005/8/layout/hierarchy1"/>
+    <dgm:cxn modelId="{62A89C2B-0983-44D8-BDA3-7F730EB5DA47}" type="presParOf" srcId="{DFB03B39-6E12-4C65-B3AC-67E4B64E24AF}" destId="{F65261DD-E964-47CA-A581-23EF310348AF}" srcOrd="0" destOrd="0" presId="urn:microsoft.com/office/officeart/2005/8/layout/hierarchy1"/>
+    <dgm:cxn modelId="{A7220C21-17EA-42E1-826A-E8D861C34438}" type="presParOf" srcId="{DFB03B39-6E12-4C65-B3AC-67E4B64E24AF}" destId="{4ABD1A76-E3F0-4A70-9FB3-3216872D3015}" srcOrd="1" destOrd="0" presId="urn:microsoft.com/office/officeart/2005/8/layout/hierarchy1"/>
+    <dgm:cxn modelId="{BF04BF48-0261-43CF-AC71-4C116CFC4105}" type="presParOf" srcId="{8A47316E-AC32-45C8-8529-5C33E880D449}" destId="{5A8775B6-F482-4743-B18A-A077F9E390BF}" srcOrd="1" destOrd="0" presId="urn:microsoft.com/office/officeart/2005/8/layout/hierarchy1"/>
+  </dgm:cxnLst>
+  <dgm:bg/>
+  <dgm:whole/>
+  <dgm:extLst>
+    <a:ext uri="http://schemas.microsoft.com/office/drawing/2008/diagram">
+      <dsp:dataModelExt xmlns:dsp="http://schemas.microsoft.com/office/drawing/2008/diagram" relId="rId6" minVer="http://schemas.openxmlformats.org/drawingml/2006/diagram"/>
+    </a:ext>
+  </dgm:extLst>
+</dgm:dataModel>
+</file>
+
+<file path=ppt/diagrams/data3.xml><?xml version="1.0" encoding="utf-8"?>
+<dgm:dataModel xmlns:dgm="http://schemas.openxmlformats.org/drawingml/2006/diagram" xmlns:a="http://schemas.openxmlformats.org/drawingml/2006/main">
+  <dgm:ptLst>
+    <dgm:pt modelId="{30E5AFBB-6A8D-49B5-81AC-6EF21F307BC8}" type="doc">
+      <dgm:prSet loTypeId="urn:microsoft.com/office/officeart/2005/8/layout/vList2" loCatId="list" qsTypeId="urn:microsoft.com/office/officeart/2005/8/quickstyle/simple1" qsCatId="simple" csTypeId="urn:microsoft.com/office/officeart/2005/8/colors/accent1_2" csCatId="accent1"/>
+      <dgm:spPr/>
+      <dgm:t>
+        <a:bodyPr/>
+        <a:lstStyle/>
+        <a:p>
+          <a:endParaRPr lang="en-US"/>
+        </a:p>
+      </dgm:t>
+    </dgm:pt>
+    <dgm:pt modelId="{5FF0F1CB-F335-4DFC-8C21-4EB2A88C572E}">
+      <dgm:prSet/>
+      <dgm:spPr/>
+      <dgm:t>
+        <a:bodyPr/>
+        <a:lstStyle/>
+        <a:p>
+          <a:r>
+            <a:rPr lang="de-CH"/>
+            <a:t>Ziel erreicht?</a:t>
+          </a:r>
+          <a:endParaRPr lang="en-US"/>
+        </a:p>
+      </dgm:t>
+    </dgm:pt>
+    <dgm:pt modelId="{312E98B4-C6CE-4DB6-BC5E-3AEC8DCB3E8E}" type="parTrans" cxnId="{65D1ACC6-E843-41FA-92CB-EC5014D4D630}">
+      <dgm:prSet/>
+      <dgm:spPr/>
+      <dgm:t>
+        <a:bodyPr/>
+        <a:lstStyle/>
+        <a:p>
+          <a:endParaRPr lang="en-US"/>
+        </a:p>
+      </dgm:t>
+    </dgm:pt>
+    <dgm:pt modelId="{562F0CAF-9F3D-4BE5-8F3E-9EA86E252F3B}" type="sibTrans" cxnId="{65D1ACC6-E843-41FA-92CB-EC5014D4D630}">
+      <dgm:prSet/>
+      <dgm:spPr/>
+      <dgm:t>
+        <a:bodyPr/>
+        <a:lstStyle/>
+        <a:p>
+          <a:endParaRPr lang="en-US"/>
+        </a:p>
+      </dgm:t>
+    </dgm:pt>
+    <dgm:pt modelId="{6D953730-F907-4978-BED8-0E2AA203B3BD}">
+      <dgm:prSet/>
+      <dgm:spPr/>
+      <dgm:t>
+        <a:bodyPr/>
+        <a:lstStyle/>
+        <a:p>
+          <a:r>
+            <a:rPr lang="de-CH"/>
+            <a:t>Verbesserungsvorschläge</a:t>
+          </a:r>
+          <a:endParaRPr lang="en-US"/>
+        </a:p>
+      </dgm:t>
+    </dgm:pt>
+    <dgm:pt modelId="{12723066-31CD-4948-BDFA-57BD11B17961}" type="parTrans" cxnId="{9B509FC7-5916-4D70-B6B9-ABF85BD20C3C}">
+      <dgm:prSet/>
+      <dgm:spPr/>
+      <dgm:t>
+        <a:bodyPr/>
+        <a:lstStyle/>
+        <a:p>
+          <a:endParaRPr lang="en-US"/>
+        </a:p>
+      </dgm:t>
+    </dgm:pt>
+    <dgm:pt modelId="{D7F3EE4E-C173-4697-89DD-A65B8167260A}" type="sibTrans" cxnId="{9B509FC7-5916-4D70-B6B9-ABF85BD20C3C}">
+      <dgm:prSet/>
+      <dgm:spPr/>
+      <dgm:t>
+        <a:bodyPr/>
+        <a:lstStyle/>
+        <a:p>
+          <a:endParaRPr lang="en-US"/>
+        </a:p>
+      </dgm:t>
+    </dgm:pt>
+    <dgm:pt modelId="{C780CF00-0CA2-4695-84EE-BD0116791B8C}">
+      <dgm:prSet/>
+      <dgm:spPr/>
+      <dgm:t>
+        <a:bodyPr/>
+        <a:lstStyle/>
+        <a:p>
+          <a:r>
+            <a:rPr lang="de-CH"/>
+            <a:t>Wie sieht es momentan aus?</a:t>
+          </a:r>
+          <a:endParaRPr lang="en-US"/>
+        </a:p>
+      </dgm:t>
+    </dgm:pt>
+    <dgm:pt modelId="{FE3ABC01-64C5-4C74-B35F-39208AE67E1A}" type="parTrans" cxnId="{030A0D27-BC0A-42C7-AB0E-B855AA937351}">
+      <dgm:prSet/>
+      <dgm:spPr/>
+      <dgm:t>
+        <a:bodyPr/>
+        <a:lstStyle/>
+        <a:p>
+          <a:endParaRPr lang="en-US"/>
+        </a:p>
+      </dgm:t>
+    </dgm:pt>
+    <dgm:pt modelId="{5F04714F-E660-457A-AD5A-A248ECA97FE5}" type="sibTrans" cxnId="{030A0D27-BC0A-42C7-AB0E-B855AA937351}">
+      <dgm:prSet/>
+      <dgm:spPr/>
+      <dgm:t>
+        <a:bodyPr/>
+        <a:lstStyle/>
+        <a:p>
+          <a:endParaRPr lang="en-US"/>
+        </a:p>
+      </dgm:t>
+    </dgm:pt>
+    <dgm:pt modelId="{133B39B2-3FE5-43D7-B052-B97CC1B0C98B}" type="pres">
+      <dgm:prSet presAssocID="{30E5AFBB-6A8D-49B5-81AC-6EF21F307BC8}" presName="linear" presStyleCnt="0">
+        <dgm:presLayoutVars>
+          <dgm:animLvl val="lvl"/>
+          <dgm:resizeHandles val="exact"/>
+        </dgm:presLayoutVars>
+      </dgm:prSet>
+      <dgm:spPr/>
+    </dgm:pt>
+    <dgm:pt modelId="{8238C717-50FF-494A-B55B-74B5CABAC534}" type="pres">
+      <dgm:prSet presAssocID="{5FF0F1CB-F335-4DFC-8C21-4EB2A88C572E}" presName="parentText" presStyleLbl="node1" presStyleIdx="0" presStyleCnt="3">
+        <dgm:presLayoutVars>
+          <dgm:chMax val="0"/>
+          <dgm:bulletEnabled val="1"/>
+        </dgm:presLayoutVars>
+      </dgm:prSet>
+      <dgm:spPr/>
+    </dgm:pt>
+    <dgm:pt modelId="{7418C0A3-F5CB-4461-9DDD-DD75D91A7A46}" type="pres">
+      <dgm:prSet presAssocID="{562F0CAF-9F3D-4BE5-8F3E-9EA86E252F3B}" presName="spacer" presStyleCnt="0"/>
+      <dgm:spPr/>
+    </dgm:pt>
+    <dgm:pt modelId="{4DE51249-5676-421B-AA5B-F9ADEE53142C}" type="pres">
+      <dgm:prSet presAssocID="{6D953730-F907-4978-BED8-0E2AA203B3BD}" presName="parentText" presStyleLbl="node1" presStyleIdx="1" presStyleCnt="3">
+        <dgm:presLayoutVars>
+          <dgm:chMax val="0"/>
+          <dgm:bulletEnabled val="1"/>
+        </dgm:presLayoutVars>
+      </dgm:prSet>
+      <dgm:spPr/>
+    </dgm:pt>
+    <dgm:pt modelId="{E16F8AE3-9C5C-4A93-9983-9320B39955CF}" type="pres">
+      <dgm:prSet presAssocID="{D7F3EE4E-C173-4697-89DD-A65B8167260A}" presName="spacer" presStyleCnt="0"/>
+      <dgm:spPr/>
+    </dgm:pt>
+    <dgm:pt modelId="{CA0EA884-A871-4655-BB12-54430BD6BE06}" type="pres">
+      <dgm:prSet presAssocID="{C780CF00-0CA2-4695-84EE-BD0116791B8C}" presName="parentText" presStyleLbl="node1" presStyleIdx="2" presStyleCnt="3">
+        <dgm:presLayoutVars>
+          <dgm:chMax val="0"/>
+          <dgm:bulletEnabled val="1"/>
+        </dgm:presLayoutVars>
+      </dgm:prSet>
+      <dgm:spPr/>
+    </dgm:pt>
+  </dgm:ptLst>
+  <dgm:cxnLst>
+    <dgm:cxn modelId="{030A0D27-BC0A-42C7-AB0E-B855AA937351}" srcId="{30E5AFBB-6A8D-49B5-81AC-6EF21F307BC8}" destId="{C780CF00-0CA2-4695-84EE-BD0116791B8C}" srcOrd="2" destOrd="0" parTransId="{FE3ABC01-64C5-4C74-B35F-39208AE67E1A}" sibTransId="{5F04714F-E660-457A-AD5A-A248ECA97FE5}"/>
+    <dgm:cxn modelId="{8F8FB343-810F-4C31-9EB9-0CC6B919A3A2}" type="presOf" srcId="{30E5AFBB-6A8D-49B5-81AC-6EF21F307BC8}" destId="{133B39B2-3FE5-43D7-B052-B97CC1B0C98B}" srcOrd="0" destOrd="0" presId="urn:microsoft.com/office/officeart/2005/8/layout/vList2"/>
+    <dgm:cxn modelId="{7F576DA4-0DF0-45FA-8AC0-B6A7180C0E15}" type="presOf" srcId="{C780CF00-0CA2-4695-84EE-BD0116791B8C}" destId="{CA0EA884-A871-4655-BB12-54430BD6BE06}" srcOrd="0" destOrd="0" presId="urn:microsoft.com/office/officeart/2005/8/layout/vList2"/>
+    <dgm:cxn modelId="{65D1ACC6-E843-41FA-92CB-EC5014D4D630}" srcId="{30E5AFBB-6A8D-49B5-81AC-6EF21F307BC8}" destId="{5FF0F1CB-F335-4DFC-8C21-4EB2A88C572E}" srcOrd="0" destOrd="0" parTransId="{312E98B4-C6CE-4DB6-BC5E-3AEC8DCB3E8E}" sibTransId="{562F0CAF-9F3D-4BE5-8F3E-9EA86E252F3B}"/>
+    <dgm:cxn modelId="{9B509FC7-5916-4D70-B6B9-ABF85BD20C3C}" srcId="{30E5AFBB-6A8D-49B5-81AC-6EF21F307BC8}" destId="{6D953730-F907-4978-BED8-0E2AA203B3BD}" srcOrd="1" destOrd="0" parTransId="{12723066-31CD-4948-BDFA-57BD11B17961}" sibTransId="{D7F3EE4E-C173-4697-89DD-A65B8167260A}"/>
+    <dgm:cxn modelId="{72A9F9D7-D946-48C2-80A7-ED1DAE81E414}" type="presOf" srcId="{6D953730-F907-4978-BED8-0E2AA203B3BD}" destId="{4DE51249-5676-421B-AA5B-F9ADEE53142C}" srcOrd="0" destOrd="0" presId="urn:microsoft.com/office/officeart/2005/8/layout/vList2"/>
+    <dgm:cxn modelId="{B9ECECE9-5871-4A7E-98A9-1E20569D60B4}" type="presOf" srcId="{5FF0F1CB-F335-4DFC-8C21-4EB2A88C572E}" destId="{8238C717-50FF-494A-B55B-74B5CABAC534}" srcOrd="0" destOrd="0" presId="urn:microsoft.com/office/officeart/2005/8/layout/vList2"/>
+    <dgm:cxn modelId="{335C2D56-838F-4FA5-BC57-F8636F708FDD}" type="presParOf" srcId="{133B39B2-3FE5-43D7-B052-B97CC1B0C98B}" destId="{8238C717-50FF-494A-B55B-74B5CABAC534}" srcOrd="0" destOrd="0" presId="urn:microsoft.com/office/officeart/2005/8/layout/vList2"/>
+    <dgm:cxn modelId="{040B23DE-5852-409D-A342-378E326CF71D}" type="presParOf" srcId="{133B39B2-3FE5-43D7-B052-B97CC1B0C98B}" destId="{7418C0A3-F5CB-4461-9DDD-DD75D91A7A46}" srcOrd="1" destOrd="0" presId="urn:microsoft.com/office/officeart/2005/8/layout/vList2"/>
+    <dgm:cxn modelId="{0DE49E82-8A84-4BED-B4CB-6E2B6B82F248}" type="presParOf" srcId="{133B39B2-3FE5-43D7-B052-B97CC1B0C98B}" destId="{4DE51249-5676-421B-AA5B-F9ADEE53142C}" srcOrd="2" destOrd="0" presId="urn:microsoft.com/office/officeart/2005/8/layout/vList2"/>
+    <dgm:cxn modelId="{5A70A3C6-CC0B-4278-B346-314DFFE78B0B}" type="presParOf" srcId="{133B39B2-3FE5-43D7-B052-B97CC1B0C98B}" destId="{E16F8AE3-9C5C-4A93-9983-9320B39955CF}" srcOrd="3" destOrd="0" presId="urn:microsoft.com/office/officeart/2005/8/layout/vList2"/>
+    <dgm:cxn modelId="{7FAE1C13-80F2-47C6-9B79-49FBCF103CF7}" type="presParOf" srcId="{133B39B2-3FE5-43D7-B052-B97CC1B0C98B}" destId="{CA0EA884-A871-4655-BB12-54430BD6BE06}" srcOrd="4" destOrd="0" presId="urn:microsoft.com/office/officeart/2005/8/layout/vList2"/>
+  </dgm:cxnLst>
+  <dgm:bg/>
+  <dgm:whole/>
+  <dgm:extLst>
+    <a:ext uri="http://schemas.microsoft.com/office/drawing/2008/diagram">
+      <dsp:dataModelExt xmlns:dsp="http://schemas.microsoft.com/office/drawing/2008/diagram" relId="rId6" minVer="http://schemas.openxmlformats.org/drawingml/2006/diagram"/>
+    </a:ext>
+  </dgm:extLst>
+</dgm:dataModel>
+</file>
+
+<file path=ppt/diagrams/data4.xml><?xml version="1.0" encoding="utf-8"?>
+<dgm:dataModel xmlns:dgm="http://schemas.openxmlformats.org/drawingml/2006/diagram" xmlns:a="http://schemas.openxmlformats.org/drawingml/2006/main">
+  <dgm:ptLst>
     <dgm:pt modelId="{8EC6BC6E-8D53-4FA8-BBDD-7371DCDEB79A}" type="doc">
       <dgm:prSet loTypeId="urn:microsoft.com/office/officeart/2005/8/layout/process4" loCatId="process" qsTypeId="urn:microsoft.com/office/officeart/2005/8/quickstyle/simple1" qsCatId="simple" csTypeId="urn:microsoft.com/office/officeart/2005/8/colors/colorful1" csCatId="colorful" phldr="1"/>
       <dgm:spPr/>
@@ -2935,7 +4868,7 @@
         <a:p>
           <a:r>
             <a:rPr lang="de-CH" dirty="0"/>
-            <a:t>Mobile-tauglich design</a:t>
+            <a:t>Mobile-taugliches design</a:t>
           </a:r>
           <a:endParaRPr lang="en-US" dirty="0"/>
         </a:p>
@@ -3064,7 +4997,7 @@
       <dgm:spPr/>
     </dgm:pt>
     <dgm:pt modelId="{CD5E6F48-B0DF-44A0-B571-88FBB6450485}" type="pres">
-      <dgm:prSet presAssocID="{3BB92F89-C8AB-4D7E-98FE-10117D1331C2}" presName="childTextBox" presStyleLbl="fgAccFollowNode1" presStyleIdx="0" presStyleCnt="3">
+      <dgm:prSet presAssocID="{3BB92F89-C8AB-4D7E-98FE-10117D1331C2}" presName="childTextBox" presStyleLbl="fgAccFollowNode1" presStyleIdx="0" presStyleCnt="3" custLinFactNeighborX="0">
         <dgm:presLayoutVars>
           <dgm:bulletEnabled val="1"/>
         </dgm:presLayoutVars>
@@ -3388,6 +5321,654 @@
       <dsp:cNvGrpSpPr/>
     </dsp:nvGrpSpPr>
     <dsp:grpSpPr/>
+    <dsp:sp modelId="{67343829-37D2-4539-B1C6-7AE0B002EAE8}">
+      <dsp:nvSpPr>
+        <dsp:cNvPr id="0" name=""/>
+        <dsp:cNvSpPr/>
+      </dsp:nvSpPr>
+      <dsp:spPr>
+        <a:xfrm>
+          <a:off x="0" y="964191"/>
+          <a:ext cx="2828924" cy="1796367"/>
+        </a:xfrm>
+        <a:prstGeom prst="roundRect">
+          <a:avLst>
+            <a:gd name="adj" fmla="val 10000"/>
+          </a:avLst>
+        </a:prstGeom>
+        <a:solidFill>
+          <a:schemeClr val="accent1">
+            <a:hueOff val="0"/>
+            <a:satOff val="0"/>
+            <a:lumOff val="0"/>
+            <a:alphaOff val="0"/>
+          </a:schemeClr>
+        </a:solidFill>
+        <a:ln w="15875" cap="flat" cmpd="sng" algn="ctr">
+          <a:solidFill>
+            <a:schemeClr val="lt1">
+              <a:hueOff val="0"/>
+              <a:satOff val="0"/>
+              <a:lumOff val="0"/>
+              <a:alphaOff val="0"/>
+            </a:schemeClr>
+          </a:solidFill>
+          <a:prstDash val="solid"/>
+        </a:ln>
+        <a:effectLst/>
+      </dsp:spPr>
+      <dsp:style>
+        <a:lnRef idx="2">
+          <a:scrgbClr r="0" g="0" b="0"/>
+        </a:lnRef>
+        <a:fillRef idx="1">
+          <a:scrgbClr r="0" g="0" b="0"/>
+        </a:fillRef>
+        <a:effectRef idx="0">
+          <a:scrgbClr r="0" g="0" b="0"/>
+        </a:effectRef>
+        <a:fontRef idx="minor">
+          <a:schemeClr val="lt1"/>
+        </a:fontRef>
+      </dsp:style>
+    </dsp:sp>
+    <dsp:sp modelId="{6B83BC24-ED68-42E8-A0A5-F8FCF5A30A6D}">
+      <dsp:nvSpPr>
+        <dsp:cNvPr id="0" name=""/>
+        <dsp:cNvSpPr/>
+      </dsp:nvSpPr>
+      <dsp:spPr>
+        <a:xfrm>
+          <a:off x="314325" y="1262800"/>
+          <a:ext cx="2828924" cy="1796367"/>
+        </a:xfrm>
+        <a:prstGeom prst="roundRect">
+          <a:avLst>
+            <a:gd name="adj" fmla="val 10000"/>
+          </a:avLst>
+        </a:prstGeom>
+        <a:solidFill>
+          <a:schemeClr val="lt1">
+            <a:alpha val="90000"/>
+            <a:hueOff val="0"/>
+            <a:satOff val="0"/>
+            <a:lumOff val="0"/>
+            <a:alphaOff val="0"/>
+          </a:schemeClr>
+        </a:solidFill>
+        <a:ln w="15875" cap="flat" cmpd="sng" algn="ctr">
+          <a:solidFill>
+            <a:schemeClr val="accent1">
+              <a:hueOff val="0"/>
+              <a:satOff val="0"/>
+              <a:lumOff val="0"/>
+              <a:alphaOff val="0"/>
+            </a:schemeClr>
+          </a:solidFill>
+          <a:prstDash val="solid"/>
+        </a:ln>
+        <a:effectLst/>
+      </dsp:spPr>
+      <dsp:style>
+        <a:lnRef idx="2">
+          <a:scrgbClr r="0" g="0" b="0"/>
+        </a:lnRef>
+        <a:fillRef idx="1">
+          <a:scrgbClr r="0" g="0" b="0"/>
+        </a:fillRef>
+        <a:effectRef idx="0">
+          <a:scrgbClr r="0" g="0" b="0"/>
+        </a:effectRef>
+        <a:fontRef idx="minor"/>
+      </dsp:style>
+      <dsp:txBody>
+        <a:bodyPr spcFirstLastPara="0" vert="horz" wrap="square" lIns="87630" tIns="87630" rIns="87630" bIns="87630" numCol="1" spcCol="1270" anchor="ctr" anchorCtr="0">
+          <a:noAutofit/>
+        </a:bodyPr>
+        <a:lstStyle/>
+        <a:p>
+          <a:pPr marL="0" lvl="0" indent="0" algn="ctr" defTabSz="1022350">
+            <a:lnSpc>
+              <a:spcPct val="90000"/>
+            </a:lnSpc>
+            <a:spcBef>
+              <a:spcPct val="0"/>
+            </a:spcBef>
+            <a:spcAft>
+              <a:spcPct val="35000"/>
+            </a:spcAft>
+            <a:buNone/>
+          </a:pPr>
+          <a:r>
+            <a:rPr lang="de-DE" sz="2300" kern="1200"/>
+            <a:t>Seite von Angular auf React komplett umgeschrieben ohne die neuen Kataloge</a:t>
+          </a:r>
+          <a:endParaRPr lang="en-US" sz="2300" kern="1200"/>
+        </a:p>
+      </dsp:txBody>
+      <dsp:txXfrm>
+        <a:off x="366939" y="1315414"/>
+        <a:ext cx="2723696" cy="1691139"/>
+      </dsp:txXfrm>
+    </dsp:sp>
+    <dsp:sp modelId="{566C6161-7B50-437E-8761-6278588EB718}">
+      <dsp:nvSpPr>
+        <dsp:cNvPr id="0" name=""/>
+        <dsp:cNvSpPr/>
+      </dsp:nvSpPr>
+      <dsp:spPr>
+        <a:xfrm>
+          <a:off x="3457574" y="964191"/>
+          <a:ext cx="2828924" cy="1796367"/>
+        </a:xfrm>
+        <a:prstGeom prst="roundRect">
+          <a:avLst>
+            <a:gd name="adj" fmla="val 10000"/>
+          </a:avLst>
+        </a:prstGeom>
+        <a:solidFill>
+          <a:schemeClr val="accent1">
+            <a:hueOff val="0"/>
+            <a:satOff val="0"/>
+            <a:lumOff val="0"/>
+            <a:alphaOff val="0"/>
+          </a:schemeClr>
+        </a:solidFill>
+        <a:ln w="15875" cap="flat" cmpd="sng" algn="ctr">
+          <a:solidFill>
+            <a:schemeClr val="lt1">
+              <a:hueOff val="0"/>
+              <a:satOff val="0"/>
+              <a:lumOff val="0"/>
+              <a:alphaOff val="0"/>
+            </a:schemeClr>
+          </a:solidFill>
+          <a:prstDash val="solid"/>
+        </a:ln>
+        <a:effectLst/>
+      </dsp:spPr>
+      <dsp:style>
+        <a:lnRef idx="2">
+          <a:scrgbClr r="0" g="0" b="0"/>
+        </a:lnRef>
+        <a:fillRef idx="1">
+          <a:scrgbClr r="0" g="0" b="0"/>
+        </a:fillRef>
+        <a:effectRef idx="0">
+          <a:scrgbClr r="0" g="0" b="0"/>
+        </a:effectRef>
+        <a:fontRef idx="minor">
+          <a:schemeClr val="lt1"/>
+        </a:fontRef>
+      </dsp:style>
+    </dsp:sp>
+    <dsp:sp modelId="{B751FE8B-4E0A-4998-84EA-021BA5FD5BA9}">
+      <dsp:nvSpPr>
+        <dsp:cNvPr id="0" name=""/>
+        <dsp:cNvSpPr/>
+      </dsp:nvSpPr>
+      <dsp:spPr>
+        <a:xfrm>
+          <a:off x="3771899" y="1262800"/>
+          <a:ext cx="2828924" cy="1796367"/>
+        </a:xfrm>
+        <a:prstGeom prst="roundRect">
+          <a:avLst>
+            <a:gd name="adj" fmla="val 10000"/>
+          </a:avLst>
+        </a:prstGeom>
+        <a:solidFill>
+          <a:schemeClr val="lt1">
+            <a:alpha val="90000"/>
+            <a:hueOff val="0"/>
+            <a:satOff val="0"/>
+            <a:lumOff val="0"/>
+            <a:alphaOff val="0"/>
+          </a:schemeClr>
+        </a:solidFill>
+        <a:ln w="15875" cap="flat" cmpd="sng" algn="ctr">
+          <a:solidFill>
+            <a:schemeClr val="accent1">
+              <a:hueOff val="0"/>
+              <a:satOff val="0"/>
+              <a:lumOff val="0"/>
+              <a:alphaOff val="0"/>
+            </a:schemeClr>
+          </a:solidFill>
+          <a:prstDash val="solid"/>
+        </a:ln>
+        <a:effectLst/>
+      </dsp:spPr>
+      <dsp:style>
+        <a:lnRef idx="2">
+          <a:scrgbClr r="0" g="0" b="0"/>
+        </a:lnRef>
+        <a:fillRef idx="1">
+          <a:scrgbClr r="0" g="0" b="0"/>
+        </a:fillRef>
+        <a:effectRef idx="0">
+          <a:scrgbClr r="0" g="0" b="0"/>
+        </a:effectRef>
+        <a:fontRef idx="minor"/>
+      </dsp:style>
+      <dsp:txBody>
+        <a:bodyPr spcFirstLastPara="0" vert="horz" wrap="square" lIns="87630" tIns="87630" rIns="87630" bIns="87630" numCol="1" spcCol="1270" anchor="ctr" anchorCtr="0">
+          <a:noAutofit/>
+        </a:bodyPr>
+        <a:lstStyle/>
+        <a:p>
+          <a:pPr marL="0" lvl="0" indent="0" algn="ctr" defTabSz="1022350">
+            <a:lnSpc>
+              <a:spcPct val="90000"/>
+            </a:lnSpc>
+            <a:spcBef>
+              <a:spcPct val="0"/>
+            </a:spcBef>
+            <a:spcAft>
+              <a:spcPct val="35000"/>
+            </a:spcAft>
+            <a:buNone/>
+          </a:pPr>
+          <a:r>
+            <a:rPr lang="de-DE" sz="2300" kern="1200"/>
+            <a:t>So gut wie möglich auch mobiltauglich</a:t>
+          </a:r>
+          <a:endParaRPr lang="en-US" sz="2300" kern="1200"/>
+        </a:p>
+      </dsp:txBody>
+      <dsp:txXfrm>
+        <a:off x="3824513" y="1315414"/>
+        <a:ext cx="2723696" cy="1691139"/>
+      </dsp:txXfrm>
+    </dsp:sp>
+    <dsp:sp modelId="{F65261DD-E964-47CA-A581-23EF310348AF}">
+      <dsp:nvSpPr>
+        <dsp:cNvPr id="0" name=""/>
+        <dsp:cNvSpPr/>
+      </dsp:nvSpPr>
+      <dsp:spPr>
+        <a:xfrm>
+          <a:off x="6915149" y="964191"/>
+          <a:ext cx="2828924" cy="1796367"/>
+        </a:xfrm>
+        <a:prstGeom prst="roundRect">
+          <a:avLst>
+            <a:gd name="adj" fmla="val 10000"/>
+          </a:avLst>
+        </a:prstGeom>
+        <a:solidFill>
+          <a:schemeClr val="accent1">
+            <a:hueOff val="0"/>
+            <a:satOff val="0"/>
+            <a:lumOff val="0"/>
+            <a:alphaOff val="0"/>
+          </a:schemeClr>
+        </a:solidFill>
+        <a:ln w="15875" cap="flat" cmpd="sng" algn="ctr">
+          <a:solidFill>
+            <a:schemeClr val="lt1">
+              <a:hueOff val="0"/>
+              <a:satOff val="0"/>
+              <a:lumOff val="0"/>
+              <a:alphaOff val="0"/>
+            </a:schemeClr>
+          </a:solidFill>
+          <a:prstDash val="solid"/>
+        </a:ln>
+        <a:effectLst/>
+      </dsp:spPr>
+      <dsp:style>
+        <a:lnRef idx="2">
+          <a:scrgbClr r="0" g="0" b="0"/>
+        </a:lnRef>
+        <a:fillRef idx="1">
+          <a:scrgbClr r="0" g="0" b="0"/>
+        </a:fillRef>
+        <a:effectRef idx="0">
+          <a:scrgbClr r="0" g="0" b="0"/>
+        </a:effectRef>
+        <a:fontRef idx="minor">
+          <a:schemeClr val="lt1"/>
+        </a:fontRef>
+      </dsp:style>
+    </dsp:sp>
+    <dsp:sp modelId="{4ABD1A76-E3F0-4A70-9FB3-3216872D3015}">
+      <dsp:nvSpPr>
+        <dsp:cNvPr id="0" name=""/>
+        <dsp:cNvSpPr/>
+      </dsp:nvSpPr>
+      <dsp:spPr>
+        <a:xfrm>
+          <a:off x="7229475" y="1262800"/>
+          <a:ext cx="2828924" cy="1796367"/>
+        </a:xfrm>
+        <a:prstGeom prst="roundRect">
+          <a:avLst>
+            <a:gd name="adj" fmla="val 10000"/>
+          </a:avLst>
+        </a:prstGeom>
+        <a:solidFill>
+          <a:schemeClr val="lt1">
+            <a:alpha val="90000"/>
+            <a:hueOff val="0"/>
+            <a:satOff val="0"/>
+            <a:lumOff val="0"/>
+            <a:alphaOff val="0"/>
+          </a:schemeClr>
+        </a:solidFill>
+        <a:ln w="15875" cap="flat" cmpd="sng" algn="ctr">
+          <a:solidFill>
+            <a:schemeClr val="accent1">
+              <a:hueOff val="0"/>
+              <a:satOff val="0"/>
+              <a:lumOff val="0"/>
+              <a:alphaOff val="0"/>
+            </a:schemeClr>
+          </a:solidFill>
+          <a:prstDash val="solid"/>
+        </a:ln>
+        <a:effectLst/>
+      </dsp:spPr>
+      <dsp:style>
+        <a:lnRef idx="2">
+          <a:scrgbClr r="0" g="0" b="0"/>
+        </a:lnRef>
+        <a:fillRef idx="1">
+          <a:scrgbClr r="0" g="0" b="0"/>
+        </a:fillRef>
+        <a:effectRef idx="0">
+          <a:scrgbClr r="0" g="0" b="0"/>
+        </a:effectRef>
+        <a:fontRef idx="minor"/>
+      </dsp:style>
+      <dsp:txBody>
+        <a:bodyPr spcFirstLastPara="0" vert="horz" wrap="square" lIns="87630" tIns="87630" rIns="87630" bIns="87630" numCol="1" spcCol="1270" anchor="ctr" anchorCtr="0">
+          <a:noAutofit/>
+        </a:bodyPr>
+        <a:lstStyle/>
+        <a:p>
+          <a:pPr marL="0" lvl="0" indent="0" algn="ctr" defTabSz="1022350">
+            <a:lnSpc>
+              <a:spcPct val="90000"/>
+            </a:lnSpc>
+            <a:spcBef>
+              <a:spcPct val="0"/>
+            </a:spcBef>
+            <a:spcAft>
+              <a:spcPct val="35000"/>
+            </a:spcAft>
+            <a:buNone/>
+          </a:pPr>
+          <a:r>
+            <a:rPr lang="de-DE" sz="2300" kern="1200"/>
+            <a:t>Bis zum 06.04.22</a:t>
+          </a:r>
+          <a:endParaRPr lang="en-US" sz="2300" kern="1200"/>
+        </a:p>
+      </dsp:txBody>
+      <dsp:txXfrm>
+        <a:off x="7282089" y="1315414"/>
+        <a:ext cx="2723696" cy="1691139"/>
+      </dsp:txXfrm>
+    </dsp:sp>
+  </dsp:spTree>
+</dsp:drawing>
+</file>
+
+<file path=ppt/diagrams/drawing3.xml><?xml version="1.0" encoding="utf-8"?>
+<dsp:drawing xmlns:dgm="http://schemas.openxmlformats.org/drawingml/2006/diagram" xmlns:dsp="http://schemas.microsoft.com/office/drawing/2008/diagram" xmlns:a="http://schemas.openxmlformats.org/drawingml/2006/main">
+  <dsp:spTree>
+    <dsp:nvGrpSpPr>
+      <dsp:cNvPr id="0" name=""/>
+      <dsp:cNvGrpSpPr/>
+    </dsp:nvGrpSpPr>
+    <dsp:grpSpPr/>
+    <dsp:sp modelId="{8238C717-50FF-494A-B55B-74B5CABAC534}">
+      <dsp:nvSpPr>
+        <dsp:cNvPr id="0" name=""/>
+        <dsp:cNvSpPr/>
+      </dsp:nvSpPr>
+      <dsp:spPr>
+        <a:xfrm>
+          <a:off x="0" y="457379"/>
+          <a:ext cx="6454987" cy="959400"/>
+        </a:xfrm>
+        <a:prstGeom prst="roundRect">
+          <a:avLst/>
+        </a:prstGeom>
+        <a:solidFill>
+          <a:schemeClr val="accent1">
+            <a:hueOff val="0"/>
+            <a:satOff val="0"/>
+            <a:lumOff val="0"/>
+            <a:alphaOff val="0"/>
+          </a:schemeClr>
+        </a:solidFill>
+        <a:ln w="15875" cap="flat" cmpd="sng" algn="ctr">
+          <a:solidFill>
+            <a:schemeClr val="lt1">
+              <a:hueOff val="0"/>
+              <a:satOff val="0"/>
+              <a:lumOff val="0"/>
+              <a:alphaOff val="0"/>
+            </a:schemeClr>
+          </a:solidFill>
+          <a:prstDash val="solid"/>
+        </a:ln>
+        <a:effectLst/>
+      </dsp:spPr>
+      <dsp:style>
+        <a:lnRef idx="2">
+          <a:scrgbClr r="0" g="0" b="0"/>
+        </a:lnRef>
+        <a:fillRef idx="1">
+          <a:scrgbClr r="0" g="0" b="0"/>
+        </a:fillRef>
+        <a:effectRef idx="0">
+          <a:scrgbClr r="0" g="0" b="0"/>
+        </a:effectRef>
+        <a:fontRef idx="minor">
+          <a:schemeClr val="lt1"/>
+        </a:fontRef>
+      </dsp:style>
+      <dsp:txBody>
+        <a:bodyPr spcFirstLastPara="0" vert="horz" wrap="square" lIns="152400" tIns="152400" rIns="152400" bIns="152400" numCol="1" spcCol="1270" anchor="ctr" anchorCtr="0">
+          <a:noAutofit/>
+        </a:bodyPr>
+        <a:lstStyle/>
+        <a:p>
+          <a:pPr marL="0" lvl="0" indent="0" algn="l" defTabSz="1778000">
+            <a:lnSpc>
+              <a:spcPct val="90000"/>
+            </a:lnSpc>
+            <a:spcBef>
+              <a:spcPct val="0"/>
+            </a:spcBef>
+            <a:spcAft>
+              <a:spcPct val="35000"/>
+            </a:spcAft>
+            <a:buNone/>
+          </a:pPr>
+          <a:r>
+            <a:rPr lang="de-CH" sz="4000" kern="1200"/>
+            <a:t>Ziel erreicht?</a:t>
+          </a:r>
+          <a:endParaRPr lang="en-US" sz="4000" kern="1200"/>
+        </a:p>
+      </dsp:txBody>
+      <dsp:txXfrm>
+        <a:off x="46834" y="504213"/>
+        <a:ext cx="6361319" cy="865732"/>
+      </dsp:txXfrm>
+    </dsp:sp>
+    <dsp:sp modelId="{4DE51249-5676-421B-AA5B-F9ADEE53142C}">
+      <dsp:nvSpPr>
+        <dsp:cNvPr id="0" name=""/>
+        <dsp:cNvSpPr/>
+      </dsp:nvSpPr>
+      <dsp:spPr>
+        <a:xfrm>
+          <a:off x="0" y="1531979"/>
+          <a:ext cx="6454987" cy="959400"/>
+        </a:xfrm>
+        <a:prstGeom prst="roundRect">
+          <a:avLst/>
+        </a:prstGeom>
+        <a:solidFill>
+          <a:schemeClr val="accent1">
+            <a:hueOff val="0"/>
+            <a:satOff val="0"/>
+            <a:lumOff val="0"/>
+            <a:alphaOff val="0"/>
+          </a:schemeClr>
+        </a:solidFill>
+        <a:ln w="15875" cap="flat" cmpd="sng" algn="ctr">
+          <a:solidFill>
+            <a:schemeClr val="lt1">
+              <a:hueOff val="0"/>
+              <a:satOff val="0"/>
+              <a:lumOff val="0"/>
+              <a:alphaOff val="0"/>
+            </a:schemeClr>
+          </a:solidFill>
+          <a:prstDash val="solid"/>
+        </a:ln>
+        <a:effectLst/>
+      </dsp:spPr>
+      <dsp:style>
+        <a:lnRef idx="2">
+          <a:scrgbClr r="0" g="0" b="0"/>
+        </a:lnRef>
+        <a:fillRef idx="1">
+          <a:scrgbClr r="0" g="0" b="0"/>
+        </a:fillRef>
+        <a:effectRef idx="0">
+          <a:scrgbClr r="0" g="0" b="0"/>
+        </a:effectRef>
+        <a:fontRef idx="minor">
+          <a:schemeClr val="lt1"/>
+        </a:fontRef>
+      </dsp:style>
+      <dsp:txBody>
+        <a:bodyPr spcFirstLastPara="0" vert="horz" wrap="square" lIns="152400" tIns="152400" rIns="152400" bIns="152400" numCol="1" spcCol="1270" anchor="ctr" anchorCtr="0">
+          <a:noAutofit/>
+        </a:bodyPr>
+        <a:lstStyle/>
+        <a:p>
+          <a:pPr marL="0" lvl="0" indent="0" algn="l" defTabSz="1778000">
+            <a:lnSpc>
+              <a:spcPct val="90000"/>
+            </a:lnSpc>
+            <a:spcBef>
+              <a:spcPct val="0"/>
+            </a:spcBef>
+            <a:spcAft>
+              <a:spcPct val="35000"/>
+            </a:spcAft>
+            <a:buNone/>
+          </a:pPr>
+          <a:r>
+            <a:rPr lang="de-CH" sz="4000" kern="1200"/>
+            <a:t>Verbesserungsvorschläge</a:t>
+          </a:r>
+          <a:endParaRPr lang="en-US" sz="4000" kern="1200"/>
+        </a:p>
+      </dsp:txBody>
+      <dsp:txXfrm>
+        <a:off x="46834" y="1578813"/>
+        <a:ext cx="6361319" cy="865732"/>
+      </dsp:txXfrm>
+    </dsp:sp>
+    <dsp:sp modelId="{CA0EA884-A871-4655-BB12-54430BD6BE06}">
+      <dsp:nvSpPr>
+        <dsp:cNvPr id="0" name=""/>
+        <dsp:cNvSpPr/>
+      </dsp:nvSpPr>
+      <dsp:spPr>
+        <a:xfrm>
+          <a:off x="0" y="2606580"/>
+          <a:ext cx="6454987" cy="959400"/>
+        </a:xfrm>
+        <a:prstGeom prst="roundRect">
+          <a:avLst/>
+        </a:prstGeom>
+        <a:solidFill>
+          <a:schemeClr val="accent1">
+            <a:hueOff val="0"/>
+            <a:satOff val="0"/>
+            <a:lumOff val="0"/>
+            <a:alphaOff val="0"/>
+          </a:schemeClr>
+        </a:solidFill>
+        <a:ln w="15875" cap="flat" cmpd="sng" algn="ctr">
+          <a:solidFill>
+            <a:schemeClr val="lt1">
+              <a:hueOff val="0"/>
+              <a:satOff val="0"/>
+              <a:lumOff val="0"/>
+              <a:alphaOff val="0"/>
+            </a:schemeClr>
+          </a:solidFill>
+          <a:prstDash val="solid"/>
+        </a:ln>
+        <a:effectLst/>
+      </dsp:spPr>
+      <dsp:style>
+        <a:lnRef idx="2">
+          <a:scrgbClr r="0" g="0" b="0"/>
+        </a:lnRef>
+        <a:fillRef idx="1">
+          <a:scrgbClr r="0" g="0" b="0"/>
+        </a:fillRef>
+        <a:effectRef idx="0">
+          <a:scrgbClr r="0" g="0" b="0"/>
+        </a:effectRef>
+        <a:fontRef idx="minor">
+          <a:schemeClr val="lt1"/>
+        </a:fontRef>
+      </dsp:style>
+      <dsp:txBody>
+        <a:bodyPr spcFirstLastPara="0" vert="horz" wrap="square" lIns="152400" tIns="152400" rIns="152400" bIns="152400" numCol="1" spcCol="1270" anchor="ctr" anchorCtr="0">
+          <a:noAutofit/>
+        </a:bodyPr>
+        <a:lstStyle/>
+        <a:p>
+          <a:pPr marL="0" lvl="0" indent="0" algn="l" defTabSz="1778000">
+            <a:lnSpc>
+              <a:spcPct val="90000"/>
+            </a:lnSpc>
+            <a:spcBef>
+              <a:spcPct val="0"/>
+            </a:spcBef>
+            <a:spcAft>
+              <a:spcPct val="35000"/>
+            </a:spcAft>
+            <a:buNone/>
+          </a:pPr>
+          <a:r>
+            <a:rPr lang="de-CH" sz="4000" kern="1200"/>
+            <a:t>Wie sieht es momentan aus?</a:t>
+          </a:r>
+          <a:endParaRPr lang="en-US" sz="4000" kern="1200"/>
+        </a:p>
+      </dsp:txBody>
+      <dsp:txXfrm>
+        <a:off x="46834" y="2653414"/>
+        <a:ext cx="6361319" cy="865732"/>
+      </dsp:txXfrm>
+    </dsp:sp>
+  </dsp:spTree>
+</dsp:drawing>
+</file>
+
+<file path=ppt/diagrams/drawing4.xml><?xml version="1.0" encoding="utf-8"?>
+<dsp:drawing xmlns:dgm="http://schemas.openxmlformats.org/drawingml/2006/diagram" xmlns:dsp="http://schemas.microsoft.com/office/drawing/2008/diagram" xmlns:a="http://schemas.openxmlformats.org/drawingml/2006/main">
+  <dsp:spTree>
+    <dsp:nvGrpSpPr>
+      <dsp:cNvPr id="0" name=""/>
+      <dsp:cNvGrpSpPr/>
+    </dsp:nvGrpSpPr>
+    <dsp:grpSpPr/>
     <dsp:sp modelId="{2DD5FF2B-FB1C-4526-9DC5-EFCD13404342}">
       <dsp:nvSpPr>
         <dsp:cNvPr id="0" name=""/>
@@ -3537,7 +6118,7 @@
           </a:pPr>
           <a:r>
             <a:rPr lang="de-CH" sz="2100" kern="1200" dirty="0"/>
-            <a:t>Mobile-tauglich design</a:t>
+            <a:t>Mobile-taugliches design</a:t>
           </a:r>
           <a:endParaRPr lang="en-US" sz="2100" kern="1200" dirty="0"/>
         </a:p>
@@ -3938,6 +6519,736 @@
 </file>
 
 <file path=ppt/diagrams/layout2.xml><?xml version="1.0" encoding="utf-8"?>
+<dgm:layoutDef xmlns:dgm="http://schemas.openxmlformats.org/drawingml/2006/diagram" xmlns:a="http://schemas.openxmlformats.org/drawingml/2006/main" uniqueId="urn:microsoft.com/office/officeart/2005/8/layout/hierarchy1">
+  <dgm:title val=""/>
+  <dgm:desc val=""/>
+  <dgm:catLst>
+    <dgm:cat type="hierarchy" pri="2000"/>
+  </dgm:catLst>
+  <dgm:sampData>
+    <dgm:dataModel>
+      <dgm:ptLst>
+        <dgm:pt modelId="0" type="doc"/>
+        <dgm:pt modelId="1">
+          <dgm:prSet phldr="1"/>
+        </dgm:pt>
+        <dgm:pt modelId="2">
+          <dgm:prSet phldr="1"/>
+        </dgm:pt>
+        <dgm:pt modelId="21">
+          <dgm:prSet phldr="1"/>
+        </dgm:pt>
+        <dgm:pt modelId="22">
+          <dgm:prSet phldr="1"/>
+        </dgm:pt>
+        <dgm:pt modelId="3">
+          <dgm:prSet phldr="1"/>
+        </dgm:pt>
+        <dgm:pt modelId="31">
+          <dgm:prSet phldr="1"/>
+        </dgm:pt>
+      </dgm:ptLst>
+      <dgm:cxnLst>
+        <dgm:cxn modelId="4" srcId="0" destId="1" srcOrd="0" destOrd="0"/>
+        <dgm:cxn modelId="5" srcId="1" destId="2" srcOrd="0" destOrd="0"/>
+        <dgm:cxn modelId="6" srcId="1" destId="3" srcOrd="1" destOrd="0"/>
+        <dgm:cxn modelId="23" srcId="2" destId="21" srcOrd="0" destOrd="0"/>
+        <dgm:cxn modelId="24" srcId="2" destId="22" srcOrd="1" destOrd="0"/>
+        <dgm:cxn modelId="33" srcId="3" destId="31" srcOrd="0" destOrd="0"/>
+      </dgm:cxnLst>
+      <dgm:bg/>
+      <dgm:whole/>
+    </dgm:dataModel>
+  </dgm:sampData>
+  <dgm:styleData>
+    <dgm:dataModel>
+      <dgm:ptLst>
+        <dgm:pt modelId="0" type="doc"/>
+        <dgm:pt modelId="1"/>
+        <dgm:pt modelId="11"/>
+        <dgm:pt modelId="12"/>
+      </dgm:ptLst>
+      <dgm:cxnLst>
+        <dgm:cxn modelId="2" srcId="0" destId="1" srcOrd="0" destOrd="0"/>
+        <dgm:cxn modelId="13" srcId="1" destId="11" srcOrd="0" destOrd="0"/>
+        <dgm:cxn modelId="14" srcId="1" destId="12" srcOrd="1" destOrd="0"/>
+      </dgm:cxnLst>
+      <dgm:bg/>
+      <dgm:whole/>
+    </dgm:dataModel>
+  </dgm:styleData>
+  <dgm:clrData>
+    <dgm:dataModel>
+      <dgm:ptLst>
+        <dgm:pt modelId="0" type="doc"/>
+        <dgm:pt modelId="1"/>
+        <dgm:pt modelId="2"/>
+        <dgm:pt modelId="21"/>
+        <dgm:pt modelId="211"/>
+        <dgm:pt modelId="3"/>
+        <dgm:pt modelId="31"/>
+        <dgm:pt modelId="311"/>
+      </dgm:ptLst>
+      <dgm:cxnLst>
+        <dgm:cxn modelId="4" srcId="0" destId="1" srcOrd="0" destOrd="0"/>
+        <dgm:cxn modelId="5" srcId="1" destId="2" srcOrd="0" destOrd="0"/>
+        <dgm:cxn modelId="6" srcId="1" destId="3" srcOrd="1" destOrd="0"/>
+        <dgm:cxn modelId="23" srcId="2" destId="21" srcOrd="0" destOrd="0"/>
+        <dgm:cxn modelId="24" srcId="21" destId="211" srcOrd="0" destOrd="0"/>
+        <dgm:cxn modelId="33" srcId="3" destId="31" srcOrd="0" destOrd="0"/>
+        <dgm:cxn modelId="34" srcId="31" destId="311" srcOrd="0" destOrd="0"/>
+      </dgm:cxnLst>
+      <dgm:bg/>
+      <dgm:whole/>
+    </dgm:dataModel>
+  </dgm:clrData>
+  <dgm:layoutNode name="hierChild1">
+    <dgm:varLst>
+      <dgm:chPref val="1"/>
+      <dgm:dir/>
+      <dgm:animOne val="branch"/>
+      <dgm:animLvl val="lvl"/>
+      <dgm:resizeHandles/>
+    </dgm:varLst>
+    <dgm:choose name="Name0">
+      <dgm:if name="Name1" func="var" arg="dir" op="equ" val="norm">
+        <dgm:alg type="hierChild">
+          <dgm:param type="linDir" val="fromL"/>
+        </dgm:alg>
+      </dgm:if>
+      <dgm:else name="Name2">
+        <dgm:alg type="hierChild">
+          <dgm:param type="linDir" val="fromR"/>
+        </dgm:alg>
+      </dgm:else>
+    </dgm:choose>
+    <dgm:shape xmlns:r="http://schemas.openxmlformats.org/officeDocument/2006/relationships" r:blip="">
+      <dgm:adjLst/>
+    </dgm:shape>
+    <dgm:presOf/>
+    <dgm:constrLst>
+      <dgm:constr type="primFontSz" for="des" ptType="node" op="equ" val="65"/>
+      <dgm:constr type="w" for="des" forName="composite" refType="w"/>
+      <dgm:constr type="h" for="des" forName="composite" refType="w" refFor="des" refForName="composite" fact="0.667"/>
+      <dgm:constr type="w" for="des" forName="composite2" refType="w" refFor="des" refForName="composite"/>
+      <dgm:constr type="h" for="des" forName="composite2" refType="h" refFor="des" refForName="composite"/>
+      <dgm:constr type="w" for="des" forName="composite3" refType="w" refFor="des" refForName="composite"/>
+      <dgm:constr type="h" for="des" forName="composite3" refType="h" refFor="des" refForName="composite"/>
+      <dgm:constr type="w" for="des" forName="composite4" refType="w" refFor="des" refForName="composite"/>
+      <dgm:constr type="h" for="des" forName="composite4" refType="h" refFor="des" refForName="composite"/>
+      <dgm:constr type="w" for="des" forName="composite5" refType="w" refFor="des" refForName="composite"/>
+      <dgm:constr type="h" for="des" forName="composite5" refType="h" refFor="des" refForName="composite"/>
+      <dgm:constr type="sibSp" refType="w" refFor="des" refForName="composite" fact="0.1"/>
+      <dgm:constr type="sibSp" for="des" forName="hierChild2" refType="sibSp"/>
+      <dgm:constr type="sibSp" for="des" forName="hierChild3" refType="sibSp"/>
+      <dgm:constr type="sibSp" for="des" forName="hierChild4" refType="sibSp"/>
+      <dgm:constr type="sibSp" for="des" forName="hierChild5" refType="sibSp"/>
+      <dgm:constr type="sibSp" for="des" forName="hierChild6" refType="sibSp"/>
+      <dgm:constr type="sp" for="des" forName="hierRoot1" refType="h" refFor="des" refForName="composite" fact="0.25"/>
+      <dgm:constr type="sp" for="des" forName="hierRoot2" refType="sp" refFor="des" refForName="hierRoot1"/>
+      <dgm:constr type="sp" for="des" forName="hierRoot3" refType="sp" refFor="des" refForName="hierRoot1"/>
+      <dgm:constr type="sp" for="des" forName="hierRoot4" refType="sp" refFor="des" refForName="hierRoot1"/>
+      <dgm:constr type="sp" for="des" forName="hierRoot5" refType="sp" refFor="des" refForName="hierRoot1"/>
+    </dgm:constrLst>
+    <dgm:ruleLst/>
+    <dgm:forEach name="Name3" axis="ch">
+      <dgm:forEach name="Name4" axis="self" ptType="node">
+        <dgm:layoutNode name="hierRoot1">
+          <dgm:alg type="hierRoot"/>
+          <dgm:shape xmlns:r="http://schemas.openxmlformats.org/officeDocument/2006/relationships" r:blip="">
+            <dgm:adjLst/>
+          </dgm:shape>
+          <dgm:presOf/>
+          <dgm:constrLst>
+            <dgm:constr type="bendDist" for="des" ptType="parTrans" refType="sp" fact="0.5"/>
+          </dgm:constrLst>
+          <dgm:ruleLst/>
+          <dgm:layoutNode name="composite">
+            <dgm:alg type="composite"/>
+            <dgm:shape xmlns:r="http://schemas.openxmlformats.org/officeDocument/2006/relationships" r:blip="">
+              <dgm:adjLst/>
+            </dgm:shape>
+            <dgm:presOf/>
+            <dgm:constrLst>
+              <dgm:constr type="w" for="ch" forName="background" refType="w" fact="0.9"/>
+              <dgm:constr type="h" for="ch" forName="background" refType="w" refFor="ch" refForName="background" fact="0.635"/>
+              <dgm:constr type="t" for="ch" forName="background"/>
+              <dgm:constr type="l" for="ch" forName="background"/>
+              <dgm:constr type="w" for="ch" forName="text" refType="w" fact="0.9"/>
+              <dgm:constr type="h" for="ch" forName="text" refType="w" refFor="ch" refForName="text" fact="0.635"/>
+              <dgm:constr type="t" for="ch" forName="text" refType="w" fact="0.095"/>
+              <dgm:constr type="l" for="ch" forName="text" refType="w" fact="0.1"/>
+            </dgm:constrLst>
+            <dgm:ruleLst/>
+            <dgm:layoutNode name="background" styleLbl="node0" moveWith="text">
+              <dgm:alg type="sp"/>
+              <dgm:shape xmlns:r="http://schemas.openxmlformats.org/officeDocument/2006/relationships" type="roundRect" r:blip="">
+                <dgm:adjLst>
+                  <dgm:adj idx="1" val="0.1"/>
+                </dgm:adjLst>
+              </dgm:shape>
+              <dgm:presOf/>
+              <dgm:constrLst/>
+              <dgm:ruleLst/>
+            </dgm:layoutNode>
+            <dgm:layoutNode name="text" styleLbl="fgAcc0">
+              <dgm:varLst>
+                <dgm:chPref val="3"/>
+              </dgm:varLst>
+              <dgm:alg type="tx"/>
+              <dgm:shape xmlns:r="http://schemas.openxmlformats.org/officeDocument/2006/relationships" type="roundRect" r:blip="">
+                <dgm:adjLst>
+                  <dgm:adj idx="1" val="0.1"/>
+                </dgm:adjLst>
+              </dgm:shape>
+              <dgm:presOf axis="self"/>
+              <dgm:constrLst>
+                <dgm:constr type="tMarg" refType="primFontSz" fact="0.3"/>
+                <dgm:constr type="bMarg" refType="primFontSz" fact="0.3"/>
+                <dgm:constr type="lMarg" refType="primFontSz" fact="0.3"/>
+                <dgm:constr type="rMarg" refType="primFontSz" fact="0.3"/>
+              </dgm:constrLst>
+              <dgm:ruleLst>
+                <dgm:rule type="primFontSz" val="5" fact="NaN" max="NaN"/>
+              </dgm:ruleLst>
+            </dgm:layoutNode>
+          </dgm:layoutNode>
+          <dgm:layoutNode name="hierChild2">
+            <dgm:choose name="Name5">
+              <dgm:if name="Name6" func="var" arg="dir" op="equ" val="norm">
+                <dgm:alg type="hierChild">
+                  <dgm:param type="linDir" val="fromL"/>
+                </dgm:alg>
+              </dgm:if>
+              <dgm:else name="Name7">
+                <dgm:alg type="hierChild">
+                  <dgm:param type="linDir" val="fromR"/>
+                </dgm:alg>
+              </dgm:else>
+            </dgm:choose>
+            <dgm:shape xmlns:r="http://schemas.openxmlformats.org/officeDocument/2006/relationships" r:blip="">
+              <dgm:adjLst/>
+            </dgm:shape>
+            <dgm:presOf/>
+            <dgm:constrLst/>
+            <dgm:ruleLst/>
+            <dgm:forEach name="Name8" axis="ch">
+              <dgm:forEach name="Name9" axis="self" ptType="parTrans" cnt="1">
+                <dgm:layoutNode name="Name10">
+                  <dgm:alg type="conn">
+                    <dgm:param type="dim" val="1D"/>
+                    <dgm:param type="endSty" val="noArr"/>
+                    <dgm:param type="connRout" val="bend"/>
+                    <dgm:param type="bendPt" val="end"/>
+                    <dgm:param type="begPts" val="bCtr"/>
+                    <dgm:param type="endPts" val="tCtr"/>
+                    <dgm:param type="srcNode" val="background"/>
+                    <dgm:param type="dstNode" val="background2"/>
+                  </dgm:alg>
+                  <dgm:shape xmlns:r="http://schemas.openxmlformats.org/officeDocument/2006/relationships" type="conn" r:blip="" zOrderOff="-999">
+                    <dgm:adjLst/>
+                  </dgm:shape>
+                  <dgm:presOf axis="self"/>
+                  <dgm:constrLst>
+                    <dgm:constr type="begPad"/>
+                    <dgm:constr type="endPad"/>
+                  </dgm:constrLst>
+                  <dgm:ruleLst/>
+                </dgm:layoutNode>
+              </dgm:forEach>
+              <dgm:forEach name="Name11" axis="self" ptType="node">
+                <dgm:layoutNode name="hierRoot2">
+                  <dgm:alg type="hierRoot"/>
+                  <dgm:shape xmlns:r="http://schemas.openxmlformats.org/officeDocument/2006/relationships" r:blip="">
+                    <dgm:adjLst/>
+                  </dgm:shape>
+                  <dgm:presOf/>
+                  <dgm:constrLst>
+                    <dgm:constr type="bendDist" for="des" ptType="parTrans" refType="sp" fact="0.5"/>
+                  </dgm:constrLst>
+                  <dgm:ruleLst/>
+                  <dgm:layoutNode name="composite2">
+                    <dgm:alg type="composite"/>
+                    <dgm:shape xmlns:r="http://schemas.openxmlformats.org/officeDocument/2006/relationships" r:blip="">
+                      <dgm:adjLst/>
+                    </dgm:shape>
+                    <dgm:presOf/>
+                    <dgm:constrLst>
+                      <dgm:constr type="w" for="ch" forName="background2" refType="w" fact="0.9"/>
+                      <dgm:constr type="h" for="ch" forName="background2" refType="w" refFor="ch" refForName="background2" fact="0.635"/>
+                      <dgm:constr type="t" for="ch" forName="background2"/>
+                      <dgm:constr type="l" for="ch" forName="background2"/>
+                      <dgm:constr type="w" for="ch" forName="text2" refType="w" fact="0.9"/>
+                      <dgm:constr type="h" for="ch" forName="text2" refType="w" refFor="ch" refForName="text2" fact="0.635"/>
+                      <dgm:constr type="t" for="ch" forName="text2" refType="w" fact="0.095"/>
+                      <dgm:constr type="l" for="ch" forName="text2" refType="w" fact="0.1"/>
+                    </dgm:constrLst>
+                    <dgm:ruleLst/>
+                    <dgm:layoutNode name="background2" moveWith="text2">
+                      <dgm:alg type="sp"/>
+                      <dgm:shape xmlns:r="http://schemas.openxmlformats.org/officeDocument/2006/relationships" type="roundRect" r:blip="">
+                        <dgm:adjLst>
+                          <dgm:adj idx="1" val="0.1"/>
+                        </dgm:adjLst>
+                      </dgm:shape>
+                      <dgm:presOf/>
+                      <dgm:constrLst/>
+                      <dgm:ruleLst/>
+                    </dgm:layoutNode>
+                    <dgm:layoutNode name="text2" styleLbl="fgAcc2">
+                      <dgm:varLst>
+                        <dgm:chPref val="3"/>
+                      </dgm:varLst>
+                      <dgm:alg type="tx"/>
+                      <dgm:shape xmlns:r="http://schemas.openxmlformats.org/officeDocument/2006/relationships" type="roundRect" r:blip="">
+                        <dgm:adjLst>
+                          <dgm:adj idx="1" val="0.1"/>
+                        </dgm:adjLst>
+                      </dgm:shape>
+                      <dgm:presOf axis="self"/>
+                      <dgm:constrLst>
+                        <dgm:constr type="tMarg" refType="primFontSz" fact="0.3"/>
+                        <dgm:constr type="bMarg" refType="primFontSz" fact="0.3"/>
+                        <dgm:constr type="lMarg" refType="primFontSz" fact="0.3"/>
+                        <dgm:constr type="rMarg" refType="primFontSz" fact="0.3"/>
+                      </dgm:constrLst>
+                      <dgm:ruleLst>
+                        <dgm:rule type="primFontSz" val="5" fact="NaN" max="NaN"/>
+                      </dgm:ruleLst>
+                    </dgm:layoutNode>
+                  </dgm:layoutNode>
+                  <dgm:layoutNode name="hierChild3">
+                    <dgm:choose name="Name12">
+                      <dgm:if name="Name13" func="var" arg="dir" op="equ" val="norm">
+                        <dgm:alg type="hierChild">
+                          <dgm:param type="linDir" val="fromL"/>
+                        </dgm:alg>
+                      </dgm:if>
+                      <dgm:else name="Name14">
+                        <dgm:alg type="hierChild">
+                          <dgm:param type="linDir" val="fromR"/>
+                        </dgm:alg>
+                      </dgm:else>
+                    </dgm:choose>
+                    <dgm:shape xmlns:r="http://schemas.openxmlformats.org/officeDocument/2006/relationships" r:blip="">
+                      <dgm:adjLst/>
+                    </dgm:shape>
+                    <dgm:presOf/>
+                    <dgm:constrLst/>
+                    <dgm:ruleLst/>
+                    <dgm:forEach name="Name15" axis="ch">
+                      <dgm:forEach name="Name16" axis="self" ptType="parTrans" cnt="1">
+                        <dgm:layoutNode name="Name17">
+                          <dgm:alg type="conn">
+                            <dgm:param type="dim" val="1D"/>
+                            <dgm:param type="endSty" val="noArr"/>
+                            <dgm:param type="connRout" val="bend"/>
+                            <dgm:param type="bendPt" val="end"/>
+                            <dgm:param type="begPts" val="bCtr"/>
+                            <dgm:param type="endPts" val="tCtr"/>
+                            <dgm:param type="srcNode" val="background2"/>
+                            <dgm:param type="dstNode" val="background3"/>
+                          </dgm:alg>
+                          <dgm:shape xmlns:r="http://schemas.openxmlformats.org/officeDocument/2006/relationships" type="conn" r:blip="" zOrderOff="-999">
+                            <dgm:adjLst/>
+                          </dgm:shape>
+                          <dgm:presOf axis="self"/>
+                          <dgm:constrLst>
+                            <dgm:constr type="begPad"/>
+                            <dgm:constr type="endPad"/>
+                          </dgm:constrLst>
+                          <dgm:ruleLst/>
+                        </dgm:layoutNode>
+                      </dgm:forEach>
+                      <dgm:forEach name="Name18" axis="self" ptType="node">
+                        <dgm:layoutNode name="hierRoot3">
+                          <dgm:alg type="hierRoot"/>
+                          <dgm:shape xmlns:r="http://schemas.openxmlformats.org/officeDocument/2006/relationships" r:blip="">
+                            <dgm:adjLst/>
+                          </dgm:shape>
+                          <dgm:presOf/>
+                          <dgm:constrLst>
+                            <dgm:constr type="bendDist" for="des" ptType="parTrans" refType="sp" fact="0.5"/>
+                          </dgm:constrLst>
+                          <dgm:ruleLst/>
+                          <dgm:layoutNode name="composite3">
+                            <dgm:alg type="composite"/>
+                            <dgm:shape xmlns:r="http://schemas.openxmlformats.org/officeDocument/2006/relationships" r:blip="">
+                              <dgm:adjLst/>
+                            </dgm:shape>
+                            <dgm:presOf/>
+                            <dgm:constrLst>
+                              <dgm:constr type="w" for="ch" forName="background3" refType="w" fact="0.9"/>
+                              <dgm:constr type="h" for="ch" forName="background3" refType="w" refFor="ch" refForName="background3" fact="0.635"/>
+                              <dgm:constr type="t" for="ch" forName="background3"/>
+                              <dgm:constr type="l" for="ch" forName="background3"/>
+                              <dgm:constr type="w" for="ch" forName="text3" refType="w" fact="0.9"/>
+                              <dgm:constr type="h" for="ch" forName="text3" refType="w" refFor="ch" refForName="text3" fact="0.635"/>
+                              <dgm:constr type="t" for="ch" forName="text3" refType="w" fact="0.095"/>
+                              <dgm:constr type="l" for="ch" forName="text3" refType="w" fact="0.1"/>
+                            </dgm:constrLst>
+                            <dgm:ruleLst/>
+                            <dgm:layoutNode name="background3" moveWith="text3">
+                              <dgm:alg type="sp"/>
+                              <dgm:shape xmlns:r="http://schemas.openxmlformats.org/officeDocument/2006/relationships" type="roundRect" r:blip="">
+                                <dgm:adjLst>
+                                  <dgm:adj idx="1" val="0.1"/>
+                                </dgm:adjLst>
+                              </dgm:shape>
+                              <dgm:presOf/>
+                              <dgm:constrLst/>
+                              <dgm:ruleLst/>
+                            </dgm:layoutNode>
+                            <dgm:layoutNode name="text3" styleLbl="fgAcc3">
+                              <dgm:varLst>
+                                <dgm:chPref val="3"/>
+                              </dgm:varLst>
+                              <dgm:alg type="tx"/>
+                              <dgm:shape xmlns:r="http://schemas.openxmlformats.org/officeDocument/2006/relationships" type="roundRect" r:blip="">
+                                <dgm:adjLst>
+                                  <dgm:adj idx="1" val="0.1"/>
+                                </dgm:adjLst>
+                              </dgm:shape>
+                              <dgm:presOf axis="self"/>
+                              <dgm:constrLst>
+                                <dgm:constr type="tMarg" refType="primFontSz" fact="0.3"/>
+                                <dgm:constr type="bMarg" refType="primFontSz" fact="0.3"/>
+                                <dgm:constr type="lMarg" refType="primFontSz" fact="0.3"/>
+                                <dgm:constr type="rMarg" refType="primFontSz" fact="0.3"/>
+                              </dgm:constrLst>
+                              <dgm:ruleLst>
+                                <dgm:rule type="primFontSz" val="5" fact="NaN" max="NaN"/>
+                              </dgm:ruleLst>
+                            </dgm:layoutNode>
+                          </dgm:layoutNode>
+                          <dgm:layoutNode name="hierChild4">
+                            <dgm:choose name="Name19">
+                              <dgm:if name="Name20" func="var" arg="dir" op="equ" val="norm">
+                                <dgm:alg type="hierChild">
+                                  <dgm:param type="linDir" val="fromL"/>
+                                </dgm:alg>
+                              </dgm:if>
+                              <dgm:else name="Name21">
+                                <dgm:alg type="hierChild">
+                                  <dgm:param type="linDir" val="fromR"/>
+                                </dgm:alg>
+                              </dgm:else>
+                            </dgm:choose>
+                            <dgm:shape xmlns:r="http://schemas.openxmlformats.org/officeDocument/2006/relationships" r:blip="">
+                              <dgm:adjLst/>
+                            </dgm:shape>
+                            <dgm:presOf/>
+                            <dgm:constrLst/>
+                            <dgm:ruleLst/>
+                            <dgm:forEach name="repeat" axis="ch">
+                              <dgm:forEach name="Name22" axis="self" ptType="parTrans" cnt="1">
+                                <dgm:layoutNode name="Name23">
+                                  <dgm:choose name="Name24">
+                                    <dgm:if name="Name25" axis="self" func="depth" op="lte" val="4">
+                                      <dgm:alg type="conn">
+                                        <dgm:param type="dim" val="1D"/>
+                                        <dgm:param type="endSty" val="noArr"/>
+                                        <dgm:param type="connRout" val="bend"/>
+                                        <dgm:param type="bendPt" val="end"/>
+                                        <dgm:param type="begPts" val="bCtr"/>
+                                        <dgm:param type="endPts" val="tCtr"/>
+                                        <dgm:param type="srcNode" val="background3"/>
+                                        <dgm:param type="dstNode" val="background4"/>
+                                      </dgm:alg>
+                                    </dgm:if>
+                                    <dgm:else name="Name26">
+                                      <dgm:alg type="conn">
+                                        <dgm:param type="dim" val="1D"/>
+                                        <dgm:param type="endSty" val="noArr"/>
+                                        <dgm:param type="connRout" val="bend"/>
+                                        <dgm:param type="bendPt" val="end"/>
+                                        <dgm:param type="begPts" val="bCtr"/>
+                                        <dgm:param type="endPts" val="tCtr"/>
+                                        <dgm:param type="srcNode" val="background4"/>
+                                        <dgm:param type="dstNode" val="background4"/>
+                                      </dgm:alg>
+                                    </dgm:else>
+                                  </dgm:choose>
+                                  <dgm:shape xmlns:r="http://schemas.openxmlformats.org/officeDocument/2006/relationships" type="conn" r:blip="" zOrderOff="-999">
+                                    <dgm:adjLst/>
+                                  </dgm:shape>
+                                  <dgm:presOf axis="self"/>
+                                  <dgm:constrLst>
+                                    <dgm:constr type="begPad"/>
+                                    <dgm:constr type="endPad"/>
+                                  </dgm:constrLst>
+                                  <dgm:ruleLst/>
+                                </dgm:layoutNode>
+                              </dgm:forEach>
+                              <dgm:forEach name="Name27" axis="self" ptType="node">
+                                <dgm:layoutNode name="hierRoot4">
+                                  <dgm:alg type="hierRoot"/>
+                                  <dgm:shape xmlns:r="http://schemas.openxmlformats.org/officeDocument/2006/relationships" r:blip="">
+                                    <dgm:adjLst/>
+                                  </dgm:shape>
+                                  <dgm:presOf/>
+                                  <dgm:constrLst>
+                                    <dgm:constr type="bendDist" for="des" ptType="parTrans" refType="sp" fact="0.5"/>
+                                  </dgm:constrLst>
+                                  <dgm:ruleLst/>
+                                  <dgm:layoutNode name="composite4">
+                                    <dgm:alg type="composite"/>
+                                    <dgm:shape xmlns:r="http://schemas.openxmlformats.org/officeDocument/2006/relationships" r:blip="">
+                                      <dgm:adjLst/>
+                                    </dgm:shape>
+                                    <dgm:presOf/>
+                                    <dgm:constrLst>
+                                      <dgm:constr type="w" for="ch" forName="background4" refType="w" fact="0.9"/>
+                                      <dgm:constr type="h" for="ch" forName="background4" refType="w" refFor="ch" refForName="background4" fact="0.635"/>
+                                      <dgm:constr type="t" for="ch" forName="background4"/>
+                                      <dgm:constr type="l" for="ch" forName="background4"/>
+                                      <dgm:constr type="w" for="ch" forName="text4" refType="w" fact="0.9"/>
+                                      <dgm:constr type="h" for="ch" forName="text4" refType="w" refFor="ch" refForName="text4" fact="0.635"/>
+                                      <dgm:constr type="t" for="ch" forName="text4" refType="w" fact="0.095"/>
+                                      <dgm:constr type="l" for="ch" forName="text4" refType="w" fact="0.1"/>
+                                    </dgm:constrLst>
+                                    <dgm:ruleLst/>
+                                    <dgm:layoutNode name="background4" moveWith="text4">
+                                      <dgm:alg type="sp"/>
+                                      <dgm:shape xmlns:r="http://schemas.openxmlformats.org/officeDocument/2006/relationships" type="roundRect" r:blip="">
+                                        <dgm:adjLst>
+                                          <dgm:adj idx="1" val="0.1"/>
+                                        </dgm:adjLst>
+                                      </dgm:shape>
+                                      <dgm:presOf/>
+                                      <dgm:constrLst/>
+                                      <dgm:ruleLst/>
+                                    </dgm:layoutNode>
+                                    <dgm:layoutNode name="text4" styleLbl="fgAcc4">
+                                      <dgm:varLst>
+                                        <dgm:chPref val="3"/>
+                                      </dgm:varLst>
+                                      <dgm:alg type="tx"/>
+                                      <dgm:shape xmlns:r="http://schemas.openxmlformats.org/officeDocument/2006/relationships" type="roundRect" r:blip="">
+                                        <dgm:adjLst>
+                                          <dgm:adj idx="1" val="0.1"/>
+                                        </dgm:adjLst>
+                                      </dgm:shape>
+                                      <dgm:presOf axis="self"/>
+                                      <dgm:constrLst>
+                                        <dgm:constr type="tMarg" refType="primFontSz" fact="0.3"/>
+                                        <dgm:constr type="bMarg" refType="primFontSz" fact="0.3"/>
+                                        <dgm:constr type="lMarg" refType="primFontSz" fact="0.3"/>
+                                        <dgm:constr type="rMarg" refType="primFontSz" fact="0.3"/>
+                                      </dgm:constrLst>
+                                      <dgm:ruleLst>
+                                        <dgm:rule type="primFontSz" val="5" fact="NaN" max="NaN"/>
+                                      </dgm:ruleLst>
+                                    </dgm:layoutNode>
+                                  </dgm:layoutNode>
+                                  <dgm:layoutNode name="hierChild5">
+                                    <dgm:choose name="Name28">
+                                      <dgm:if name="Name29" func="var" arg="dir" op="equ" val="norm">
+                                        <dgm:alg type="hierChild">
+                                          <dgm:param type="linDir" val="fromL"/>
+                                        </dgm:alg>
+                                      </dgm:if>
+                                      <dgm:else name="Name30">
+                                        <dgm:alg type="hierChild">
+                                          <dgm:param type="linDir" val="fromR"/>
+                                        </dgm:alg>
+                                      </dgm:else>
+                                    </dgm:choose>
+                                    <dgm:shape xmlns:r="http://schemas.openxmlformats.org/officeDocument/2006/relationships" r:blip="">
+                                      <dgm:adjLst/>
+                                    </dgm:shape>
+                                    <dgm:presOf/>
+                                    <dgm:constrLst/>
+                                    <dgm:ruleLst/>
+                                    <dgm:forEach name="Name31" ref="repeat"/>
+                                  </dgm:layoutNode>
+                                </dgm:layoutNode>
+                              </dgm:forEach>
+                            </dgm:forEach>
+                          </dgm:layoutNode>
+                        </dgm:layoutNode>
+                      </dgm:forEach>
+                    </dgm:forEach>
+                  </dgm:layoutNode>
+                </dgm:layoutNode>
+              </dgm:forEach>
+            </dgm:forEach>
+          </dgm:layoutNode>
+        </dgm:layoutNode>
+      </dgm:forEach>
+    </dgm:forEach>
+  </dgm:layoutNode>
+</dgm:layoutDef>
+</file>
+
+<file path=ppt/diagrams/layout3.xml><?xml version="1.0" encoding="utf-8"?>
+<dgm:layoutDef xmlns:dgm="http://schemas.openxmlformats.org/drawingml/2006/diagram" xmlns:a="http://schemas.openxmlformats.org/drawingml/2006/main" uniqueId="urn:microsoft.com/office/officeart/2005/8/layout/vList2">
+  <dgm:title val=""/>
+  <dgm:desc val=""/>
+  <dgm:catLst>
+    <dgm:cat type="list" pri="3000"/>
+    <dgm:cat type="convert" pri="1000"/>
+  </dgm:catLst>
+  <dgm:sampData>
+    <dgm:dataModel>
+      <dgm:ptLst>
+        <dgm:pt modelId="0" type="doc"/>
+        <dgm:pt modelId="1">
+          <dgm:prSet phldr="1"/>
+        </dgm:pt>
+        <dgm:pt modelId="11">
+          <dgm:prSet phldr="1"/>
+        </dgm:pt>
+        <dgm:pt modelId="2">
+          <dgm:prSet phldr="1"/>
+        </dgm:pt>
+        <dgm:pt modelId="21">
+          <dgm:prSet phldr="1"/>
+        </dgm:pt>
+      </dgm:ptLst>
+      <dgm:cxnLst>
+        <dgm:cxn modelId="4" srcId="0" destId="1" srcOrd="0" destOrd="0"/>
+        <dgm:cxn modelId="5" srcId="0" destId="2" srcOrd="1" destOrd="0"/>
+        <dgm:cxn modelId="12" srcId="1" destId="11" srcOrd="0" destOrd="0"/>
+        <dgm:cxn modelId="23" srcId="2" destId="21" srcOrd="0" destOrd="0"/>
+      </dgm:cxnLst>
+      <dgm:bg/>
+      <dgm:whole/>
+    </dgm:dataModel>
+  </dgm:sampData>
+  <dgm:styleData>
+    <dgm:dataModel>
+      <dgm:ptLst>
+        <dgm:pt modelId="0" type="doc"/>
+        <dgm:pt modelId="1"/>
+        <dgm:pt modelId="2"/>
+      </dgm:ptLst>
+      <dgm:cxnLst>
+        <dgm:cxn modelId="3" srcId="0" destId="1" srcOrd="0" destOrd="0"/>
+        <dgm:cxn modelId="4" srcId="0" destId="2" srcOrd="1" destOrd="0"/>
+      </dgm:cxnLst>
+      <dgm:bg/>
+      <dgm:whole/>
+    </dgm:dataModel>
+  </dgm:styleData>
+  <dgm:clrData>
+    <dgm:dataModel>
+      <dgm:ptLst>
+        <dgm:pt modelId="0" type="doc"/>
+        <dgm:pt modelId="1"/>
+        <dgm:pt modelId="2"/>
+        <dgm:pt modelId="3"/>
+        <dgm:pt modelId="4"/>
+      </dgm:ptLst>
+      <dgm:cxnLst>
+        <dgm:cxn modelId="5" srcId="0" destId="1" srcOrd="0" destOrd="0"/>
+        <dgm:cxn modelId="6" srcId="0" destId="2" srcOrd="1" destOrd="0"/>
+        <dgm:cxn modelId="7" srcId="0" destId="3" srcOrd="2" destOrd="0"/>
+        <dgm:cxn modelId="8" srcId="0" destId="4" srcOrd="3" destOrd="0"/>
+      </dgm:cxnLst>
+      <dgm:bg/>
+      <dgm:whole/>
+    </dgm:dataModel>
+  </dgm:clrData>
+  <dgm:layoutNode name="linear">
+    <dgm:varLst>
+      <dgm:animLvl val="lvl"/>
+      <dgm:resizeHandles val="exact"/>
+    </dgm:varLst>
+    <dgm:alg type="lin">
+      <dgm:param type="linDir" val="fromT"/>
+      <dgm:param type="vertAlign" val="mid"/>
+    </dgm:alg>
+    <dgm:shape xmlns:r="http://schemas.openxmlformats.org/officeDocument/2006/relationships" r:blip="">
+      <dgm:adjLst/>
+    </dgm:shape>
+    <dgm:presOf/>
+    <dgm:constrLst>
+      <dgm:constr type="w" for="ch" forName="parentText" refType="w"/>
+      <dgm:constr type="h" for="ch" forName="parentText" refType="primFontSz" refFor="ch" refForName="parentText" fact="0.52"/>
+      <dgm:constr type="w" for="ch" forName="childText" refType="w"/>
+      <dgm:constr type="h" for="ch" forName="childText" refType="primFontSz" refFor="ch" refForName="parentText" fact="0.46"/>
+      <dgm:constr type="h" for="ch" forName="parentText" op="equ"/>
+      <dgm:constr type="primFontSz" for="ch" forName="parentText" op="equ" val="65"/>
+      <dgm:constr type="primFontSz" for="ch" forName="childText" refType="primFontSz" refFor="ch" refForName="parentText" op="equ"/>
+      <dgm:constr type="h" for="ch" forName="spacer" refType="primFontSz" refFor="ch" refForName="parentText" fact="0.08"/>
+    </dgm:constrLst>
+    <dgm:ruleLst>
+      <dgm:rule type="primFontSz" for="ch" forName="parentText" val="5" fact="NaN" max="NaN"/>
+    </dgm:ruleLst>
+    <dgm:forEach name="Name0" axis="ch" ptType="node">
+      <dgm:layoutNode name="parentText" styleLbl="node1">
+        <dgm:varLst>
+          <dgm:chMax val="0"/>
+          <dgm:bulletEnabled val="1"/>
+        </dgm:varLst>
+        <dgm:alg type="tx">
+          <dgm:param type="parTxLTRAlign" val="l"/>
+          <dgm:param type="parTxRTLAlign" val="r"/>
+        </dgm:alg>
+        <dgm:shape xmlns:r="http://schemas.openxmlformats.org/officeDocument/2006/relationships" type="roundRect" r:blip="">
+          <dgm:adjLst/>
+        </dgm:shape>
+        <dgm:presOf axis="self"/>
+        <dgm:constrLst>
+          <dgm:constr type="tMarg" refType="primFontSz" fact="0.3"/>
+          <dgm:constr type="bMarg" refType="primFontSz" fact="0.3"/>
+          <dgm:constr type="lMarg" refType="primFontSz" fact="0.3"/>
+          <dgm:constr type="rMarg" refType="primFontSz" fact="0.3"/>
+        </dgm:constrLst>
+        <dgm:ruleLst>
+          <dgm:rule type="h" val="INF" fact="NaN" max="NaN"/>
+        </dgm:ruleLst>
+      </dgm:layoutNode>
+      <dgm:choose name="Name1">
+        <dgm:if name="Name2" axis="ch" ptType="node" func="cnt" op="gte" val="1">
+          <dgm:layoutNode name="childText" styleLbl="revTx">
+            <dgm:varLst>
+              <dgm:bulletEnabled val="1"/>
+            </dgm:varLst>
+            <dgm:alg type="tx">
+              <dgm:param type="stBulletLvl" val="1"/>
+              <dgm:param type="lnSpAfChP" val="20"/>
+            </dgm:alg>
+            <dgm:shape xmlns:r="http://schemas.openxmlformats.org/officeDocument/2006/relationships" type="rect" r:blip="">
+              <dgm:adjLst/>
+            </dgm:shape>
+            <dgm:presOf axis="des" ptType="node"/>
+            <dgm:constrLst>
+              <dgm:constr type="tMarg" refType="primFontSz" fact="0.1"/>
+              <dgm:constr type="bMarg" refType="primFontSz" fact="0.1"/>
+              <dgm:constr type="lMarg" refType="w" fact="0.09"/>
+            </dgm:constrLst>
+            <dgm:ruleLst>
+              <dgm:rule type="h" val="INF" fact="NaN" max="NaN"/>
+            </dgm:ruleLst>
+          </dgm:layoutNode>
+        </dgm:if>
+        <dgm:else name="Name3">
+          <dgm:choose name="Name4">
+            <dgm:if name="Name5" axis="par ch" ptType="doc node" func="cnt" op="gte" val="2">
+              <dgm:forEach name="Name6" axis="followSib" ptType="sibTrans" cnt="1">
+                <dgm:layoutNode name="spacer">
+                  <dgm:alg type="sp"/>
+                  <dgm:shape xmlns:r="http://schemas.openxmlformats.org/officeDocument/2006/relationships" r:blip="">
+                    <dgm:adjLst/>
+                  </dgm:shape>
+                  <dgm:presOf/>
+                  <dgm:constrLst/>
+                  <dgm:ruleLst/>
+                </dgm:layoutNode>
+              </dgm:forEach>
+            </dgm:if>
+            <dgm:else name="Name7"/>
+          </dgm:choose>
+        </dgm:else>
+      </dgm:choose>
+    </dgm:forEach>
+  </dgm:layoutNode>
+</dgm:layoutDef>
+</file>
+
+<file path=ppt/diagrams/layout4.xml><?xml version="1.0" encoding="utf-8"?>
 <dgm:layoutDef xmlns:dgm="http://schemas.openxmlformats.org/drawingml/2006/diagram" xmlns:a="http://schemas.openxmlformats.org/drawingml/2006/main" uniqueId="urn:microsoft.com/office/officeart/2005/8/layout/process4">
   <dgm:title val=""/>
   <dgm:desc val=""/>
@@ -6358,6 +9669,2074 @@
 </dgm:styleDef>
 </file>
 
+<file path=ppt/diagrams/quickStyle3.xml><?xml version="1.0" encoding="utf-8"?>
+<dgm:styleDef xmlns:dgm="http://schemas.openxmlformats.org/drawingml/2006/diagram" xmlns:a="http://schemas.openxmlformats.org/drawingml/2006/main" uniqueId="urn:microsoft.com/office/officeart/2005/8/quickstyle/simple1">
+  <dgm:title val=""/>
+  <dgm:desc val=""/>
+  <dgm:catLst>
+    <dgm:cat type="simple" pri="10100"/>
+  </dgm:catLst>
+  <dgm:scene3d>
+    <a:camera prst="orthographicFront"/>
+    <a:lightRig rig="threePt" dir="t"/>
+  </dgm:scene3d>
+  <dgm:styleLbl name="node0">
+    <dgm:scene3d>
+      <a:camera prst="orthographicFront"/>
+      <a:lightRig rig="threePt" dir="t"/>
+    </dgm:scene3d>
+    <dgm:sp3d/>
+    <dgm:txPr/>
+    <dgm:style>
+      <a:lnRef idx="2">
+        <a:scrgbClr r="0" g="0" b="0"/>
+      </a:lnRef>
+      <a:fillRef idx="1">
+        <a:scrgbClr r="0" g="0" b="0"/>
+      </a:fillRef>
+      <a:effectRef idx="0">
+        <a:scrgbClr r="0" g="0" b="0"/>
+      </a:effectRef>
+      <a:fontRef idx="minor">
+        <a:schemeClr val="lt1"/>
+      </a:fontRef>
+    </dgm:style>
+  </dgm:styleLbl>
+  <dgm:styleLbl name="lnNode1">
+    <dgm:scene3d>
+      <a:camera prst="orthographicFront"/>
+      <a:lightRig rig="threePt" dir="t"/>
+    </dgm:scene3d>
+    <dgm:sp3d/>
+    <dgm:txPr/>
+    <dgm:style>
+      <a:lnRef idx="2">
+        <a:scrgbClr r="0" g="0" b="0"/>
+      </a:lnRef>
+      <a:fillRef idx="1">
+        <a:scrgbClr r="0" g="0" b="0"/>
+      </a:fillRef>
+      <a:effectRef idx="0">
+        <a:scrgbClr r="0" g="0" b="0"/>
+      </a:effectRef>
+      <a:fontRef idx="minor">
+        <a:schemeClr val="lt1"/>
+      </a:fontRef>
+    </dgm:style>
+  </dgm:styleLbl>
+  <dgm:styleLbl name="vennNode1">
+    <dgm:scene3d>
+      <a:camera prst="orthographicFront"/>
+      <a:lightRig rig="threePt" dir="t"/>
+    </dgm:scene3d>
+    <dgm:sp3d/>
+    <dgm:txPr/>
+    <dgm:style>
+      <a:lnRef idx="2">
+        <a:scrgbClr r="0" g="0" b="0"/>
+      </a:lnRef>
+      <a:fillRef idx="1">
+        <a:scrgbClr r="0" g="0" b="0"/>
+      </a:fillRef>
+      <a:effectRef idx="0">
+        <a:scrgbClr r="0" g="0" b="0"/>
+      </a:effectRef>
+      <a:fontRef idx="minor">
+        <a:schemeClr val="tx1"/>
+      </a:fontRef>
+    </dgm:style>
+  </dgm:styleLbl>
+  <dgm:styleLbl name="alignNode1">
+    <dgm:scene3d>
+      <a:camera prst="orthographicFront"/>
+      <a:lightRig rig="threePt" dir="t"/>
+    </dgm:scene3d>
+    <dgm:sp3d/>
+    <dgm:txPr/>
+    <dgm:style>
+      <a:lnRef idx="2">
+        <a:scrgbClr r="0" g="0" b="0"/>
+      </a:lnRef>
+      <a:fillRef idx="1">
+        <a:scrgbClr r="0" g="0" b="0"/>
+      </a:fillRef>
+      <a:effectRef idx="0">
+        <a:scrgbClr r="0" g="0" b="0"/>
+      </a:effectRef>
+      <a:fontRef idx="minor">
+        <a:schemeClr val="lt1"/>
+      </a:fontRef>
+    </dgm:style>
+  </dgm:styleLbl>
+  <dgm:styleLbl name="node1">
+    <dgm:scene3d>
+      <a:camera prst="orthographicFront"/>
+      <a:lightRig rig="threePt" dir="t"/>
+    </dgm:scene3d>
+    <dgm:sp3d/>
+    <dgm:txPr/>
+    <dgm:style>
+      <a:lnRef idx="2">
+        <a:scrgbClr r="0" g="0" b="0"/>
+      </a:lnRef>
+      <a:fillRef idx="1">
+        <a:scrgbClr r="0" g="0" b="0"/>
+      </a:fillRef>
+      <a:effectRef idx="0">
+        <a:scrgbClr r="0" g="0" b="0"/>
+      </a:effectRef>
+      <a:fontRef idx="minor">
+        <a:schemeClr val="lt1"/>
+      </a:fontRef>
+    </dgm:style>
+  </dgm:styleLbl>
+  <dgm:styleLbl name="node2">
+    <dgm:scene3d>
+      <a:camera prst="orthographicFront"/>
+      <a:lightRig rig="threePt" dir="t"/>
+    </dgm:scene3d>
+    <dgm:sp3d/>
+    <dgm:txPr/>
+    <dgm:style>
+      <a:lnRef idx="2">
+        <a:scrgbClr r="0" g="0" b="0"/>
+      </a:lnRef>
+      <a:fillRef idx="1">
+        <a:scrgbClr r="0" g="0" b="0"/>
+      </a:fillRef>
+      <a:effectRef idx="0">
+        <a:scrgbClr r="0" g="0" b="0"/>
+      </a:effectRef>
+      <a:fontRef idx="minor">
+        <a:schemeClr val="lt1"/>
+      </a:fontRef>
+    </dgm:style>
+  </dgm:styleLbl>
+  <dgm:styleLbl name="node3">
+    <dgm:scene3d>
+      <a:camera prst="orthographicFront"/>
+      <a:lightRig rig="threePt" dir="t"/>
+    </dgm:scene3d>
+    <dgm:sp3d/>
+    <dgm:txPr/>
+    <dgm:style>
+      <a:lnRef idx="2">
+        <a:scrgbClr r="0" g="0" b="0"/>
+      </a:lnRef>
+      <a:fillRef idx="1">
+        <a:scrgbClr r="0" g="0" b="0"/>
+      </a:fillRef>
+      <a:effectRef idx="0">
+        <a:scrgbClr r="0" g="0" b="0"/>
+      </a:effectRef>
+      <a:fontRef idx="minor">
+        <a:schemeClr val="lt1"/>
+      </a:fontRef>
+    </dgm:style>
+  </dgm:styleLbl>
+  <dgm:styleLbl name="node4">
+    <dgm:scene3d>
+      <a:camera prst="orthographicFront"/>
+      <a:lightRig rig="threePt" dir="t"/>
+    </dgm:scene3d>
+    <dgm:sp3d/>
+    <dgm:txPr/>
+    <dgm:style>
+      <a:lnRef idx="2">
+        <a:scrgbClr r="0" g="0" b="0"/>
+      </a:lnRef>
+      <a:fillRef idx="1">
+        <a:scrgbClr r="0" g="0" b="0"/>
+      </a:fillRef>
+      <a:effectRef idx="0">
+        <a:scrgbClr r="0" g="0" b="0"/>
+      </a:effectRef>
+      <a:fontRef idx="minor">
+        <a:schemeClr val="lt1"/>
+      </a:fontRef>
+    </dgm:style>
+  </dgm:styleLbl>
+  <dgm:styleLbl name="fgImgPlace1">
+    <dgm:scene3d>
+      <a:camera prst="orthographicFront"/>
+      <a:lightRig rig="threePt" dir="t"/>
+    </dgm:scene3d>
+    <dgm:sp3d/>
+    <dgm:txPr/>
+    <dgm:style>
+      <a:lnRef idx="2">
+        <a:scrgbClr r="0" g="0" b="0"/>
+      </a:lnRef>
+      <a:fillRef idx="1">
+        <a:scrgbClr r="0" g="0" b="0"/>
+      </a:fillRef>
+      <a:effectRef idx="0">
+        <a:scrgbClr r="0" g="0" b="0"/>
+      </a:effectRef>
+      <a:fontRef idx="minor"/>
+    </dgm:style>
+  </dgm:styleLbl>
+  <dgm:styleLbl name="alignImgPlace1">
+    <dgm:scene3d>
+      <a:camera prst="orthographicFront"/>
+      <a:lightRig rig="threePt" dir="t"/>
+    </dgm:scene3d>
+    <dgm:sp3d/>
+    <dgm:txPr/>
+    <dgm:style>
+      <a:lnRef idx="2">
+        <a:scrgbClr r="0" g="0" b="0"/>
+      </a:lnRef>
+      <a:fillRef idx="1">
+        <a:scrgbClr r="0" g="0" b="0"/>
+      </a:fillRef>
+      <a:effectRef idx="0">
+        <a:scrgbClr r="0" g="0" b="0"/>
+      </a:effectRef>
+      <a:fontRef idx="minor"/>
+    </dgm:style>
+  </dgm:styleLbl>
+  <dgm:styleLbl name="bgImgPlace1">
+    <dgm:scene3d>
+      <a:camera prst="orthographicFront"/>
+      <a:lightRig rig="threePt" dir="t"/>
+    </dgm:scene3d>
+    <dgm:sp3d/>
+    <dgm:txPr/>
+    <dgm:style>
+      <a:lnRef idx="2">
+        <a:scrgbClr r="0" g="0" b="0"/>
+      </a:lnRef>
+      <a:fillRef idx="1">
+        <a:scrgbClr r="0" g="0" b="0"/>
+      </a:fillRef>
+      <a:effectRef idx="0">
+        <a:scrgbClr r="0" g="0" b="0"/>
+      </a:effectRef>
+      <a:fontRef idx="minor"/>
+    </dgm:style>
+  </dgm:styleLbl>
+  <dgm:styleLbl name="sibTrans2D1">
+    <dgm:scene3d>
+      <a:camera prst="orthographicFront"/>
+      <a:lightRig rig="threePt" dir="t"/>
+    </dgm:scene3d>
+    <dgm:sp3d/>
+    <dgm:txPr/>
+    <dgm:style>
+      <a:lnRef idx="0">
+        <a:scrgbClr r="0" g="0" b="0"/>
+      </a:lnRef>
+      <a:fillRef idx="1">
+        <a:scrgbClr r="0" g="0" b="0"/>
+      </a:fillRef>
+      <a:effectRef idx="0">
+        <a:scrgbClr r="0" g="0" b="0"/>
+      </a:effectRef>
+      <a:fontRef idx="minor">
+        <a:schemeClr val="lt1"/>
+      </a:fontRef>
+    </dgm:style>
+  </dgm:styleLbl>
+  <dgm:styleLbl name="fgSibTrans2D1">
+    <dgm:scene3d>
+      <a:camera prst="orthographicFront"/>
+      <a:lightRig rig="threePt" dir="t"/>
+    </dgm:scene3d>
+    <dgm:sp3d/>
+    <dgm:txPr/>
+    <dgm:style>
+      <a:lnRef idx="0">
+        <a:scrgbClr r="0" g="0" b="0"/>
+      </a:lnRef>
+      <a:fillRef idx="1">
+        <a:scrgbClr r="0" g="0" b="0"/>
+      </a:fillRef>
+      <a:effectRef idx="0">
+        <a:scrgbClr r="0" g="0" b="0"/>
+      </a:effectRef>
+      <a:fontRef idx="minor">
+        <a:schemeClr val="lt1"/>
+      </a:fontRef>
+    </dgm:style>
+  </dgm:styleLbl>
+  <dgm:styleLbl name="bgSibTrans2D1">
+    <dgm:scene3d>
+      <a:camera prst="orthographicFront"/>
+      <a:lightRig rig="threePt" dir="t"/>
+    </dgm:scene3d>
+    <dgm:sp3d/>
+    <dgm:txPr/>
+    <dgm:style>
+      <a:lnRef idx="0">
+        <a:scrgbClr r="0" g="0" b="0"/>
+      </a:lnRef>
+      <a:fillRef idx="1">
+        <a:scrgbClr r="0" g="0" b="0"/>
+      </a:fillRef>
+      <a:effectRef idx="0">
+        <a:scrgbClr r="0" g="0" b="0"/>
+      </a:effectRef>
+      <a:fontRef idx="minor">
+        <a:schemeClr val="lt1"/>
+      </a:fontRef>
+    </dgm:style>
+  </dgm:styleLbl>
+  <dgm:styleLbl name="sibTrans1D1">
+    <dgm:scene3d>
+      <a:camera prst="orthographicFront"/>
+      <a:lightRig rig="threePt" dir="t"/>
+    </dgm:scene3d>
+    <dgm:sp3d/>
+    <dgm:txPr/>
+    <dgm:style>
+      <a:lnRef idx="1">
+        <a:scrgbClr r="0" g="0" b="0"/>
+      </a:lnRef>
+      <a:fillRef idx="0">
+        <a:scrgbClr r="0" g="0" b="0"/>
+      </a:fillRef>
+      <a:effectRef idx="0">
+        <a:scrgbClr r="0" g="0" b="0"/>
+      </a:effectRef>
+      <a:fontRef idx="minor"/>
+    </dgm:style>
+  </dgm:styleLbl>
+  <dgm:styleLbl name="callout">
+    <dgm:scene3d>
+      <a:camera prst="orthographicFront"/>
+      <a:lightRig rig="threePt" dir="t"/>
+    </dgm:scene3d>
+    <dgm:sp3d/>
+    <dgm:txPr/>
+    <dgm:style>
+      <a:lnRef idx="2">
+        <a:scrgbClr r="0" g="0" b="0"/>
+      </a:lnRef>
+      <a:fillRef idx="1">
+        <a:scrgbClr r="0" g="0" b="0"/>
+      </a:fillRef>
+      <a:effectRef idx="0">
+        <a:scrgbClr r="0" g="0" b="0"/>
+      </a:effectRef>
+      <a:fontRef idx="minor"/>
+    </dgm:style>
+  </dgm:styleLbl>
+  <dgm:styleLbl name="asst0">
+    <dgm:scene3d>
+      <a:camera prst="orthographicFront"/>
+      <a:lightRig rig="threePt" dir="t"/>
+    </dgm:scene3d>
+    <dgm:sp3d/>
+    <dgm:txPr/>
+    <dgm:style>
+      <a:lnRef idx="2">
+        <a:scrgbClr r="0" g="0" b="0"/>
+      </a:lnRef>
+      <a:fillRef idx="1">
+        <a:scrgbClr r="0" g="0" b="0"/>
+      </a:fillRef>
+      <a:effectRef idx="0">
+        <a:scrgbClr r="0" g="0" b="0"/>
+      </a:effectRef>
+      <a:fontRef idx="minor">
+        <a:schemeClr val="lt1"/>
+      </a:fontRef>
+    </dgm:style>
+  </dgm:styleLbl>
+  <dgm:styleLbl name="asst1">
+    <dgm:scene3d>
+      <a:camera prst="orthographicFront"/>
+      <a:lightRig rig="threePt" dir="t"/>
+    </dgm:scene3d>
+    <dgm:sp3d/>
+    <dgm:txPr/>
+    <dgm:style>
+      <a:lnRef idx="2">
+        <a:scrgbClr r="0" g="0" b="0"/>
+      </a:lnRef>
+      <a:fillRef idx="1">
+        <a:scrgbClr r="0" g="0" b="0"/>
+      </a:fillRef>
+      <a:effectRef idx="0">
+        <a:scrgbClr r="0" g="0" b="0"/>
+      </a:effectRef>
+      <a:fontRef idx="minor">
+        <a:schemeClr val="lt1"/>
+      </a:fontRef>
+    </dgm:style>
+  </dgm:styleLbl>
+  <dgm:styleLbl name="asst2">
+    <dgm:scene3d>
+      <a:camera prst="orthographicFront"/>
+      <a:lightRig rig="threePt" dir="t"/>
+    </dgm:scene3d>
+    <dgm:sp3d/>
+    <dgm:txPr/>
+    <dgm:style>
+      <a:lnRef idx="2">
+        <a:scrgbClr r="0" g="0" b="0"/>
+      </a:lnRef>
+      <a:fillRef idx="1">
+        <a:scrgbClr r="0" g="0" b="0"/>
+      </a:fillRef>
+      <a:effectRef idx="0">
+        <a:scrgbClr r="0" g="0" b="0"/>
+      </a:effectRef>
+      <a:fontRef idx="minor">
+        <a:schemeClr val="lt1"/>
+      </a:fontRef>
+    </dgm:style>
+  </dgm:styleLbl>
+  <dgm:styleLbl name="asst3">
+    <dgm:scene3d>
+      <a:camera prst="orthographicFront"/>
+      <a:lightRig rig="threePt" dir="t"/>
+    </dgm:scene3d>
+    <dgm:sp3d/>
+    <dgm:txPr/>
+    <dgm:style>
+      <a:lnRef idx="2">
+        <a:scrgbClr r="0" g="0" b="0"/>
+      </a:lnRef>
+      <a:fillRef idx="1">
+        <a:scrgbClr r="0" g="0" b="0"/>
+      </a:fillRef>
+      <a:effectRef idx="0">
+        <a:scrgbClr r="0" g="0" b="0"/>
+      </a:effectRef>
+      <a:fontRef idx="minor">
+        <a:schemeClr val="lt1"/>
+      </a:fontRef>
+    </dgm:style>
+  </dgm:styleLbl>
+  <dgm:styleLbl name="asst4">
+    <dgm:scene3d>
+      <a:camera prst="orthographicFront"/>
+      <a:lightRig rig="threePt" dir="t"/>
+    </dgm:scene3d>
+    <dgm:sp3d/>
+    <dgm:txPr/>
+    <dgm:style>
+      <a:lnRef idx="2">
+        <a:scrgbClr r="0" g="0" b="0"/>
+      </a:lnRef>
+      <a:fillRef idx="1">
+        <a:scrgbClr r="0" g="0" b="0"/>
+      </a:fillRef>
+      <a:effectRef idx="0">
+        <a:scrgbClr r="0" g="0" b="0"/>
+      </a:effectRef>
+      <a:fontRef idx="minor">
+        <a:schemeClr val="lt1"/>
+      </a:fontRef>
+    </dgm:style>
+  </dgm:styleLbl>
+  <dgm:styleLbl name="parChTrans2D1">
+    <dgm:scene3d>
+      <a:camera prst="orthographicFront"/>
+      <a:lightRig rig="threePt" dir="t"/>
+    </dgm:scene3d>
+    <dgm:sp3d/>
+    <dgm:txPr/>
+    <dgm:style>
+      <a:lnRef idx="2">
+        <a:scrgbClr r="0" g="0" b="0"/>
+      </a:lnRef>
+      <a:fillRef idx="1">
+        <a:scrgbClr r="0" g="0" b="0"/>
+      </a:fillRef>
+      <a:effectRef idx="0">
+        <a:scrgbClr r="0" g="0" b="0"/>
+      </a:effectRef>
+      <a:fontRef idx="minor">
+        <a:schemeClr val="lt1"/>
+      </a:fontRef>
+    </dgm:style>
+  </dgm:styleLbl>
+  <dgm:styleLbl name="parChTrans2D2">
+    <dgm:scene3d>
+      <a:camera prst="orthographicFront"/>
+      <a:lightRig rig="threePt" dir="t"/>
+    </dgm:scene3d>
+    <dgm:sp3d/>
+    <dgm:txPr/>
+    <dgm:style>
+      <a:lnRef idx="2">
+        <a:scrgbClr r="0" g="0" b="0"/>
+      </a:lnRef>
+      <a:fillRef idx="1">
+        <a:scrgbClr r="0" g="0" b="0"/>
+      </a:fillRef>
+      <a:effectRef idx="0">
+        <a:scrgbClr r="0" g="0" b="0"/>
+      </a:effectRef>
+      <a:fontRef idx="minor">
+        <a:schemeClr val="lt1"/>
+      </a:fontRef>
+    </dgm:style>
+  </dgm:styleLbl>
+  <dgm:styleLbl name="parChTrans2D3">
+    <dgm:scene3d>
+      <a:camera prst="orthographicFront"/>
+      <a:lightRig rig="threePt" dir="t"/>
+    </dgm:scene3d>
+    <dgm:sp3d/>
+    <dgm:txPr/>
+    <dgm:style>
+      <a:lnRef idx="2">
+        <a:scrgbClr r="0" g="0" b="0"/>
+      </a:lnRef>
+      <a:fillRef idx="1">
+        <a:scrgbClr r="0" g="0" b="0"/>
+      </a:fillRef>
+      <a:effectRef idx="0">
+        <a:scrgbClr r="0" g="0" b="0"/>
+      </a:effectRef>
+      <a:fontRef idx="minor">
+        <a:schemeClr val="lt1"/>
+      </a:fontRef>
+    </dgm:style>
+  </dgm:styleLbl>
+  <dgm:styleLbl name="parChTrans2D4">
+    <dgm:scene3d>
+      <a:camera prst="orthographicFront"/>
+      <a:lightRig rig="threePt" dir="t"/>
+    </dgm:scene3d>
+    <dgm:sp3d/>
+    <dgm:txPr/>
+    <dgm:style>
+      <a:lnRef idx="2">
+        <a:scrgbClr r="0" g="0" b="0"/>
+      </a:lnRef>
+      <a:fillRef idx="1">
+        <a:scrgbClr r="0" g="0" b="0"/>
+      </a:fillRef>
+      <a:effectRef idx="0">
+        <a:scrgbClr r="0" g="0" b="0"/>
+      </a:effectRef>
+      <a:fontRef idx="minor">
+        <a:schemeClr val="lt1"/>
+      </a:fontRef>
+    </dgm:style>
+  </dgm:styleLbl>
+  <dgm:styleLbl name="parChTrans1D1">
+    <dgm:scene3d>
+      <a:camera prst="orthographicFront"/>
+      <a:lightRig rig="threePt" dir="t"/>
+    </dgm:scene3d>
+    <dgm:sp3d/>
+    <dgm:txPr/>
+    <dgm:style>
+      <a:lnRef idx="2">
+        <a:scrgbClr r="0" g="0" b="0"/>
+      </a:lnRef>
+      <a:fillRef idx="0">
+        <a:scrgbClr r="0" g="0" b="0"/>
+      </a:fillRef>
+      <a:effectRef idx="0">
+        <a:scrgbClr r="0" g="0" b="0"/>
+      </a:effectRef>
+      <a:fontRef idx="minor"/>
+    </dgm:style>
+  </dgm:styleLbl>
+  <dgm:styleLbl name="parChTrans1D2">
+    <dgm:scene3d>
+      <a:camera prst="orthographicFront"/>
+      <a:lightRig rig="threePt" dir="t"/>
+    </dgm:scene3d>
+    <dgm:sp3d/>
+    <dgm:txPr/>
+    <dgm:style>
+      <a:lnRef idx="2">
+        <a:scrgbClr r="0" g="0" b="0"/>
+      </a:lnRef>
+      <a:fillRef idx="0">
+        <a:scrgbClr r="0" g="0" b="0"/>
+      </a:fillRef>
+      <a:effectRef idx="0">
+        <a:scrgbClr r="0" g="0" b="0"/>
+      </a:effectRef>
+      <a:fontRef idx="minor"/>
+    </dgm:style>
+  </dgm:styleLbl>
+  <dgm:styleLbl name="parChTrans1D3">
+    <dgm:scene3d>
+      <a:camera prst="orthographicFront"/>
+      <a:lightRig rig="threePt" dir="t"/>
+    </dgm:scene3d>
+    <dgm:sp3d/>
+    <dgm:txPr/>
+    <dgm:style>
+      <a:lnRef idx="2">
+        <a:scrgbClr r="0" g="0" b="0"/>
+      </a:lnRef>
+      <a:fillRef idx="0">
+        <a:scrgbClr r="0" g="0" b="0"/>
+      </a:fillRef>
+      <a:effectRef idx="0">
+        <a:scrgbClr r="0" g="0" b="0"/>
+      </a:effectRef>
+      <a:fontRef idx="minor"/>
+    </dgm:style>
+  </dgm:styleLbl>
+  <dgm:styleLbl name="parChTrans1D4">
+    <dgm:scene3d>
+      <a:camera prst="orthographicFront"/>
+      <a:lightRig rig="threePt" dir="t"/>
+    </dgm:scene3d>
+    <dgm:sp3d/>
+    <dgm:txPr/>
+    <dgm:style>
+      <a:lnRef idx="2">
+        <a:scrgbClr r="0" g="0" b="0"/>
+      </a:lnRef>
+      <a:fillRef idx="0">
+        <a:scrgbClr r="0" g="0" b="0"/>
+      </a:fillRef>
+      <a:effectRef idx="0">
+        <a:scrgbClr r="0" g="0" b="0"/>
+      </a:effectRef>
+      <a:fontRef idx="minor"/>
+    </dgm:style>
+  </dgm:styleLbl>
+  <dgm:styleLbl name="fgAcc1">
+    <dgm:scene3d>
+      <a:camera prst="orthographicFront"/>
+      <a:lightRig rig="threePt" dir="t"/>
+    </dgm:scene3d>
+    <dgm:sp3d/>
+    <dgm:txPr/>
+    <dgm:style>
+      <a:lnRef idx="2">
+        <a:scrgbClr r="0" g="0" b="0"/>
+      </a:lnRef>
+      <a:fillRef idx="1">
+        <a:scrgbClr r="0" g="0" b="0"/>
+      </a:fillRef>
+      <a:effectRef idx="0">
+        <a:scrgbClr r="0" g="0" b="0"/>
+      </a:effectRef>
+      <a:fontRef idx="minor"/>
+    </dgm:style>
+  </dgm:styleLbl>
+  <dgm:styleLbl name="conFgAcc1">
+    <dgm:scene3d>
+      <a:camera prst="orthographicFront"/>
+      <a:lightRig rig="threePt" dir="t"/>
+    </dgm:scene3d>
+    <dgm:sp3d/>
+    <dgm:txPr/>
+    <dgm:style>
+      <a:lnRef idx="2">
+        <a:scrgbClr r="0" g="0" b="0"/>
+      </a:lnRef>
+      <a:fillRef idx="1">
+        <a:scrgbClr r="0" g="0" b="0"/>
+      </a:fillRef>
+      <a:effectRef idx="0">
+        <a:scrgbClr r="0" g="0" b="0"/>
+      </a:effectRef>
+      <a:fontRef idx="minor"/>
+    </dgm:style>
+  </dgm:styleLbl>
+  <dgm:styleLbl name="alignAcc1">
+    <dgm:scene3d>
+      <a:camera prst="orthographicFront"/>
+      <a:lightRig rig="threePt" dir="t"/>
+    </dgm:scene3d>
+    <dgm:sp3d/>
+    <dgm:txPr/>
+    <dgm:style>
+      <a:lnRef idx="2">
+        <a:scrgbClr r="0" g="0" b="0"/>
+      </a:lnRef>
+      <a:fillRef idx="1">
+        <a:scrgbClr r="0" g="0" b="0"/>
+      </a:fillRef>
+      <a:effectRef idx="0">
+        <a:scrgbClr r="0" g="0" b="0"/>
+      </a:effectRef>
+      <a:fontRef idx="minor"/>
+    </dgm:style>
+  </dgm:styleLbl>
+  <dgm:styleLbl name="trAlignAcc1">
+    <dgm:scene3d>
+      <a:camera prst="orthographicFront"/>
+      <a:lightRig rig="threePt" dir="t"/>
+    </dgm:scene3d>
+    <dgm:sp3d/>
+    <dgm:txPr/>
+    <dgm:style>
+      <a:lnRef idx="1">
+        <a:scrgbClr r="0" g="0" b="0"/>
+      </a:lnRef>
+      <a:fillRef idx="1">
+        <a:scrgbClr r="0" g="0" b="0"/>
+      </a:fillRef>
+      <a:effectRef idx="0">
+        <a:scrgbClr r="0" g="0" b="0"/>
+      </a:effectRef>
+      <a:fontRef idx="minor"/>
+    </dgm:style>
+  </dgm:styleLbl>
+  <dgm:styleLbl name="bgAcc1">
+    <dgm:scene3d>
+      <a:camera prst="orthographicFront"/>
+      <a:lightRig rig="threePt" dir="t"/>
+    </dgm:scene3d>
+    <dgm:sp3d/>
+    <dgm:txPr/>
+    <dgm:style>
+      <a:lnRef idx="2">
+        <a:scrgbClr r="0" g="0" b="0"/>
+      </a:lnRef>
+      <a:fillRef idx="1">
+        <a:scrgbClr r="0" g="0" b="0"/>
+      </a:fillRef>
+      <a:effectRef idx="0">
+        <a:scrgbClr r="0" g="0" b="0"/>
+      </a:effectRef>
+      <a:fontRef idx="minor"/>
+    </dgm:style>
+  </dgm:styleLbl>
+  <dgm:styleLbl name="solidFgAcc1">
+    <dgm:scene3d>
+      <a:camera prst="orthographicFront"/>
+      <a:lightRig rig="threePt" dir="t"/>
+    </dgm:scene3d>
+    <dgm:sp3d/>
+    <dgm:txPr/>
+    <dgm:style>
+      <a:lnRef idx="2">
+        <a:scrgbClr r="0" g="0" b="0"/>
+      </a:lnRef>
+      <a:fillRef idx="1">
+        <a:scrgbClr r="0" g="0" b="0"/>
+      </a:fillRef>
+      <a:effectRef idx="0">
+        <a:scrgbClr r="0" g="0" b="0"/>
+      </a:effectRef>
+      <a:fontRef idx="minor"/>
+    </dgm:style>
+  </dgm:styleLbl>
+  <dgm:styleLbl name="solidAlignAcc1">
+    <dgm:scene3d>
+      <a:camera prst="orthographicFront"/>
+      <a:lightRig rig="threePt" dir="t"/>
+    </dgm:scene3d>
+    <dgm:sp3d/>
+    <dgm:txPr/>
+    <dgm:style>
+      <a:lnRef idx="2">
+        <a:scrgbClr r="0" g="0" b="0"/>
+      </a:lnRef>
+      <a:fillRef idx="1">
+        <a:scrgbClr r="0" g="0" b="0"/>
+      </a:fillRef>
+      <a:effectRef idx="0">
+        <a:scrgbClr r="0" g="0" b="0"/>
+      </a:effectRef>
+      <a:fontRef idx="minor"/>
+    </dgm:style>
+  </dgm:styleLbl>
+  <dgm:styleLbl name="solidBgAcc1">
+    <dgm:scene3d>
+      <a:camera prst="orthographicFront"/>
+      <a:lightRig rig="threePt" dir="t"/>
+    </dgm:scene3d>
+    <dgm:sp3d/>
+    <dgm:txPr/>
+    <dgm:style>
+      <a:lnRef idx="2">
+        <a:scrgbClr r="0" g="0" b="0"/>
+      </a:lnRef>
+      <a:fillRef idx="1">
+        <a:scrgbClr r="0" g="0" b="0"/>
+      </a:fillRef>
+      <a:effectRef idx="0">
+        <a:scrgbClr r="0" g="0" b="0"/>
+      </a:effectRef>
+      <a:fontRef idx="minor"/>
+    </dgm:style>
+  </dgm:styleLbl>
+  <dgm:styleLbl name="fgAccFollowNode1">
+    <dgm:scene3d>
+      <a:camera prst="orthographicFront"/>
+      <a:lightRig rig="threePt" dir="t"/>
+    </dgm:scene3d>
+    <dgm:sp3d/>
+    <dgm:txPr/>
+    <dgm:style>
+      <a:lnRef idx="2">
+        <a:scrgbClr r="0" g="0" b="0"/>
+      </a:lnRef>
+      <a:fillRef idx="1">
+        <a:scrgbClr r="0" g="0" b="0"/>
+      </a:fillRef>
+      <a:effectRef idx="0">
+        <a:scrgbClr r="0" g="0" b="0"/>
+      </a:effectRef>
+      <a:fontRef idx="minor"/>
+    </dgm:style>
+  </dgm:styleLbl>
+  <dgm:styleLbl name="alignAccFollowNode1">
+    <dgm:scene3d>
+      <a:camera prst="orthographicFront"/>
+      <a:lightRig rig="threePt" dir="t"/>
+    </dgm:scene3d>
+    <dgm:sp3d/>
+    <dgm:txPr/>
+    <dgm:style>
+      <a:lnRef idx="2">
+        <a:scrgbClr r="0" g="0" b="0"/>
+      </a:lnRef>
+      <a:fillRef idx="1">
+        <a:scrgbClr r="0" g="0" b="0"/>
+      </a:fillRef>
+      <a:effectRef idx="0">
+        <a:scrgbClr r="0" g="0" b="0"/>
+      </a:effectRef>
+      <a:fontRef idx="minor"/>
+    </dgm:style>
+  </dgm:styleLbl>
+  <dgm:styleLbl name="bgAccFollowNode1">
+    <dgm:scene3d>
+      <a:camera prst="orthographicFront"/>
+      <a:lightRig rig="threePt" dir="t"/>
+    </dgm:scene3d>
+    <dgm:sp3d/>
+    <dgm:txPr/>
+    <dgm:style>
+      <a:lnRef idx="2">
+        <a:scrgbClr r="0" g="0" b="0"/>
+      </a:lnRef>
+      <a:fillRef idx="1">
+        <a:scrgbClr r="0" g="0" b="0"/>
+      </a:fillRef>
+      <a:effectRef idx="0">
+        <a:scrgbClr r="0" g="0" b="0"/>
+      </a:effectRef>
+      <a:fontRef idx="minor"/>
+    </dgm:style>
+  </dgm:styleLbl>
+  <dgm:styleLbl name="fgAcc0">
+    <dgm:scene3d>
+      <a:camera prst="orthographicFront"/>
+      <a:lightRig rig="threePt" dir="t"/>
+    </dgm:scene3d>
+    <dgm:sp3d/>
+    <dgm:txPr/>
+    <dgm:style>
+      <a:lnRef idx="2">
+        <a:scrgbClr r="0" g="0" b="0"/>
+      </a:lnRef>
+      <a:fillRef idx="1">
+        <a:scrgbClr r="0" g="0" b="0"/>
+      </a:fillRef>
+      <a:effectRef idx="0">
+        <a:scrgbClr r="0" g="0" b="0"/>
+      </a:effectRef>
+      <a:fontRef idx="minor"/>
+    </dgm:style>
+  </dgm:styleLbl>
+  <dgm:styleLbl name="fgAcc2">
+    <dgm:scene3d>
+      <a:camera prst="orthographicFront"/>
+      <a:lightRig rig="threePt" dir="t"/>
+    </dgm:scene3d>
+    <dgm:sp3d/>
+    <dgm:txPr/>
+    <dgm:style>
+      <a:lnRef idx="2">
+        <a:scrgbClr r="0" g="0" b="0"/>
+      </a:lnRef>
+      <a:fillRef idx="1">
+        <a:scrgbClr r="0" g="0" b="0"/>
+      </a:fillRef>
+      <a:effectRef idx="0">
+        <a:scrgbClr r="0" g="0" b="0"/>
+      </a:effectRef>
+      <a:fontRef idx="minor"/>
+    </dgm:style>
+  </dgm:styleLbl>
+  <dgm:styleLbl name="fgAcc3">
+    <dgm:scene3d>
+      <a:camera prst="orthographicFront"/>
+      <a:lightRig rig="threePt" dir="t"/>
+    </dgm:scene3d>
+    <dgm:sp3d/>
+    <dgm:txPr/>
+    <dgm:style>
+      <a:lnRef idx="2">
+        <a:scrgbClr r="0" g="0" b="0"/>
+      </a:lnRef>
+      <a:fillRef idx="1">
+        <a:scrgbClr r="0" g="0" b="0"/>
+      </a:fillRef>
+      <a:effectRef idx="0">
+        <a:scrgbClr r="0" g="0" b="0"/>
+      </a:effectRef>
+      <a:fontRef idx="minor"/>
+    </dgm:style>
+  </dgm:styleLbl>
+  <dgm:styleLbl name="fgAcc4">
+    <dgm:scene3d>
+      <a:camera prst="orthographicFront"/>
+      <a:lightRig rig="threePt" dir="t"/>
+    </dgm:scene3d>
+    <dgm:sp3d/>
+    <dgm:txPr/>
+    <dgm:style>
+      <a:lnRef idx="2">
+        <a:scrgbClr r="0" g="0" b="0"/>
+      </a:lnRef>
+      <a:fillRef idx="1">
+        <a:scrgbClr r="0" g="0" b="0"/>
+      </a:fillRef>
+      <a:effectRef idx="0">
+        <a:scrgbClr r="0" g="0" b="0"/>
+      </a:effectRef>
+      <a:fontRef idx="minor"/>
+    </dgm:style>
+  </dgm:styleLbl>
+  <dgm:styleLbl name="bgShp">
+    <dgm:scene3d>
+      <a:camera prst="orthographicFront"/>
+      <a:lightRig rig="threePt" dir="t"/>
+    </dgm:scene3d>
+    <dgm:sp3d/>
+    <dgm:txPr/>
+    <dgm:style>
+      <a:lnRef idx="0">
+        <a:scrgbClr r="0" g="0" b="0"/>
+      </a:lnRef>
+      <a:fillRef idx="1">
+        <a:scrgbClr r="0" g="0" b="0"/>
+      </a:fillRef>
+      <a:effectRef idx="0">
+        <a:scrgbClr r="0" g="0" b="0"/>
+      </a:effectRef>
+      <a:fontRef idx="minor"/>
+    </dgm:style>
+  </dgm:styleLbl>
+  <dgm:styleLbl name="dkBgShp">
+    <dgm:scene3d>
+      <a:camera prst="orthographicFront"/>
+      <a:lightRig rig="threePt" dir="t"/>
+    </dgm:scene3d>
+    <dgm:sp3d/>
+    <dgm:txPr/>
+    <dgm:style>
+      <a:lnRef idx="0">
+        <a:scrgbClr r="0" g="0" b="0"/>
+      </a:lnRef>
+      <a:fillRef idx="1">
+        <a:scrgbClr r="0" g="0" b="0"/>
+      </a:fillRef>
+      <a:effectRef idx="0">
+        <a:scrgbClr r="0" g="0" b="0"/>
+      </a:effectRef>
+      <a:fontRef idx="minor"/>
+    </dgm:style>
+  </dgm:styleLbl>
+  <dgm:styleLbl name="trBgShp">
+    <dgm:scene3d>
+      <a:camera prst="orthographicFront"/>
+      <a:lightRig rig="threePt" dir="t"/>
+    </dgm:scene3d>
+    <dgm:sp3d/>
+    <dgm:txPr/>
+    <dgm:style>
+      <a:lnRef idx="0">
+        <a:scrgbClr r="0" g="0" b="0"/>
+      </a:lnRef>
+      <a:fillRef idx="1">
+        <a:scrgbClr r="0" g="0" b="0"/>
+      </a:fillRef>
+      <a:effectRef idx="0">
+        <a:scrgbClr r="0" g="0" b="0"/>
+      </a:effectRef>
+      <a:fontRef idx="minor"/>
+    </dgm:style>
+  </dgm:styleLbl>
+  <dgm:styleLbl name="fgShp">
+    <dgm:scene3d>
+      <a:camera prst="orthographicFront"/>
+      <a:lightRig rig="threePt" dir="t"/>
+    </dgm:scene3d>
+    <dgm:sp3d/>
+    <dgm:txPr/>
+    <dgm:style>
+      <a:lnRef idx="2">
+        <a:scrgbClr r="0" g="0" b="0"/>
+      </a:lnRef>
+      <a:fillRef idx="1">
+        <a:scrgbClr r="0" g="0" b="0"/>
+      </a:fillRef>
+      <a:effectRef idx="0">
+        <a:scrgbClr r="0" g="0" b="0"/>
+      </a:effectRef>
+      <a:fontRef idx="minor"/>
+    </dgm:style>
+  </dgm:styleLbl>
+  <dgm:styleLbl name="revTx">
+    <dgm:scene3d>
+      <a:camera prst="orthographicFront"/>
+      <a:lightRig rig="threePt" dir="t"/>
+    </dgm:scene3d>
+    <dgm:sp3d/>
+    <dgm:txPr/>
+    <dgm:style>
+      <a:lnRef idx="0">
+        <a:scrgbClr r="0" g="0" b="0"/>
+      </a:lnRef>
+      <a:fillRef idx="0">
+        <a:scrgbClr r="0" g="0" b="0"/>
+      </a:fillRef>
+      <a:effectRef idx="0">
+        <a:scrgbClr r="0" g="0" b="0"/>
+      </a:effectRef>
+      <a:fontRef idx="minor"/>
+    </dgm:style>
+  </dgm:styleLbl>
+</dgm:styleDef>
+</file>
+
+<file path=ppt/diagrams/quickStyle4.xml><?xml version="1.0" encoding="utf-8"?>
+<dgm:styleDef xmlns:dgm="http://schemas.openxmlformats.org/drawingml/2006/diagram" xmlns:a="http://schemas.openxmlformats.org/drawingml/2006/main" uniqueId="urn:microsoft.com/office/officeart/2005/8/quickstyle/simple1">
+  <dgm:title val=""/>
+  <dgm:desc val=""/>
+  <dgm:catLst>
+    <dgm:cat type="simple" pri="10100"/>
+  </dgm:catLst>
+  <dgm:scene3d>
+    <a:camera prst="orthographicFront"/>
+    <a:lightRig rig="threePt" dir="t"/>
+  </dgm:scene3d>
+  <dgm:styleLbl name="node0">
+    <dgm:scene3d>
+      <a:camera prst="orthographicFront"/>
+      <a:lightRig rig="threePt" dir="t"/>
+    </dgm:scene3d>
+    <dgm:sp3d/>
+    <dgm:txPr/>
+    <dgm:style>
+      <a:lnRef idx="2">
+        <a:scrgbClr r="0" g="0" b="0"/>
+      </a:lnRef>
+      <a:fillRef idx="1">
+        <a:scrgbClr r="0" g="0" b="0"/>
+      </a:fillRef>
+      <a:effectRef idx="0">
+        <a:scrgbClr r="0" g="0" b="0"/>
+      </a:effectRef>
+      <a:fontRef idx="minor">
+        <a:schemeClr val="lt1"/>
+      </a:fontRef>
+    </dgm:style>
+  </dgm:styleLbl>
+  <dgm:styleLbl name="lnNode1">
+    <dgm:scene3d>
+      <a:camera prst="orthographicFront"/>
+      <a:lightRig rig="threePt" dir="t"/>
+    </dgm:scene3d>
+    <dgm:sp3d/>
+    <dgm:txPr/>
+    <dgm:style>
+      <a:lnRef idx="2">
+        <a:scrgbClr r="0" g="0" b="0"/>
+      </a:lnRef>
+      <a:fillRef idx="1">
+        <a:scrgbClr r="0" g="0" b="0"/>
+      </a:fillRef>
+      <a:effectRef idx="0">
+        <a:scrgbClr r="0" g="0" b="0"/>
+      </a:effectRef>
+      <a:fontRef idx="minor">
+        <a:schemeClr val="lt1"/>
+      </a:fontRef>
+    </dgm:style>
+  </dgm:styleLbl>
+  <dgm:styleLbl name="vennNode1">
+    <dgm:scene3d>
+      <a:camera prst="orthographicFront"/>
+      <a:lightRig rig="threePt" dir="t"/>
+    </dgm:scene3d>
+    <dgm:sp3d/>
+    <dgm:txPr/>
+    <dgm:style>
+      <a:lnRef idx="2">
+        <a:scrgbClr r="0" g="0" b="0"/>
+      </a:lnRef>
+      <a:fillRef idx="1">
+        <a:scrgbClr r="0" g="0" b="0"/>
+      </a:fillRef>
+      <a:effectRef idx="0">
+        <a:scrgbClr r="0" g="0" b="0"/>
+      </a:effectRef>
+      <a:fontRef idx="minor">
+        <a:schemeClr val="tx1"/>
+      </a:fontRef>
+    </dgm:style>
+  </dgm:styleLbl>
+  <dgm:styleLbl name="alignNode1">
+    <dgm:scene3d>
+      <a:camera prst="orthographicFront"/>
+      <a:lightRig rig="threePt" dir="t"/>
+    </dgm:scene3d>
+    <dgm:sp3d/>
+    <dgm:txPr/>
+    <dgm:style>
+      <a:lnRef idx="2">
+        <a:scrgbClr r="0" g="0" b="0"/>
+      </a:lnRef>
+      <a:fillRef idx="1">
+        <a:scrgbClr r="0" g="0" b="0"/>
+      </a:fillRef>
+      <a:effectRef idx="0">
+        <a:scrgbClr r="0" g="0" b="0"/>
+      </a:effectRef>
+      <a:fontRef idx="minor">
+        <a:schemeClr val="lt1"/>
+      </a:fontRef>
+    </dgm:style>
+  </dgm:styleLbl>
+  <dgm:styleLbl name="node1">
+    <dgm:scene3d>
+      <a:camera prst="orthographicFront"/>
+      <a:lightRig rig="threePt" dir="t"/>
+    </dgm:scene3d>
+    <dgm:sp3d/>
+    <dgm:txPr/>
+    <dgm:style>
+      <a:lnRef idx="2">
+        <a:scrgbClr r="0" g="0" b="0"/>
+      </a:lnRef>
+      <a:fillRef idx="1">
+        <a:scrgbClr r="0" g="0" b="0"/>
+      </a:fillRef>
+      <a:effectRef idx="0">
+        <a:scrgbClr r="0" g="0" b="0"/>
+      </a:effectRef>
+      <a:fontRef idx="minor">
+        <a:schemeClr val="lt1"/>
+      </a:fontRef>
+    </dgm:style>
+  </dgm:styleLbl>
+  <dgm:styleLbl name="node2">
+    <dgm:scene3d>
+      <a:camera prst="orthographicFront"/>
+      <a:lightRig rig="threePt" dir="t"/>
+    </dgm:scene3d>
+    <dgm:sp3d/>
+    <dgm:txPr/>
+    <dgm:style>
+      <a:lnRef idx="2">
+        <a:scrgbClr r="0" g="0" b="0"/>
+      </a:lnRef>
+      <a:fillRef idx="1">
+        <a:scrgbClr r="0" g="0" b="0"/>
+      </a:fillRef>
+      <a:effectRef idx="0">
+        <a:scrgbClr r="0" g="0" b="0"/>
+      </a:effectRef>
+      <a:fontRef idx="minor">
+        <a:schemeClr val="lt1"/>
+      </a:fontRef>
+    </dgm:style>
+  </dgm:styleLbl>
+  <dgm:styleLbl name="node3">
+    <dgm:scene3d>
+      <a:camera prst="orthographicFront"/>
+      <a:lightRig rig="threePt" dir="t"/>
+    </dgm:scene3d>
+    <dgm:sp3d/>
+    <dgm:txPr/>
+    <dgm:style>
+      <a:lnRef idx="2">
+        <a:scrgbClr r="0" g="0" b="0"/>
+      </a:lnRef>
+      <a:fillRef idx="1">
+        <a:scrgbClr r="0" g="0" b="0"/>
+      </a:fillRef>
+      <a:effectRef idx="0">
+        <a:scrgbClr r="0" g="0" b="0"/>
+      </a:effectRef>
+      <a:fontRef idx="minor">
+        <a:schemeClr val="lt1"/>
+      </a:fontRef>
+    </dgm:style>
+  </dgm:styleLbl>
+  <dgm:styleLbl name="node4">
+    <dgm:scene3d>
+      <a:camera prst="orthographicFront"/>
+      <a:lightRig rig="threePt" dir="t"/>
+    </dgm:scene3d>
+    <dgm:sp3d/>
+    <dgm:txPr/>
+    <dgm:style>
+      <a:lnRef idx="2">
+        <a:scrgbClr r="0" g="0" b="0"/>
+      </a:lnRef>
+      <a:fillRef idx="1">
+        <a:scrgbClr r="0" g="0" b="0"/>
+      </a:fillRef>
+      <a:effectRef idx="0">
+        <a:scrgbClr r="0" g="0" b="0"/>
+      </a:effectRef>
+      <a:fontRef idx="minor">
+        <a:schemeClr val="lt1"/>
+      </a:fontRef>
+    </dgm:style>
+  </dgm:styleLbl>
+  <dgm:styleLbl name="fgImgPlace1">
+    <dgm:scene3d>
+      <a:camera prst="orthographicFront"/>
+      <a:lightRig rig="threePt" dir="t"/>
+    </dgm:scene3d>
+    <dgm:sp3d/>
+    <dgm:txPr/>
+    <dgm:style>
+      <a:lnRef idx="2">
+        <a:scrgbClr r="0" g="0" b="0"/>
+      </a:lnRef>
+      <a:fillRef idx="1">
+        <a:scrgbClr r="0" g="0" b="0"/>
+      </a:fillRef>
+      <a:effectRef idx="0">
+        <a:scrgbClr r="0" g="0" b="0"/>
+      </a:effectRef>
+      <a:fontRef idx="minor"/>
+    </dgm:style>
+  </dgm:styleLbl>
+  <dgm:styleLbl name="alignImgPlace1">
+    <dgm:scene3d>
+      <a:camera prst="orthographicFront"/>
+      <a:lightRig rig="threePt" dir="t"/>
+    </dgm:scene3d>
+    <dgm:sp3d/>
+    <dgm:txPr/>
+    <dgm:style>
+      <a:lnRef idx="2">
+        <a:scrgbClr r="0" g="0" b="0"/>
+      </a:lnRef>
+      <a:fillRef idx="1">
+        <a:scrgbClr r="0" g="0" b="0"/>
+      </a:fillRef>
+      <a:effectRef idx="0">
+        <a:scrgbClr r="0" g="0" b="0"/>
+      </a:effectRef>
+      <a:fontRef idx="minor"/>
+    </dgm:style>
+  </dgm:styleLbl>
+  <dgm:styleLbl name="bgImgPlace1">
+    <dgm:scene3d>
+      <a:camera prst="orthographicFront"/>
+      <a:lightRig rig="threePt" dir="t"/>
+    </dgm:scene3d>
+    <dgm:sp3d/>
+    <dgm:txPr/>
+    <dgm:style>
+      <a:lnRef idx="2">
+        <a:scrgbClr r="0" g="0" b="0"/>
+      </a:lnRef>
+      <a:fillRef idx="1">
+        <a:scrgbClr r="0" g="0" b="0"/>
+      </a:fillRef>
+      <a:effectRef idx="0">
+        <a:scrgbClr r="0" g="0" b="0"/>
+      </a:effectRef>
+      <a:fontRef idx="minor"/>
+    </dgm:style>
+  </dgm:styleLbl>
+  <dgm:styleLbl name="sibTrans2D1">
+    <dgm:scene3d>
+      <a:camera prst="orthographicFront"/>
+      <a:lightRig rig="threePt" dir="t"/>
+    </dgm:scene3d>
+    <dgm:sp3d/>
+    <dgm:txPr/>
+    <dgm:style>
+      <a:lnRef idx="0">
+        <a:scrgbClr r="0" g="0" b="0"/>
+      </a:lnRef>
+      <a:fillRef idx="1">
+        <a:scrgbClr r="0" g="0" b="0"/>
+      </a:fillRef>
+      <a:effectRef idx="0">
+        <a:scrgbClr r="0" g="0" b="0"/>
+      </a:effectRef>
+      <a:fontRef idx="minor">
+        <a:schemeClr val="lt1"/>
+      </a:fontRef>
+    </dgm:style>
+  </dgm:styleLbl>
+  <dgm:styleLbl name="fgSibTrans2D1">
+    <dgm:scene3d>
+      <a:camera prst="orthographicFront"/>
+      <a:lightRig rig="threePt" dir="t"/>
+    </dgm:scene3d>
+    <dgm:sp3d/>
+    <dgm:txPr/>
+    <dgm:style>
+      <a:lnRef idx="0">
+        <a:scrgbClr r="0" g="0" b="0"/>
+      </a:lnRef>
+      <a:fillRef idx="1">
+        <a:scrgbClr r="0" g="0" b="0"/>
+      </a:fillRef>
+      <a:effectRef idx="0">
+        <a:scrgbClr r="0" g="0" b="0"/>
+      </a:effectRef>
+      <a:fontRef idx="minor">
+        <a:schemeClr val="lt1"/>
+      </a:fontRef>
+    </dgm:style>
+  </dgm:styleLbl>
+  <dgm:styleLbl name="bgSibTrans2D1">
+    <dgm:scene3d>
+      <a:camera prst="orthographicFront"/>
+      <a:lightRig rig="threePt" dir="t"/>
+    </dgm:scene3d>
+    <dgm:sp3d/>
+    <dgm:txPr/>
+    <dgm:style>
+      <a:lnRef idx="0">
+        <a:scrgbClr r="0" g="0" b="0"/>
+      </a:lnRef>
+      <a:fillRef idx="1">
+        <a:scrgbClr r="0" g="0" b="0"/>
+      </a:fillRef>
+      <a:effectRef idx="0">
+        <a:scrgbClr r="0" g="0" b="0"/>
+      </a:effectRef>
+      <a:fontRef idx="minor">
+        <a:schemeClr val="lt1"/>
+      </a:fontRef>
+    </dgm:style>
+  </dgm:styleLbl>
+  <dgm:styleLbl name="sibTrans1D1">
+    <dgm:scene3d>
+      <a:camera prst="orthographicFront"/>
+      <a:lightRig rig="threePt" dir="t"/>
+    </dgm:scene3d>
+    <dgm:sp3d/>
+    <dgm:txPr/>
+    <dgm:style>
+      <a:lnRef idx="1">
+        <a:scrgbClr r="0" g="0" b="0"/>
+      </a:lnRef>
+      <a:fillRef idx="0">
+        <a:scrgbClr r="0" g="0" b="0"/>
+      </a:fillRef>
+      <a:effectRef idx="0">
+        <a:scrgbClr r="0" g="0" b="0"/>
+      </a:effectRef>
+      <a:fontRef idx="minor"/>
+    </dgm:style>
+  </dgm:styleLbl>
+  <dgm:styleLbl name="callout">
+    <dgm:scene3d>
+      <a:camera prst="orthographicFront"/>
+      <a:lightRig rig="threePt" dir="t"/>
+    </dgm:scene3d>
+    <dgm:sp3d/>
+    <dgm:txPr/>
+    <dgm:style>
+      <a:lnRef idx="2">
+        <a:scrgbClr r="0" g="0" b="0"/>
+      </a:lnRef>
+      <a:fillRef idx="1">
+        <a:scrgbClr r="0" g="0" b="0"/>
+      </a:fillRef>
+      <a:effectRef idx="0">
+        <a:scrgbClr r="0" g="0" b="0"/>
+      </a:effectRef>
+      <a:fontRef idx="minor"/>
+    </dgm:style>
+  </dgm:styleLbl>
+  <dgm:styleLbl name="asst0">
+    <dgm:scene3d>
+      <a:camera prst="orthographicFront"/>
+      <a:lightRig rig="threePt" dir="t"/>
+    </dgm:scene3d>
+    <dgm:sp3d/>
+    <dgm:txPr/>
+    <dgm:style>
+      <a:lnRef idx="2">
+        <a:scrgbClr r="0" g="0" b="0"/>
+      </a:lnRef>
+      <a:fillRef idx="1">
+        <a:scrgbClr r="0" g="0" b="0"/>
+      </a:fillRef>
+      <a:effectRef idx="0">
+        <a:scrgbClr r="0" g="0" b="0"/>
+      </a:effectRef>
+      <a:fontRef idx="minor">
+        <a:schemeClr val="lt1"/>
+      </a:fontRef>
+    </dgm:style>
+  </dgm:styleLbl>
+  <dgm:styleLbl name="asst1">
+    <dgm:scene3d>
+      <a:camera prst="orthographicFront"/>
+      <a:lightRig rig="threePt" dir="t"/>
+    </dgm:scene3d>
+    <dgm:sp3d/>
+    <dgm:txPr/>
+    <dgm:style>
+      <a:lnRef idx="2">
+        <a:scrgbClr r="0" g="0" b="0"/>
+      </a:lnRef>
+      <a:fillRef idx="1">
+        <a:scrgbClr r="0" g="0" b="0"/>
+      </a:fillRef>
+      <a:effectRef idx="0">
+        <a:scrgbClr r="0" g="0" b="0"/>
+      </a:effectRef>
+      <a:fontRef idx="minor">
+        <a:schemeClr val="lt1"/>
+      </a:fontRef>
+    </dgm:style>
+  </dgm:styleLbl>
+  <dgm:styleLbl name="asst2">
+    <dgm:scene3d>
+      <a:camera prst="orthographicFront"/>
+      <a:lightRig rig="threePt" dir="t"/>
+    </dgm:scene3d>
+    <dgm:sp3d/>
+    <dgm:txPr/>
+    <dgm:style>
+      <a:lnRef idx="2">
+        <a:scrgbClr r="0" g="0" b="0"/>
+      </a:lnRef>
+      <a:fillRef idx="1">
+        <a:scrgbClr r="0" g="0" b="0"/>
+      </a:fillRef>
+      <a:effectRef idx="0">
+        <a:scrgbClr r="0" g="0" b="0"/>
+      </a:effectRef>
+      <a:fontRef idx="minor">
+        <a:schemeClr val="lt1"/>
+      </a:fontRef>
+    </dgm:style>
+  </dgm:styleLbl>
+  <dgm:styleLbl name="asst3">
+    <dgm:scene3d>
+      <a:camera prst="orthographicFront"/>
+      <a:lightRig rig="threePt" dir="t"/>
+    </dgm:scene3d>
+    <dgm:sp3d/>
+    <dgm:txPr/>
+    <dgm:style>
+      <a:lnRef idx="2">
+        <a:scrgbClr r="0" g="0" b="0"/>
+      </a:lnRef>
+      <a:fillRef idx="1">
+        <a:scrgbClr r="0" g="0" b="0"/>
+      </a:fillRef>
+      <a:effectRef idx="0">
+        <a:scrgbClr r="0" g="0" b="0"/>
+      </a:effectRef>
+      <a:fontRef idx="minor">
+        <a:schemeClr val="lt1"/>
+      </a:fontRef>
+    </dgm:style>
+  </dgm:styleLbl>
+  <dgm:styleLbl name="asst4">
+    <dgm:scene3d>
+      <a:camera prst="orthographicFront"/>
+      <a:lightRig rig="threePt" dir="t"/>
+    </dgm:scene3d>
+    <dgm:sp3d/>
+    <dgm:txPr/>
+    <dgm:style>
+      <a:lnRef idx="2">
+        <a:scrgbClr r="0" g="0" b="0"/>
+      </a:lnRef>
+      <a:fillRef idx="1">
+        <a:scrgbClr r="0" g="0" b="0"/>
+      </a:fillRef>
+      <a:effectRef idx="0">
+        <a:scrgbClr r="0" g="0" b="0"/>
+      </a:effectRef>
+      <a:fontRef idx="minor">
+        <a:schemeClr val="lt1"/>
+      </a:fontRef>
+    </dgm:style>
+  </dgm:styleLbl>
+  <dgm:styleLbl name="parChTrans2D1">
+    <dgm:scene3d>
+      <a:camera prst="orthographicFront"/>
+      <a:lightRig rig="threePt" dir="t"/>
+    </dgm:scene3d>
+    <dgm:sp3d/>
+    <dgm:txPr/>
+    <dgm:style>
+      <a:lnRef idx="2">
+        <a:scrgbClr r="0" g="0" b="0"/>
+      </a:lnRef>
+      <a:fillRef idx="1">
+        <a:scrgbClr r="0" g="0" b="0"/>
+      </a:fillRef>
+      <a:effectRef idx="0">
+        <a:scrgbClr r="0" g="0" b="0"/>
+      </a:effectRef>
+      <a:fontRef idx="minor">
+        <a:schemeClr val="lt1"/>
+      </a:fontRef>
+    </dgm:style>
+  </dgm:styleLbl>
+  <dgm:styleLbl name="parChTrans2D2">
+    <dgm:scene3d>
+      <a:camera prst="orthographicFront"/>
+      <a:lightRig rig="threePt" dir="t"/>
+    </dgm:scene3d>
+    <dgm:sp3d/>
+    <dgm:txPr/>
+    <dgm:style>
+      <a:lnRef idx="2">
+        <a:scrgbClr r="0" g="0" b="0"/>
+      </a:lnRef>
+      <a:fillRef idx="1">
+        <a:scrgbClr r="0" g="0" b="0"/>
+      </a:fillRef>
+      <a:effectRef idx="0">
+        <a:scrgbClr r="0" g="0" b="0"/>
+      </a:effectRef>
+      <a:fontRef idx="minor">
+        <a:schemeClr val="lt1"/>
+      </a:fontRef>
+    </dgm:style>
+  </dgm:styleLbl>
+  <dgm:styleLbl name="parChTrans2D3">
+    <dgm:scene3d>
+      <a:camera prst="orthographicFront"/>
+      <a:lightRig rig="threePt" dir="t"/>
+    </dgm:scene3d>
+    <dgm:sp3d/>
+    <dgm:txPr/>
+    <dgm:style>
+      <a:lnRef idx="2">
+        <a:scrgbClr r="0" g="0" b="0"/>
+      </a:lnRef>
+      <a:fillRef idx="1">
+        <a:scrgbClr r="0" g="0" b="0"/>
+      </a:fillRef>
+      <a:effectRef idx="0">
+        <a:scrgbClr r="0" g="0" b="0"/>
+      </a:effectRef>
+      <a:fontRef idx="minor">
+        <a:schemeClr val="lt1"/>
+      </a:fontRef>
+    </dgm:style>
+  </dgm:styleLbl>
+  <dgm:styleLbl name="parChTrans2D4">
+    <dgm:scene3d>
+      <a:camera prst="orthographicFront"/>
+      <a:lightRig rig="threePt" dir="t"/>
+    </dgm:scene3d>
+    <dgm:sp3d/>
+    <dgm:txPr/>
+    <dgm:style>
+      <a:lnRef idx="2">
+        <a:scrgbClr r="0" g="0" b="0"/>
+      </a:lnRef>
+      <a:fillRef idx="1">
+        <a:scrgbClr r="0" g="0" b="0"/>
+      </a:fillRef>
+      <a:effectRef idx="0">
+        <a:scrgbClr r="0" g="0" b="0"/>
+      </a:effectRef>
+      <a:fontRef idx="minor">
+        <a:schemeClr val="lt1"/>
+      </a:fontRef>
+    </dgm:style>
+  </dgm:styleLbl>
+  <dgm:styleLbl name="parChTrans1D1">
+    <dgm:scene3d>
+      <a:camera prst="orthographicFront"/>
+      <a:lightRig rig="threePt" dir="t"/>
+    </dgm:scene3d>
+    <dgm:sp3d/>
+    <dgm:txPr/>
+    <dgm:style>
+      <a:lnRef idx="2">
+        <a:scrgbClr r="0" g="0" b="0"/>
+      </a:lnRef>
+      <a:fillRef idx="0">
+        <a:scrgbClr r="0" g="0" b="0"/>
+      </a:fillRef>
+      <a:effectRef idx="0">
+        <a:scrgbClr r="0" g="0" b="0"/>
+      </a:effectRef>
+      <a:fontRef idx="minor"/>
+    </dgm:style>
+  </dgm:styleLbl>
+  <dgm:styleLbl name="parChTrans1D2">
+    <dgm:scene3d>
+      <a:camera prst="orthographicFront"/>
+      <a:lightRig rig="threePt" dir="t"/>
+    </dgm:scene3d>
+    <dgm:sp3d/>
+    <dgm:txPr/>
+    <dgm:style>
+      <a:lnRef idx="2">
+        <a:scrgbClr r="0" g="0" b="0"/>
+      </a:lnRef>
+      <a:fillRef idx="0">
+        <a:scrgbClr r="0" g="0" b="0"/>
+      </a:fillRef>
+      <a:effectRef idx="0">
+        <a:scrgbClr r="0" g="0" b="0"/>
+      </a:effectRef>
+      <a:fontRef idx="minor"/>
+    </dgm:style>
+  </dgm:styleLbl>
+  <dgm:styleLbl name="parChTrans1D3">
+    <dgm:scene3d>
+      <a:camera prst="orthographicFront"/>
+      <a:lightRig rig="threePt" dir="t"/>
+    </dgm:scene3d>
+    <dgm:sp3d/>
+    <dgm:txPr/>
+    <dgm:style>
+      <a:lnRef idx="2">
+        <a:scrgbClr r="0" g="0" b="0"/>
+      </a:lnRef>
+      <a:fillRef idx="0">
+        <a:scrgbClr r="0" g="0" b="0"/>
+      </a:fillRef>
+      <a:effectRef idx="0">
+        <a:scrgbClr r="0" g="0" b="0"/>
+      </a:effectRef>
+      <a:fontRef idx="minor"/>
+    </dgm:style>
+  </dgm:styleLbl>
+  <dgm:styleLbl name="parChTrans1D4">
+    <dgm:scene3d>
+      <a:camera prst="orthographicFront"/>
+      <a:lightRig rig="threePt" dir="t"/>
+    </dgm:scene3d>
+    <dgm:sp3d/>
+    <dgm:txPr/>
+    <dgm:style>
+      <a:lnRef idx="2">
+        <a:scrgbClr r="0" g="0" b="0"/>
+      </a:lnRef>
+      <a:fillRef idx="0">
+        <a:scrgbClr r="0" g="0" b="0"/>
+      </a:fillRef>
+      <a:effectRef idx="0">
+        <a:scrgbClr r="0" g="0" b="0"/>
+      </a:effectRef>
+      <a:fontRef idx="minor"/>
+    </dgm:style>
+  </dgm:styleLbl>
+  <dgm:styleLbl name="fgAcc1">
+    <dgm:scene3d>
+      <a:camera prst="orthographicFront"/>
+      <a:lightRig rig="threePt" dir="t"/>
+    </dgm:scene3d>
+    <dgm:sp3d/>
+    <dgm:txPr/>
+    <dgm:style>
+      <a:lnRef idx="2">
+        <a:scrgbClr r="0" g="0" b="0"/>
+      </a:lnRef>
+      <a:fillRef idx="1">
+        <a:scrgbClr r="0" g="0" b="0"/>
+      </a:fillRef>
+      <a:effectRef idx="0">
+        <a:scrgbClr r="0" g="0" b="0"/>
+      </a:effectRef>
+      <a:fontRef idx="minor"/>
+    </dgm:style>
+  </dgm:styleLbl>
+  <dgm:styleLbl name="conFgAcc1">
+    <dgm:scene3d>
+      <a:camera prst="orthographicFront"/>
+      <a:lightRig rig="threePt" dir="t"/>
+    </dgm:scene3d>
+    <dgm:sp3d/>
+    <dgm:txPr/>
+    <dgm:style>
+      <a:lnRef idx="2">
+        <a:scrgbClr r="0" g="0" b="0"/>
+      </a:lnRef>
+      <a:fillRef idx="1">
+        <a:scrgbClr r="0" g="0" b="0"/>
+      </a:fillRef>
+      <a:effectRef idx="0">
+        <a:scrgbClr r="0" g="0" b="0"/>
+      </a:effectRef>
+      <a:fontRef idx="minor"/>
+    </dgm:style>
+  </dgm:styleLbl>
+  <dgm:styleLbl name="alignAcc1">
+    <dgm:scene3d>
+      <a:camera prst="orthographicFront"/>
+      <a:lightRig rig="threePt" dir="t"/>
+    </dgm:scene3d>
+    <dgm:sp3d/>
+    <dgm:txPr/>
+    <dgm:style>
+      <a:lnRef idx="2">
+        <a:scrgbClr r="0" g="0" b="0"/>
+      </a:lnRef>
+      <a:fillRef idx="1">
+        <a:scrgbClr r="0" g="0" b="0"/>
+      </a:fillRef>
+      <a:effectRef idx="0">
+        <a:scrgbClr r="0" g="0" b="0"/>
+      </a:effectRef>
+      <a:fontRef idx="minor"/>
+    </dgm:style>
+  </dgm:styleLbl>
+  <dgm:styleLbl name="trAlignAcc1">
+    <dgm:scene3d>
+      <a:camera prst="orthographicFront"/>
+      <a:lightRig rig="threePt" dir="t"/>
+    </dgm:scene3d>
+    <dgm:sp3d/>
+    <dgm:txPr/>
+    <dgm:style>
+      <a:lnRef idx="1">
+        <a:scrgbClr r="0" g="0" b="0"/>
+      </a:lnRef>
+      <a:fillRef idx="1">
+        <a:scrgbClr r="0" g="0" b="0"/>
+      </a:fillRef>
+      <a:effectRef idx="0">
+        <a:scrgbClr r="0" g="0" b="0"/>
+      </a:effectRef>
+      <a:fontRef idx="minor"/>
+    </dgm:style>
+  </dgm:styleLbl>
+  <dgm:styleLbl name="bgAcc1">
+    <dgm:scene3d>
+      <a:camera prst="orthographicFront"/>
+      <a:lightRig rig="threePt" dir="t"/>
+    </dgm:scene3d>
+    <dgm:sp3d/>
+    <dgm:txPr/>
+    <dgm:style>
+      <a:lnRef idx="2">
+        <a:scrgbClr r="0" g="0" b="0"/>
+      </a:lnRef>
+      <a:fillRef idx="1">
+        <a:scrgbClr r="0" g="0" b="0"/>
+      </a:fillRef>
+      <a:effectRef idx="0">
+        <a:scrgbClr r="0" g="0" b="0"/>
+      </a:effectRef>
+      <a:fontRef idx="minor"/>
+    </dgm:style>
+  </dgm:styleLbl>
+  <dgm:styleLbl name="solidFgAcc1">
+    <dgm:scene3d>
+      <a:camera prst="orthographicFront"/>
+      <a:lightRig rig="threePt" dir="t"/>
+    </dgm:scene3d>
+    <dgm:sp3d/>
+    <dgm:txPr/>
+    <dgm:style>
+      <a:lnRef idx="2">
+        <a:scrgbClr r="0" g="0" b="0"/>
+      </a:lnRef>
+      <a:fillRef idx="1">
+        <a:scrgbClr r="0" g="0" b="0"/>
+      </a:fillRef>
+      <a:effectRef idx="0">
+        <a:scrgbClr r="0" g="0" b="0"/>
+      </a:effectRef>
+      <a:fontRef idx="minor"/>
+    </dgm:style>
+  </dgm:styleLbl>
+  <dgm:styleLbl name="solidAlignAcc1">
+    <dgm:scene3d>
+      <a:camera prst="orthographicFront"/>
+      <a:lightRig rig="threePt" dir="t"/>
+    </dgm:scene3d>
+    <dgm:sp3d/>
+    <dgm:txPr/>
+    <dgm:style>
+      <a:lnRef idx="2">
+        <a:scrgbClr r="0" g="0" b="0"/>
+      </a:lnRef>
+      <a:fillRef idx="1">
+        <a:scrgbClr r="0" g="0" b="0"/>
+      </a:fillRef>
+      <a:effectRef idx="0">
+        <a:scrgbClr r="0" g="0" b="0"/>
+      </a:effectRef>
+      <a:fontRef idx="minor"/>
+    </dgm:style>
+  </dgm:styleLbl>
+  <dgm:styleLbl name="solidBgAcc1">
+    <dgm:scene3d>
+      <a:camera prst="orthographicFront"/>
+      <a:lightRig rig="threePt" dir="t"/>
+    </dgm:scene3d>
+    <dgm:sp3d/>
+    <dgm:txPr/>
+    <dgm:style>
+      <a:lnRef idx="2">
+        <a:scrgbClr r="0" g="0" b="0"/>
+      </a:lnRef>
+      <a:fillRef idx="1">
+        <a:scrgbClr r="0" g="0" b="0"/>
+      </a:fillRef>
+      <a:effectRef idx="0">
+        <a:scrgbClr r="0" g="0" b="0"/>
+      </a:effectRef>
+      <a:fontRef idx="minor"/>
+    </dgm:style>
+  </dgm:styleLbl>
+  <dgm:styleLbl name="fgAccFollowNode1">
+    <dgm:scene3d>
+      <a:camera prst="orthographicFront"/>
+      <a:lightRig rig="threePt" dir="t"/>
+    </dgm:scene3d>
+    <dgm:sp3d/>
+    <dgm:txPr/>
+    <dgm:style>
+      <a:lnRef idx="2">
+        <a:scrgbClr r="0" g="0" b="0"/>
+      </a:lnRef>
+      <a:fillRef idx="1">
+        <a:scrgbClr r="0" g="0" b="0"/>
+      </a:fillRef>
+      <a:effectRef idx="0">
+        <a:scrgbClr r="0" g="0" b="0"/>
+      </a:effectRef>
+      <a:fontRef idx="minor"/>
+    </dgm:style>
+  </dgm:styleLbl>
+  <dgm:styleLbl name="alignAccFollowNode1">
+    <dgm:scene3d>
+      <a:camera prst="orthographicFront"/>
+      <a:lightRig rig="threePt" dir="t"/>
+    </dgm:scene3d>
+    <dgm:sp3d/>
+    <dgm:txPr/>
+    <dgm:style>
+      <a:lnRef idx="2">
+        <a:scrgbClr r="0" g="0" b="0"/>
+      </a:lnRef>
+      <a:fillRef idx="1">
+        <a:scrgbClr r="0" g="0" b="0"/>
+      </a:fillRef>
+      <a:effectRef idx="0">
+        <a:scrgbClr r="0" g="0" b="0"/>
+      </a:effectRef>
+      <a:fontRef idx="minor"/>
+    </dgm:style>
+  </dgm:styleLbl>
+  <dgm:styleLbl name="bgAccFollowNode1">
+    <dgm:scene3d>
+      <a:camera prst="orthographicFront"/>
+      <a:lightRig rig="threePt" dir="t"/>
+    </dgm:scene3d>
+    <dgm:sp3d/>
+    <dgm:txPr/>
+    <dgm:style>
+      <a:lnRef idx="2">
+        <a:scrgbClr r="0" g="0" b="0"/>
+      </a:lnRef>
+      <a:fillRef idx="1">
+        <a:scrgbClr r="0" g="0" b="0"/>
+      </a:fillRef>
+      <a:effectRef idx="0">
+        <a:scrgbClr r="0" g="0" b="0"/>
+      </a:effectRef>
+      <a:fontRef idx="minor"/>
+    </dgm:style>
+  </dgm:styleLbl>
+  <dgm:styleLbl name="fgAcc0">
+    <dgm:scene3d>
+      <a:camera prst="orthographicFront"/>
+      <a:lightRig rig="threePt" dir="t"/>
+    </dgm:scene3d>
+    <dgm:sp3d/>
+    <dgm:txPr/>
+    <dgm:style>
+      <a:lnRef idx="2">
+        <a:scrgbClr r="0" g="0" b="0"/>
+      </a:lnRef>
+      <a:fillRef idx="1">
+        <a:scrgbClr r="0" g="0" b="0"/>
+      </a:fillRef>
+      <a:effectRef idx="0">
+        <a:scrgbClr r="0" g="0" b="0"/>
+      </a:effectRef>
+      <a:fontRef idx="minor"/>
+    </dgm:style>
+  </dgm:styleLbl>
+  <dgm:styleLbl name="fgAcc2">
+    <dgm:scene3d>
+      <a:camera prst="orthographicFront"/>
+      <a:lightRig rig="threePt" dir="t"/>
+    </dgm:scene3d>
+    <dgm:sp3d/>
+    <dgm:txPr/>
+    <dgm:style>
+      <a:lnRef idx="2">
+        <a:scrgbClr r="0" g="0" b="0"/>
+      </a:lnRef>
+      <a:fillRef idx="1">
+        <a:scrgbClr r="0" g="0" b="0"/>
+      </a:fillRef>
+      <a:effectRef idx="0">
+        <a:scrgbClr r="0" g="0" b="0"/>
+      </a:effectRef>
+      <a:fontRef idx="minor"/>
+    </dgm:style>
+  </dgm:styleLbl>
+  <dgm:styleLbl name="fgAcc3">
+    <dgm:scene3d>
+      <a:camera prst="orthographicFront"/>
+      <a:lightRig rig="threePt" dir="t"/>
+    </dgm:scene3d>
+    <dgm:sp3d/>
+    <dgm:txPr/>
+    <dgm:style>
+      <a:lnRef idx="2">
+        <a:scrgbClr r="0" g="0" b="0"/>
+      </a:lnRef>
+      <a:fillRef idx="1">
+        <a:scrgbClr r="0" g="0" b="0"/>
+      </a:fillRef>
+      <a:effectRef idx="0">
+        <a:scrgbClr r="0" g="0" b="0"/>
+      </a:effectRef>
+      <a:fontRef idx="minor"/>
+    </dgm:style>
+  </dgm:styleLbl>
+  <dgm:styleLbl name="fgAcc4">
+    <dgm:scene3d>
+      <a:camera prst="orthographicFront"/>
+      <a:lightRig rig="threePt" dir="t"/>
+    </dgm:scene3d>
+    <dgm:sp3d/>
+    <dgm:txPr/>
+    <dgm:style>
+      <a:lnRef idx="2">
+        <a:scrgbClr r="0" g="0" b="0"/>
+      </a:lnRef>
+      <a:fillRef idx="1">
+        <a:scrgbClr r="0" g="0" b="0"/>
+      </a:fillRef>
+      <a:effectRef idx="0">
+        <a:scrgbClr r="0" g="0" b="0"/>
+      </a:effectRef>
+      <a:fontRef idx="minor"/>
+    </dgm:style>
+  </dgm:styleLbl>
+  <dgm:styleLbl name="bgShp">
+    <dgm:scene3d>
+      <a:camera prst="orthographicFront"/>
+      <a:lightRig rig="threePt" dir="t"/>
+    </dgm:scene3d>
+    <dgm:sp3d/>
+    <dgm:txPr/>
+    <dgm:style>
+      <a:lnRef idx="0">
+        <a:scrgbClr r="0" g="0" b="0"/>
+      </a:lnRef>
+      <a:fillRef idx="1">
+        <a:scrgbClr r="0" g="0" b="0"/>
+      </a:fillRef>
+      <a:effectRef idx="0">
+        <a:scrgbClr r="0" g="0" b="0"/>
+      </a:effectRef>
+      <a:fontRef idx="minor"/>
+    </dgm:style>
+  </dgm:styleLbl>
+  <dgm:styleLbl name="dkBgShp">
+    <dgm:scene3d>
+      <a:camera prst="orthographicFront"/>
+      <a:lightRig rig="threePt" dir="t"/>
+    </dgm:scene3d>
+    <dgm:sp3d/>
+    <dgm:txPr/>
+    <dgm:style>
+      <a:lnRef idx="0">
+        <a:scrgbClr r="0" g="0" b="0"/>
+      </a:lnRef>
+      <a:fillRef idx="1">
+        <a:scrgbClr r="0" g="0" b="0"/>
+      </a:fillRef>
+      <a:effectRef idx="0">
+        <a:scrgbClr r="0" g="0" b="0"/>
+      </a:effectRef>
+      <a:fontRef idx="minor"/>
+    </dgm:style>
+  </dgm:styleLbl>
+  <dgm:styleLbl name="trBgShp">
+    <dgm:scene3d>
+      <a:camera prst="orthographicFront"/>
+      <a:lightRig rig="threePt" dir="t"/>
+    </dgm:scene3d>
+    <dgm:sp3d/>
+    <dgm:txPr/>
+    <dgm:style>
+      <a:lnRef idx="0">
+        <a:scrgbClr r="0" g="0" b="0"/>
+      </a:lnRef>
+      <a:fillRef idx="1">
+        <a:scrgbClr r="0" g="0" b="0"/>
+      </a:fillRef>
+      <a:effectRef idx="0">
+        <a:scrgbClr r="0" g="0" b="0"/>
+      </a:effectRef>
+      <a:fontRef idx="minor"/>
+    </dgm:style>
+  </dgm:styleLbl>
+  <dgm:styleLbl name="fgShp">
+    <dgm:scene3d>
+      <a:camera prst="orthographicFront"/>
+      <a:lightRig rig="threePt" dir="t"/>
+    </dgm:scene3d>
+    <dgm:sp3d/>
+    <dgm:txPr/>
+    <dgm:style>
+      <a:lnRef idx="2">
+        <a:scrgbClr r="0" g="0" b="0"/>
+      </a:lnRef>
+      <a:fillRef idx="1">
+        <a:scrgbClr r="0" g="0" b="0"/>
+      </a:fillRef>
+      <a:effectRef idx="0">
+        <a:scrgbClr r="0" g="0" b="0"/>
+      </a:effectRef>
+      <a:fontRef idx="minor"/>
+    </dgm:style>
+  </dgm:styleLbl>
+  <dgm:styleLbl name="revTx">
+    <dgm:scene3d>
+      <a:camera prst="orthographicFront"/>
+      <a:lightRig rig="threePt" dir="t"/>
+    </dgm:scene3d>
+    <dgm:sp3d/>
+    <dgm:txPr/>
+    <dgm:style>
+      <a:lnRef idx="0">
+        <a:scrgbClr r="0" g="0" b="0"/>
+      </a:lnRef>
+      <a:fillRef idx="0">
+        <a:scrgbClr r="0" g="0" b="0"/>
+      </a:fillRef>
+      <a:effectRef idx="0">
+        <a:scrgbClr r="0" g="0" b="0"/>
+      </a:effectRef>
+      <a:fontRef idx="minor"/>
+    </dgm:style>
+  </dgm:styleLbl>
+</dgm:styleDef>
+</file>
+
 <file path=ppt/notesMasters/notesMaster1.xml><?xml version="1.0" encoding="utf-8"?>
 <p:notesMaster xmlns:a="http://schemas.openxmlformats.org/drawingml/2006/main" xmlns:r="http://schemas.openxmlformats.org/officeDocument/2006/relationships" xmlns:p="http://schemas.openxmlformats.org/presentationml/2006/main">
   <p:cSld>
@@ -6440,7 +11819,7 @@
           <a:p>
             <a:fld id="{EA391C54-F203-4DF0-8342-3550D87753A4}" type="datetimeFigureOut">
               <a:rPr lang="de-CH" smtClean="0"/>
-              <a:t>05.04.2022</a:t>
+              <a:t>06.04.2022</a:t>
             </a:fld>
             <a:endParaRPr lang="de-CH"/>
           </a:p>
@@ -6934,7 +12313,7 @@
           <a:p>
             <a:fld id="{90486293-654D-4FA0-9D72-B90BF46330C7}" type="datetimeFigureOut">
               <a:rPr lang="de-CH" smtClean="0"/>
-              <a:t>05.04.2022</a:t>
+              <a:t>06.04.2022</a:t>
             </a:fld>
             <a:endParaRPr lang="de-CH"/>
           </a:p>
@@ -7145,7 +12524,7 @@
           <a:p>
             <a:fld id="{90486293-654D-4FA0-9D72-B90BF46330C7}" type="datetimeFigureOut">
               <a:rPr lang="de-CH" smtClean="0"/>
-              <a:t>05.04.2022</a:t>
+              <a:t>06.04.2022</a:t>
             </a:fld>
             <a:endParaRPr lang="de-CH"/>
           </a:p>
@@ -7404,7 +12783,7 @@
           <a:p>
             <a:fld id="{90486293-654D-4FA0-9D72-B90BF46330C7}" type="datetimeFigureOut">
               <a:rPr lang="de-CH" smtClean="0"/>
-              <a:t>05.04.2022</a:t>
+              <a:t>06.04.2022</a:t>
             </a:fld>
             <a:endParaRPr lang="de-CH"/>
           </a:p>
@@ -7581,7 +12960,7 @@
           <a:p>
             <a:fld id="{90486293-654D-4FA0-9D72-B90BF46330C7}" type="datetimeFigureOut">
               <a:rPr lang="de-CH" smtClean="0"/>
-              <a:t>05.04.2022</a:t>
+              <a:t>06.04.2022</a:t>
             </a:fld>
             <a:endParaRPr lang="de-CH"/>
           </a:p>
@@ -7927,7 +13306,7 @@
           <a:p>
             <a:fld id="{90486293-654D-4FA0-9D72-B90BF46330C7}" type="datetimeFigureOut">
               <a:rPr lang="de-CH" smtClean="0"/>
-              <a:t>05.04.2022</a:t>
+              <a:t>06.04.2022</a:t>
             </a:fld>
             <a:endParaRPr lang="de-CH"/>
           </a:p>
@@ -8205,7 +13584,7 @@
           <a:p>
             <a:fld id="{90486293-654D-4FA0-9D72-B90BF46330C7}" type="datetimeFigureOut">
               <a:rPr lang="de-CH" smtClean="0"/>
-              <a:t>05.04.2022</a:t>
+              <a:t>06.04.2022</a:t>
             </a:fld>
             <a:endParaRPr lang="de-CH"/>
           </a:p>
@@ -8587,7 +13966,7 @@
           <a:p>
             <a:fld id="{90486293-654D-4FA0-9D72-B90BF46330C7}" type="datetimeFigureOut">
               <a:rPr lang="de-CH" smtClean="0"/>
-              <a:t>05.04.2022</a:t>
+              <a:t>06.04.2022</a:t>
             </a:fld>
             <a:endParaRPr lang="de-CH"/>
           </a:p>
@@ -8708,7 +14087,7 @@
           <a:p>
             <a:fld id="{90486293-654D-4FA0-9D72-B90BF46330C7}" type="datetimeFigureOut">
               <a:rPr lang="de-CH" smtClean="0"/>
-              <a:t>05.04.2022</a:t>
+              <a:t>06.04.2022</a:t>
             </a:fld>
             <a:endParaRPr lang="de-CH"/>
           </a:p>
@@ -8882,7 +14261,7 @@
           <a:p>
             <a:fld id="{90486293-654D-4FA0-9D72-B90BF46330C7}" type="datetimeFigureOut">
               <a:rPr lang="de-CH" smtClean="0"/>
-              <a:t>05.04.2022</a:t>
+              <a:t>06.04.2022</a:t>
             </a:fld>
             <a:endParaRPr lang="de-CH"/>
           </a:p>
@@ -9239,7 +14618,7 @@
           <a:p>
             <a:fld id="{90486293-654D-4FA0-9D72-B90BF46330C7}" type="datetimeFigureOut">
               <a:rPr lang="de-CH" smtClean="0"/>
-              <a:t>05.04.2022</a:t>
+              <a:t>06.04.2022</a:t>
             </a:fld>
             <a:endParaRPr lang="de-CH"/>
           </a:p>
@@ -9624,7 +15003,7 @@
           <a:p>
             <a:fld id="{90486293-654D-4FA0-9D72-B90BF46330C7}" type="datetimeFigureOut">
               <a:rPr lang="de-CH" smtClean="0"/>
-              <a:t>05.04.2022</a:t>
+              <a:t>06.04.2022</a:t>
             </a:fld>
             <a:endParaRPr lang="de-CH"/>
           </a:p>
@@ -9914,7 +15293,7 @@
           <a:p>
             <a:fld id="{90486293-654D-4FA0-9D72-B90BF46330C7}" type="datetimeFigureOut">
               <a:rPr lang="de-CH" smtClean="0"/>
-              <a:t>05.04.2022</a:t>
+              <a:t>06.04.2022</a:t>
             </a:fld>
             <a:endParaRPr lang="de-CH"/>
           </a:p>
@@ -11159,172 +16538,6 @@
           <a:chExt cx="0" cy="0"/>
         </a:xfrm>
       </p:grpSpPr>
-      <p:sp>
-        <p:nvSpPr>
-          <p:cNvPr id="2" name="Titel 1">
-            <a:extLst>
-              <a:ext uri="{FF2B5EF4-FFF2-40B4-BE49-F238E27FC236}">
-                <a16:creationId xmlns:a16="http://schemas.microsoft.com/office/drawing/2014/main" id="{502FDB6E-D1D0-4628-B339-D626B04F58E9}"/>
-              </a:ext>
-            </a:extLst>
-          </p:cNvPr>
-          <p:cNvSpPr>
-            <a:spLocks noGrp="1"/>
-          </p:cNvSpPr>
-          <p:nvPr>
-            <p:ph type="title"/>
-          </p:nvPr>
-        </p:nvSpPr>
-        <p:spPr>
-          <a:xfrm>
-            <a:off x="1097280" y="286603"/>
-            <a:ext cx="10058400" cy="1450757"/>
-          </a:xfrm>
-        </p:spPr>
-        <p:txBody>
-          <a:bodyPr>
-            <a:normAutofit/>
-          </a:bodyPr>
-          <a:lstStyle/>
-          <a:p>
-            <a:r>
-              <a:rPr lang="de-CH" dirty="0"/>
-              <a:t>Ergebnis Iteration 2</a:t>
-            </a:r>
-            <a:endParaRPr lang="en-CH" dirty="0"/>
-          </a:p>
-        </p:txBody>
-      </p:sp>
-      <p:sp>
-        <p:nvSpPr>
-          <p:cNvPr id="3" name="Inhaltsplatzhalter 2">
-            <a:extLst>
-              <a:ext uri="{FF2B5EF4-FFF2-40B4-BE49-F238E27FC236}">
-                <a16:creationId xmlns:a16="http://schemas.microsoft.com/office/drawing/2014/main" id="{D1C6BBC9-6B36-4F68-801C-D8D71BA01E65}"/>
-              </a:ext>
-            </a:extLst>
-          </p:cNvPr>
-          <p:cNvSpPr>
-            <a:spLocks noGrp="1"/>
-          </p:cNvSpPr>
-          <p:nvPr>
-            <p:ph idx="1"/>
-          </p:nvPr>
-        </p:nvSpPr>
-        <p:spPr>
-          <a:xfrm>
-            <a:off x="1097279" y="1845734"/>
-            <a:ext cx="6454987" cy="4023360"/>
-          </a:xfrm>
-        </p:spPr>
-        <p:txBody>
-          <a:bodyPr>
-            <a:normAutofit/>
-          </a:bodyPr>
-          <a:lstStyle/>
-          <a:p>
-            <a:r>
-              <a:rPr lang="de-CH" dirty="0"/>
-              <a:t>Ziel erreicht?</a:t>
-            </a:r>
-          </a:p>
-          <a:p>
-            <a:r>
-              <a:rPr lang="de-CH" dirty="0"/>
-              <a:t>Verbesserungsvorschläge</a:t>
-            </a:r>
-          </a:p>
-          <a:p>
-            <a:r>
-              <a:rPr lang="de-CH" dirty="0"/>
-              <a:t>Wie sieht es momentan aus?</a:t>
-            </a:r>
-          </a:p>
-          <a:p>
-            <a:endParaRPr lang="en-CH" dirty="0"/>
-          </a:p>
-        </p:txBody>
-      </p:sp>
-      <p:pic>
-        <p:nvPicPr>
-          <p:cNvPr id="7" name="Graphic 6" descr="Volltreffer">
-            <a:extLst>
-              <a:ext uri="{FF2B5EF4-FFF2-40B4-BE49-F238E27FC236}">
-                <a16:creationId xmlns:a16="http://schemas.microsoft.com/office/drawing/2014/main" id="{1FAA8FE5-E435-049E-CD43-FE919C4C3A97}"/>
-              </a:ext>
-            </a:extLst>
-          </p:cNvPr>
-          <p:cNvPicPr>
-            <a:picLocks noChangeAspect="1"/>
-          </p:cNvPicPr>
-          <p:nvPr/>
-        </p:nvPicPr>
-        <p:blipFill>
-          <a:blip r:embed="rId2">
-            <a:extLst>
-              <a:ext uri="{28A0092B-C50C-407E-A947-70E740481C1C}">
-                <a14:useLocalDpi xmlns:a14="http://schemas.microsoft.com/office/drawing/2010/main" val="0"/>
-              </a:ext>
-              <a:ext uri="{96DAC541-7B7A-43D3-8B79-37D633B846F1}">
-                <asvg:svgBlip xmlns:asvg="http://schemas.microsoft.com/office/drawing/2016/SVG/main" r:embed="rId3"/>
-              </a:ext>
-            </a:extLst>
-          </a:blip>
-          <a:stretch>
-            <a:fillRect/>
-          </a:stretch>
-        </p:blipFill>
-        <p:spPr>
-          <a:xfrm>
-            <a:off x="8020570" y="2084269"/>
-            <a:ext cx="3135109" cy="3135109"/>
-          </a:xfrm>
-          <a:prstGeom prst="rect">
-            <a:avLst/>
-          </a:prstGeom>
-        </p:spPr>
-      </p:pic>
-    </p:spTree>
-    <p:extLst>
-      <p:ext uri="{BB962C8B-B14F-4D97-AF65-F5344CB8AC3E}">
-        <p14:creationId xmlns:p14="http://schemas.microsoft.com/office/powerpoint/2010/main" val="4293874489"/>
-      </p:ext>
-    </p:extLst>
-  </p:cSld>
-  <p:clrMapOvr>
-    <a:masterClrMapping/>
-  </p:clrMapOvr>
-  <p:transition spd="slow">
-    <p:push dir="u"/>
-  </p:transition>
-</p:sld>
-</file>
-
-<file path=ppt/slides/slide5.xml><?xml version="1.0" encoding="utf-8"?>
-<p:sld xmlns:a="http://schemas.openxmlformats.org/drawingml/2006/main" xmlns:r="http://schemas.openxmlformats.org/officeDocument/2006/relationships" xmlns:p="http://schemas.openxmlformats.org/presentationml/2006/main">
-  <p:cSld>
-    <p:bg>
-      <p:bgPr>
-        <a:solidFill>
-          <a:schemeClr val="bg1"/>
-        </a:solidFill>
-        <a:effectLst/>
-      </p:bgPr>
-    </p:bg>
-    <p:spTree>
-      <p:nvGrpSpPr>
-        <p:cNvPr id="1" name=""/>
-        <p:cNvGrpSpPr/>
-        <p:nvPr/>
-      </p:nvGrpSpPr>
-      <p:grpSpPr>
-        <a:xfrm>
-          <a:off x="0" y="0"/>
-          <a:ext cx="0" cy="0"/>
-          <a:chOff x="0" y="0"/>
-          <a:chExt cx="0" cy="0"/>
-        </a:xfrm>
-      </p:grpSpPr>
       <p:sp useBgFill="1">
         <p:nvSpPr>
           <p:cNvPr id="73" name="Rectangle 72">
@@ -11828,7 +17041,236 @@
 </p:sld>
 </file>
 
+<file path=ppt/slides/slide5.xml><?xml version="1.0" encoding="utf-8"?>
+<p:sld xmlns:a="http://schemas.openxmlformats.org/drawingml/2006/main" xmlns:r="http://schemas.openxmlformats.org/officeDocument/2006/relationships" xmlns:p="http://schemas.openxmlformats.org/presentationml/2006/main">
+  <p:cSld>
+    <p:spTree>
+      <p:nvGrpSpPr>
+        <p:cNvPr id="1" name=""/>
+        <p:cNvGrpSpPr/>
+        <p:nvPr/>
+      </p:nvGrpSpPr>
+      <p:grpSpPr>
+        <a:xfrm>
+          <a:off x="0" y="0"/>
+          <a:ext cx="0" cy="0"/>
+          <a:chOff x="0" y="0"/>
+          <a:chExt cx="0" cy="0"/>
+        </a:xfrm>
+      </p:grpSpPr>
+      <p:sp>
+        <p:nvSpPr>
+          <p:cNvPr id="2" name="Titel 1">
+            <a:extLst>
+              <a:ext uri="{FF2B5EF4-FFF2-40B4-BE49-F238E27FC236}">
+                <a16:creationId xmlns:a16="http://schemas.microsoft.com/office/drawing/2014/main" id="{C1340D35-3673-D54F-BDE6-7FDD63282096}"/>
+              </a:ext>
+            </a:extLst>
+          </p:cNvPr>
+          <p:cNvSpPr>
+            <a:spLocks noGrp="1"/>
+          </p:cNvSpPr>
+          <p:nvPr>
+            <p:ph type="title"/>
+          </p:nvPr>
+        </p:nvSpPr>
+        <p:spPr/>
+        <p:txBody>
+          <a:bodyPr/>
+          <a:lstStyle/>
+          <a:p>
+            <a:r>
+              <a:rPr lang="de-DE" dirty="0"/>
+              <a:t>Ziele der 2. Iteration</a:t>
+            </a:r>
+          </a:p>
+        </p:txBody>
+      </p:sp>
+      <p:graphicFrame>
+        <p:nvGraphicFramePr>
+          <p:cNvPr id="7" name="Inhaltsplatzhalter 2">
+            <a:extLst>
+              <a:ext uri="{FF2B5EF4-FFF2-40B4-BE49-F238E27FC236}">
+                <a16:creationId xmlns:a16="http://schemas.microsoft.com/office/drawing/2014/main" id="{C07AEC67-191B-DF65-3FFF-427A73436386}"/>
+              </a:ext>
+            </a:extLst>
+          </p:cNvPr>
+          <p:cNvGraphicFramePr>
+            <a:graphicFrameLocks noGrp="1"/>
+          </p:cNvGraphicFramePr>
+          <p:nvPr>
+            <p:ph idx="1"/>
+          </p:nvPr>
+        </p:nvGraphicFramePr>
+        <p:xfrm>
+          <a:off x="1097280" y="1845734"/>
+          <a:ext cx="10058400" cy="4023360"/>
+        </p:xfrm>
+        <a:graphic>
+          <a:graphicData uri="http://schemas.openxmlformats.org/drawingml/2006/diagram">
+            <dgm:relIds xmlns:dgm="http://schemas.openxmlformats.org/drawingml/2006/diagram" xmlns:r="http://schemas.openxmlformats.org/officeDocument/2006/relationships" r:dm="rId2" r:lo="rId3" r:qs="rId4" r:cs="rId5"/>
+          </a:graphicData>
+        </a:graphic>
+      </p:graphicFrame>
+    </p:spTree>
+    <p:extLst>
+      <p:ext uri="{BB962C8B-B14F-4D97-AF65-F5344CB8AC3E}">
+        <p14:creationId xmlns:p14="http://schemas.microsoft.com/office/powerpoint/2010/main" val="2476926989"/>
+      </p:ext>
+    </p:extLst>
+  </p:cSld>
+  <p:clrMapOvr>
+    <a:masterClrMapping/>
+  </p:clrMapOvr>
+  <p:transition spd="slow">
+    <p:push dir="u"/>
+  </p:transition>
+</p:sld>
+</file>
+
 <file path=ppt/slides/slide6.xml><?xml version="1.0" encoding="utf-8"?>
+<p:sld xmlns:a="http://schemas.openxmlformats.org/drawingml/2006/main" xmlns:r="http://schemas.openxmlformats.org/officeDocument/2006/relationships" xmlns:p="http://schemas.openxmlformats.org/presentationml/2006/main">
+  <p:cSld>
+    <p:bg>
+      <p:bgPr>
+        <a:solidFill>
+          <a:schemeClr val="bg1"/>
+        </a:solidFill>
+        <a:effectLst/>
+      </p:bgPr>
+    </p:bg>
+    <p:spTree>
+      <p:nvGrpSpPr>
+        <p:cNvPr id="1" name=""/>
+        <p:cNvGrpSpPr/>
+        <p:nvPr/>
+      </p:nvGrpSpPr>
+      <p:grpSpPr>
+        <a:xfrm>
+          <a:off x="0" y="0"/>
+          <a:ext cx="0" cy="0"/>
+          <a:chOff x="0" y="0"/>
+          <a:chExt cx="0" cy="0"/>
+        </a:xfrm>
+      </p:grpSpPr>
+      <p:sp>
+        <p:nvSpPr>
+          <p:cNvPr id="2" name="Titel 1">
+            <a:extLst>
+              <a:ext uri="{FF2B5EF4-FFF2-40B4-BE49-F238E27FC236}">
+                <a16:creationId xmlns:a16="http://schemas.microsoft.com/office/drawing/2014/main" id="{502FDB6E-D1D0-4628-B339-D626B04F58E9}"/>
+              </a:ext>
+            </a:extLst>
+          </p:cNvPr>
+          <p:cNvSpPr>
+            <a:spLocks noGrp="1"/>
+          </p:cNvSpPr>
+          <p:nvPr>
+            <p:ph type="title"/>
+          </p:nvPr>
+        </p:nvSpPr>
+        <p:spPr>
+          <a:xfrm>
+            <a:off x="1097280" y="286603"/>
+            <a:ext cx="10058400" cy="1450757"/>
+          </a:xfrm>
+        </p:spPr>
+        <p:txBody>
+          <a:bodyPr>
+            <a:normAutofit/>
+          </a:bodyPr>
+          <a:lstStyle/>
+          <a:p>
+            <a:r>
+              <a:rPr lang="de-CH"/>
+              <a:t>Ergebnis Iteration 2</a:t>
+            </a:r>
+            <a:endParaRPr lang="en-CH" dirty="0"/>
+          </a:p>
+        </p:txBody>
+      </p:sp>
+      <p:graphicFrame>
+        <p:nvGraphicFramePr>
+          <p:cNvPr id="9" name="Inhaltsplatzhalter 2">
+            <a:extLst>
+              <a:ext uri="{FF2B5EF4-FFF2-40B4-BE49-F238E27FC236}">
+                <a16:creationId xmlns:a16="http://schemas.microsoft.com/office/drawing/2014/main" id="{F10D39FF-9FB5-278E-6D38-E7A26D572F16}"/>
+              </a:ext>
+            </a:extLst>
+          </p:cNvPr>
+          <p:cNvGraphicFramePr>
+            <a:graphicFrameLocks noGrp="1"/>
+          </p:cNvGraphicFramePr>
+          <p:nvPr>
+            <p:ph idx="1"/>
+          </p:nvPr>
+        </p:nvGraphicFramePr>
+        <p:xfrm>
+          <a:off x="1097279" y="1845734"/>
+          <a:ext cx="6454987" cy="4023360"/>
+        </p:xfrm>
+        <a:graphic>
+          <a:graphicData uri="http://schemas.openxmlformats.org/drawingml/2006/diagram">
+            <dgm:relIds xmlns:dgm="http://schemas.openxmlformats.org/drawingml/2006/diagram" xmlns:r="http://schemas.openxmlformats.org/officeDocument/2006/relationships" r:dm="rId2" r:lo="rId3" r:qs="rId4" r:cs="rId5"/>
+          </a:graphicData>
+        </a:graphic>
+      </p:graphicFrame>
+      <p:pic>
+        <p:nvPicPr>
+          <p:cNvPr id="7" name="Graphic 6" descr="Volltreffer">
+            <a:extLst>
+              <a:ext uri="{FF2B5EF4-FFF2-40B4-BE49-F238E27FC236}">
+                <a16:creationId xmlns:a16="http://schemas.microsoft.com/office/drawing/2014/main" id="{1FAA8FE5-E435-049E-CD43-FE919C4C3A97}"/>
+              </a:ext>
+            </a:extLst>
+          </p:cNvPr>
+          <p:cNvPicPr>
+            <a:picLocks noChangeAspect="1"/>
+          </p:cNvPicPr>
+          <p:nvPr/>
+        </p:nvPicPr>
+        <p:blipFill>
+          <a:blip r:embed="rId7">
+            <a:extLst>
+              <a:ext uri="{28A0092B-C50C-407E-A947-70E740481C1C}">
+                <a14:useLocalDpi xmlns:a14="http://schemas.microsoft.com/office/drawing/2010/main" val="0"/>
+              </a:ext>
+              <a:ext uri="{96DAC541-7B7A-43D3-8B79-37D633B846F1}">
+                <asvg:svgBlip xmlns:asvg="http://schemas.microsoft.com/office/drawing/2016/SVG/main" r:embed="rId8"/>
+              </a:ext>
+            </a:extLst>
+          </a:blip>
+          <a:stretch>
+            <a:fillRect/>
+          </a:stretch>
+        </p:blipFill>
+        <p:spPr>
+          <a:xfrm>
+            <a:off x="8020570" y="2084269"/>
+            <a:ext cx="3135109" cy="3135109"/>
+          </a:xfrm>
+          <a:prstGeom prst="rect">
+            <a:avLst/>
+          </a:prstGeom>
+        </p:spPr>
+      </p:pic>
+    </p:spTree>
+    <p:extLst>
+      <p:ext uri="{BB962C8B-B14F-4D97-AF65-F5344CB8AC3E}">
+        <p14:creationId xmlns:p14="http://schemas.microsoft.com/office/powerpoint/2010/main" val="4293874489"/>
+      </p:ext>
+    </p:extLst>
+  </p:cSld>
+  <p:clrMapOvr>
+    <a:masterClrMapping/>
+  </p:clrMapOvr>
+  <p:transition spd="slow">
+    <p:push dir="u"/>
+  </p:transition>
+</p:sld>
+</file>
+
+<file path=ppt/slides/slide7.xml><?xml version="1.0" encoding="utf-8"?>
 <p:sld xmlns:a="http://schemas.openxmlformats.org/drawingml/2006/main" xmlns:r="http://schemas.openxmlformats.org/officeDocument/2006/relationships" xmlns:p="http://schemas.openxmlformats.org/presentationml/2006/main">
   <p:cSld>
     <p:bg>
@@ -12130,7 +17572,7 @@
             <p:ph idx="1"/>
             <p:extLst>
               <p:ext uri="{D42A27DB-BD31-4B8C-83A1-F6EECF244321}">
-                <p14:modId xmlns:p14="http://schemas.microsoft.com/office/powerpoint/2010/main" val="2611893253"/>
+                <p14:modId xmlns:p14="http://schemas.microsoft.com/office/powerpoint/2010/main" val="1109913739"/>
               </p:ext>
             </p:extLst>
           </p:nvPr>
@@ -12161,7 +17603,7 @@
 </p:sld>
 </file>
 
-<file path=ppt/slides/slide7.xml><?xml version="1.0" encoding="utf-8"?>
+<file path=ppt/slides/slide8.xml><?xml version="1.0" encoding="utf-8"?>
 <p:sld xmlns:a="http://schemas.openxmlformats.org/drawingml/2006/main" xmlns:r="http://schemas.openxmlformats.org/officeDocument/2006/relationships" xmlns:p="http://schemas.openxmlformats.org/presentationml/2006/main">
   <p:cSld>
     <p:bg>
